--- a/공채관련_자료/농심 NDS/NDS 임원 면접 초안2.pptx
+++ b/공채관련_자료/농심 NDS/NDS 임원 면접 초안2.pptx
@@ -275,38 +275,37 @@
           <a:p>
             <a:pPr lvl="0"/>
             <a:r>
-              <a:rPr lang="ko-KR" altLang="en-US" smtClean="0"/>
+              <a:rPr lang="ko-KR" altLang="en-US"/>
               <a:t>마스터 텍스트 스타일 편집</a:t>
             </a:r>
           </a:p>
           <a:p>
             <a:pPr lvl="1"/>
             <a:r>
-              <a:rPr lang="ko-KR" altLang="en-US" smtClean="0"/>
+              <a:rPr lang="ko-KR" altLang="en-US"/>
               <a:t>둘째 수준</a:t>
             </a:r>
           </a:p>
           <a:p>
             <a:pPr lvl="2"/>
             <a:r>
-              <a:rPr lang="ko-KR" altLang="en-US" smtClean="0"/>
+              <a:rPr lang="ko-KR" altLang="en-US"/>
               <a:t>셋째 수준</a:t>
             </a:r>
           </a:p>
           <a:p>
             <a:pPr lvl="3"/>
             <a:r>
-              <a:rPr lang="ko-KR" altLang="en-US" smtClean="0"/>
+              <a:rPr lang="ko-KR" altLang="en-US"/>
               <a:t>넷째 수준</a:t>
             </a:r>
           </a:p>
           <a:p>
             <a:pPr lvl="4"/>
             <a:r>
-              <a:rPr lang="ko-KR" altLang="en-US" smtClean="0"/>
+              <a:rPr lang="ko-KR" altLang="en-US"/>
               <a:t>다섯째 수준</a:t>
             </a:r>
-            <a:endParaRPr lang="ko-KR" altLang="en-US"/>
           </a:p>
         </p:txBody>
       </p:sp>
@@ -563,6 +562,156 @@
 </p:notes>
 </file>
 
+<file path=ppt/notesSlides/notesSlide2.xml><?xml version="1.0" encoding="utf-8"?>
+<p:notes xmlns:a="http://schemas.openxmlformats.org/drawingml/2006/main" xmlns:r="http://schemas.openxmlformats.org/officeDocument/2006/relationships" xmlns:p="http://schemas.openxmlformats.org/presentationml/2006/main">
+  <p:cSld>
+    <p:spTree>
+      <p:nvGrpSpPr>
+        <p:cNvPr id="1" name=""/>
+        <p:cNvGrpSpPr/>
+        <p:nvPr/>
+      </p:nvGrpSpPr>
+      <p:grpSpPr>
+        <a:xfrm>
+          <a:off x="0" y="0"/>
+          <a:ext cx="0" cy="0"/>
+          <a:chOff x="0" y="0"/>
+          <a:chExt cx="0" cy="0"/>
+        </a:xfrm>
+      </p:grpSpPr>
+      <p:sp>
+        <p:nvSpPr>
+          <p:cNvPr id="2" name="슬라이드 이미지 개체 틀 1"/>
+          <p:cNvSpPr>
+            <a:spLocks noGrp="1" noRot="1" noChangeAspect="1"/>
+          </p:cNvSpPr>
+          <p:nvPr>
+            <p:ph type="sldImg"/>
+          </p:nvPr>
+        </p:nvSpPr>
+        <p:spPr/>
+      </p:sp>
+      <p:sp>
+        <p:nvSpPr>
+          <p:cNvPr id="3" name="슬라이드 노트 개체 틀 2"/>
+          <p:cNvSpPr>
+            <a:spLocks noGrp="1"/>
+          </p:cNvSpPr>
+          <p:nvPr>
+            <p:ph type="body" idx="1"/>
+          </p:nvPr>
+        </p:nvSpPr>
+        <p:spPr/>
+        <p:txBody>
+          <a:bodyPr/>
+          <a:lstStyle/>
+          <a:p>
+            <a:r>
+              <a:rPr lang="ko-KR" altLang="en-US"/>
+              <a:t>원격 의료의 종류</a:t>
+            </a:r>
+            <a:r>
+              <a:rPr lang="en-US" altLang="ko-KR"/>
+              <a:t>. </a:t>
+            </a:r>
+            <a:r>
+              <a:rPr lang="ko-KR" altLang="en-US"/>
+              <a:t>단순 진료</a:t>
+            </a:r>
+            <a:r>
+              <a:rPr lang="en-US" altLang="ko-KR"/>
+              <a:t>, </a:t>
+            </a:r>
+            <a:r>
+              <a:rPr lang="ko-KR" altLang="en-US"/>
+              <a:t>건강관리 모니터링</a:t>
+            </a:r>
+            <a:r>
+              <a:rPr lang="en-US" altLang="ko-KR"/>
+              <a:t>(IoT</a:t>
+            </a:r>
+            <a:r>
+              <a:rPr lang="ko-KR" altLang="en-US"/>
+              <a:t>센서 활용하여 심질환 환자 모니터링</a:t>
+            </a:r>
+            <a:r>
+              <a:rPr lang="en-US" altLang="ko-KR"/>
+              <a:t>), </a:t>
+            </a:r>
+            <a:r>
+              <a:rPr lang="ko-KR" altLang="en-US"/>
+              <a:t>원격의료기기 등</a:t>
+            </a:r>
+            <a:endParaRPr lang="en-US" altLang="ko-KR"/>
+          </a:p>
+          <a:p>
+            <a:r>
+              <a:rPr lang="ko-KR" altLang="en-US"/>
+              <a:t>단순진료 </a:t>
+            </a:r>
+            <a:r>
+              <a:rPr lang="en-US" altLang="ko-KR"/>
+              <a:t>: </a:t>
+            </a:r>
+            <a:r>
+              <a:rPr lang="ko-KR" altLang="en-US"/>
+              <a:t>전화</a:t>
+            </a:r>
+            <a:r>
+              <a:rPr lang="en-US" altLang="ko-KR"/>
+              <a:t>, </a:t>
+            </a:r>
+            <a:r>
+              <a:rPr lang="ko-KR" altLang="en-US"/>
+              <a:t>문자</a:t>
+            </a:r>
+            <a:r>
+              <a:rPr lang="en-US" altLang="ko-KR"/>
+              <a:t>, </a:t>
+            </a:r>
+            <a:r>
+              <a:rPr lang="ko-KR" altLang="en-US"/>
+              <a:t>영상통화 등</a:t>
+            </a:r>
+          </a:p>
+        </p:txBody>
+      </p:sp>
+      <p:sp>
+        <p:nvSpPr>
+          <p:cNvPr id="4" name="슬라이드 번호 개체 틀 3"/>
+          <p:cNvSpPr>
+            <a:spLocks noGrp="1"/>
+          </p:cNvSpPr>
+          <p:nvPr>
+            <p:ph type="sldNum" sz="quarter" idx="5"/>
+          </p:nvPr>
+        </p:nvSpPr>
+        <p:spPr/>
+        <p:txBody>
+          <a:bodyPr/>
+          <a:lstStyle/>
+          <a:p>
+            <a:fld id="{2E833B1C-5338-4282-BC5C-B5BC5EDB3DF7}" type="slidenum">
+              <a:rPr lang="ko-KR" altLang="en-US" smtClean="0"/>
+              <a:t>3</a:t>
+            </a:fld>
+            <a:endParaRPr lang="ko-KR" altLang="en-US"/>
+          </a:p>
+        </p:txBody>
+      </p:sp>
+    </p:spTree>
+    <p:extLst>
+      <p:ext uri="{BB962C8B-B14F-4D97-AF65-F5344CB8AC3E}">
+        <p14:creationId xmlns:p14="http://schemas.microsoft.com/office/powerpoint/2010/main" val="143434650"/>
+      </p:ext>
+    </p:extLst>
+  </p:cSld>
+  <p:clrMapOvr>
+    <a:masterClrMapping/>
+  </p:clrMapOvr>
+</p:notes>
+</file>
+
 <file path=ppt/slideLayouts/slideLayout1.xml><?xml version="1.0" encoding="utf-8"?>
 <p:sldLayout xmlns:a="http://schemas.openxmlformats.org/drawingml/2006/main" xmlns:r="http://schemas.openxmlformats.org/officeDocument/2006/relationships" xmlns:p="http://schemas.openxmlformats.org/presentationml/2006/main" type="title" preserve="1">
   <p:cSld name="Title Slide">
@@ -601,10 +750,9 @@
           <a:lstStyle/>
           <a:p>
             <a:r>
-              <a:rPr lang="en-US" smtClean="0"/>
+              <a:rPr lang="en-US"/>
               <a:t>Click to edit Master title style</a:t>
             </a:r>
-            <a:endParaRPr lang="en-US"/>
           </a:p>
         </p:txBody>
       </p:sp>
@@ -720,10 +868,9 @@
           </a:lstStyle>
           <a:p>
             <a:r>
-              <a:rPr lang="en-US" smtClean="0"/>
+              <a:rPr lang="en-US"/>
               <a:t>Click to edit Master subtitle style</a:t>
             </a:r>
-            <a:endParaRPr lang="en-US"/>
           </a:p>
         </p:txBody>
       </p:sp>
@@ -833,10 +980,9 @@
           <a:lstStyle/>
           <a:p>
             <a:r>
-              <a:rPr lang="en-US" smtClean="0"/>
+              <a:rPr lang="en-US"/>
               <a:t>Click to edit Master title style</a:t>
             </a:r>
-            <a:endParaRPr lang="en-US"/>
           </a:p>
         </p:txBody>
       </p:sp>
@@ -857,38 +1003,37 @@
           <a:p>
             <a:pPr lvl="0"/>
             <a:r>
-              <a:rPr lang="en-US" smtClean="0"/>
+              <a:rPr lang="en-US"/>
               <a:t>Click to edit Master text styles</a:t>
             </a:r>
           </a:p>
           <a:p>
             <a:pPr lvl="1"/>
             <a:r>
-              <a:rPr lang="en-US" smtClean="0"/>
+              <a:rPr lang="en-US"/>
               <a:t>Second level</a:t>
             </a:r>
           </a:p>
           <a:p>
             <a:pPr lvl="2"/>
             <a:r>
-              <a:rPr lang="en-US" smtClean="0"/>
+              <a:rPr lang="en-US"/>
               <a:t>Third level</a:t>
             </a:r>
           </a:p>
           <a:p>
             <a:pPr lvl="3"/>
             <a:r>
-              <a:rPr lang="en-US" smtClean="0"/>
+              <a:rPr lang="en-US"/>
               <a:t>Fourth level</a:t>
             </a:r>
           </a:p>
           <a:p>
             <a:pPr lvl="4"/>
             <a:r>
-              <a:rPr lang="en-US" smtClean="0"/>
+              <a:rPr lang="en-US"/>
               <a:t>Fifth level</a:t>
             </a:r>
-            <a:endParaRPr lang="en-US"/>
           </a:p>
         </p:txBody>
       </p:sp>
@@ -1003,10 +1148,9 @@
           <a:lstStyle/>
           <a:p>
             <a:r>
-              <a:rPr lang="en-US" smtClean="0"/>
+              <a:rPr lang="en-US"/>
               <a:t>Click to edit Master title style</a:t>
             </a:r>
-            <a:endParaRPr lang="en-US"/>
           </a:p>
         </p:txBody>
       </p:sp>
@@ -1032,38 +1176,37 @@
           <a:p>
             <a:pPr lvl="0"/>
             <a:r>
-              <a:rPr lang="en-US" smtClean="0"/>
+              <a:rPr lang="en-US"/>
               <a:t>Click to edit Master text styles</a:t>
             </a:r>
           </a:p>
           <a:p>
             <a:pPr lvl="1"/>
             <a:r>
-              <a:rPr lang="en-US" smtClean="0"/>
+              <a:rPr lang="en-US"/>
               <a:t>Second level</a:t>
             </a:r>
           </a:p>
           <a:p>
             <a:pPr lvl="2"/>
             <a:r>
-              <a:rPr lang="en-US" smtClean="0"/>
+              <a:rPr lang="en-US"/>
               <a:t>Third level</a:t>
             </a:r>
           </a:p>
           <a:p>
             <a:pPr lvl="3"/>
             <a:r>
-              <a:rPr lang="en-US" smtClean="0"/>
+              <a:rPr lang="en-US"/>
               <a:t>Fourth level</a:t>
             </a:r>
           </a:p>
           <a:p>
             <a:pPr lvl="4"/>
             <a:r>
-              <a:rPr lang="en-US" smtClean="0"/>
+              <a:rPr lang="en-US"/>
               <a:t>Fifth level</a:t>
             </a:r>
-            <a:endParaRPr lang="en-US"/>
           </a:p>
         </p:txBody>
       </p:sp>
@@ -1173,10 +1316,9 @@
           <a:lstStyle/>
           <a:p>
             <a:r>
-              <a:rPr lang="en-US" smtClean="0"/>
+              <a:rPr lang="en-US"/>
               <a:t>Click to edit Master title style</a:t>
             </a:r>
-            <a:endParaRPr lang="en-US"/>
           </a:p>
         </p:txBody>
       </p:sp>
@@ -1199,38 +1341,37 @@
               <a:buChar char="•"/>
             </a:pPr>
             <a:r>
-              <a:rPr lang="en-US" smtClean="0"/>
+              <a:rPr lang="en-US"/>
               <a:t>Click to edit Master text styles</a:t>
             </a:r>
           </a:p>
           <a:p>
             <a:pPr lvl="1"/>
             <a:r>
-              <a:rPr lang="en-US" smtClean="0"/>
+              <a:rPr lang="en-US"/>
               <a:t>Second level</a:t>
             </a:r>
           </a:p>
           <a:p>
             <a:pPr lvl="2"/>
             <a:r>
-              <a:rPr lang="en-US" smtClean="0"/>
+              <a:rPr lang="en-US"/>
               <a:t>Third level</a:t>
             </a:r>
           </a:p>
           <a:p>
             <a:pPr lvl="3"/>
             <a:r>
-              <a:rPr lang="en-US" smtClean="0"/>
+              <a:rPr lang="en-US"/>
               <a:t>Fourth level</a:t>
             </a:r>
           </a:p>
           <a:p>
             <a:pPr lvl="4"/>
             <a:r>
-              <a:rPr lang="en-US" smtClean="0"/>
+              <a:rPr lang="en-US"/>
               <a:t>Fifth level</a:t>
             </a:r>
-            <a:endParaRPr lang="en-US"/>
           </a:p>
         </p:txBody>
       </p:sp>
@@ -1349,10 +1490,9 @@
           </a:lstStyle>
           <a:p>
             <a:r>
-              <a:rPr lang="en-US" smtClean="0"/>
+              <a:rPr lang="en-US"/>
               <a:t>Click to edit Master title style</a:t>
             </a:r>
-            <a:endParaRPr lang="en-US"/>
           </a:p>
         </p:txBody>
       </p:sp>
@@ -1469,7 +1609,7 @@
           <a:p>
             <a:pPr lvl="0"/>
             <a:r>
-              <a:rPr lang="en-US" smtClean="0"/>
+              <a:rPr lang="en-US"/>
               <a:t>Click to edit Master text styles</a:t>
             </a:r>
           </a:p>
@@ -1581,10 +1721,9 @@
           <a:lstStyle/>
           <a:p>
             <a:r>
-              <a:rPr lang="en-US" smtClean="0"/>
+              <a:rPr lang="en-US"/>
               <a:t>Click to edit Master title style</a:t>
             </a:r>
-            <a:endParaRPr lang="en-US"/>
           </a:p>
         </p:txBody>
       </p:sp>
@@ -1638,38 +1777,37 @@
           <a:p>
             <a:pPr lvl="0"/>
             <a:r>
-              <a:rPr lang="en-US" smtClean="0"/>
+              <a:rPr lang="en-US"/>
               <a:t>Click to edit Master text styles</a:t>
             </a:r>
           </a:p>
           <a:p>
             <a:pPr lvl="1"/>
             <a:r>
-              <a:rPr lang="en-US" smtClean="0"/>
+              <a:rPr lang="en-US"/>
               <a:t>Second level</a:t>
             </a:r>
           </a:p>
           <a:p>
             <a:pPr lvl="2"/>
             <a:r>
-              <a:rPr lang="en-US" smtClean="0"/>
+              <a:rPr lang="en-US"/>
               <a:t>Third level</a:t>
             </a:r>
           </a:p>
           <a:p>
             <a:pPr lvl="3"/>
             <a:r>
-              <a:rPr lang="en-US" smtClean="0"/>
+              <a:rPr lang="en-US"/>
               <a:t>Fourth level</a:t>
             </a:r>
           </a:p>
           <a:p>
             <a:pPr lvl="4"/>
             <a:r>
-              <a:rPr lang="en-US" smtClean="0"/>
+              <a:rPr lang="en-US"/>
               <a:t>Fifth level</a:t>
             </a:r>
-            <a:endParaRPr lang="en-US"/>
           </a:p>
         </p:txBody>
       </p:sp>
@@ -1723,38 +1861,37 @@
           <a:p>
             <a:pPr lvl="0"/>
             <a:r>
-              <a:rPr lang="en-US" smtClean="0"/>
+              <a:rPr lang="en-US"/>
               <a:t>Click to edit Master text styles</a:t>
             </a:r>
           </a:p>
           <a:p>
             <a:pPr lvl="1"/>
             <a:r>
-              <a:rPr lang="en-US" smtClean="0"/>
+              <a:rPr lang="en-US"/>
               <a:t>Second level</a:t>
             </a:r>
           </a:p>
           <a:p>
             <a:pPr lvl="2"/>
             <a:r>
-              <a:rPr lang="en-US" smtClean="0"/>
+              <a:rPr lang="en-US"/>
               <a:t>Third level</a:t>
             </a:r>
           </a:p>
           <a:p>
             <a:pPr lvl="3"/>
             <a:r>
-              <a:rPr lang="en-US" smtClean="0"/>
+              <a:rPr lang="en-US"/>
               <a:t>Fourth level</a:t>
             </a:r>
           </a:p>
           <a:p>
             <a:pPr lvl="4"/>
             <a:r>
-              <a:rPr lang="en-US" smtClean="0"/>
+              <a:rPr lang="en-US"/>
               <a:t>Fifth level</a:t>
             </a:r>
-            <a:endParaRPr lang="en-US"/>
           </a:p>
         </p:txBody>
       </p:sp>
@@ -1868,10 +2005,9 @@
           </a:lstStyle>
           <a:p>
             <a:r>
-              <a:rPr lang="en-US" smtClean="0"/>
+              <a:rPr lang="en-US"/>
               <a:t>Click to edit Master title style</a:t>
             </a:r>
-            <a:endParaRPr lang="en-US"/>
           </a:p>
         </p:txBody>
       </p:sp>
@@ -1934,7 +2070,7 @@
           <a:p>
             <a:pPr lvl="0"/>
             <a:r>
-              <a:rPr lang="en-US" smtClean="0"/>
+              <a:rPr lang="en-US"/>
               <a:t>Click to edit Master text styles</a:t>
             </a:r>
           </a:p>
@@ -1990,38 +2126,37 @@
           <a:p>
             <a:pPr lvl="0"/>
             <a:r>
-              <a:rPr lang="en-US" smtClean="0"/>
+              <a:rPr lang="en-US"/>
               <a:t>Click to edit Master text styles</a:t>
             </a:r>
           </a:p>
           <a:p>
             <a:pPr lvl="1"/>
             <a:r>
-              <a:rPr lang="en-US" smtClean="0"/>
+              <a:rPr lang="en-US"/>
               <a:t>Second level</a:t>
             </a:r>
           </a:p>
           <a:p>
             <a:pPr lvl="2"/>
             <a:r>
-              <a:rPr lang="en-US" smtClean="0"/>
+              <a:rPr lang="en-US"/>
               <a:t>Third level</a:t>
             </a:r>
           </a:p>
           <a:p>
             <a:pPr lvl="3"/>
             <a:r>
-              <a:rPr lang="en-US" smtClean="0"/>
+              <a:rPr lang="en-US"/>
               <a:t>Fourth level</a:t>
             </a:r>
           </a:p>
           <a:p>
             <a:pPr lvl="4"/>
             <a:r>
-              <a:rPr lang="en-US" smtClean="0"/>
+              <a:rPr lang="en-US"/>
               <a:t>Fifth level</a:t>
             </a:r>
-            <a:endParaRPr lang="en-US"/>
           </a:p>
         </p:txBody>
       </p:sp>
@@ -2084,7 +2219,7 @@
           <a:p>
             <a:pPr lvl="0"/>
             <a:r>
-              <a:rPr lang="en-US" smtClean="0"/>
+              <a:rPr lang="en-US"/>
               <a:t>Click to edit Master text styles</a:t>
             </a:r>
           </a:p>
@@ -2140,38 +2275,37 @@
           <a:p>
             <a:pPr lvl="0"/>
             <a:r>
-              <a:rPr lang="en-US" smtClean="0"/>
+              <a:rPr lang="en-US"/>
               <a:t>Click to edit Master text styles</a:t>
             </a:r>
           </a:p>
           <a:p>
             <a:pPr lvl="1"/>
             <a:r>
-              <a:rPr lang="en-US" smtClean="0"/>
+              <a:rPr lang="en-US"/>
               <a:t>Second level</a:t>
             </a:r>
           </a:p>
           <a:p>
             <a:pPr lvl="2"/>
             <a:r>
-              <a:rPr lang="en-US" smtClean="0"/>
+              <a:rPr lang="en-US"/>
               <a:t>Third level</a:t>
             </a:r>
           </a:p>
           <a:p>
             <a:pPr lvl="3"/>
             <a:r>
-              <a:rPr lang="en-US" smtClean="0"/>
+              <a:rPr lang="en-US"/>
               <a:t>Fourth level</a:t>
             </a:r>
           </a:p>
           <a:p>
             <a:pPr lvl="4"/>
             <a:r>
-              <a:rPr lang="en-US" smtClean="0"/>
+              <a:rPr lang="en-US"/>
               <a:t>Fifth level</a:t>
             </a:r>
-            <a:endParaRPr lang="en-US"/>
           </a:p>
         </p:txBody>
       </p:sp>
@@ -2281,10 +2415,9 @@
           <a:lstStyle/>
           <a:p>
             <a:r>
-              <a:rPr lang="en-US" smtClean="0"/>
+              <a:rPr lang="en-US"/>
               <a:t>Click to edit Master title style</a:t>
             </a:r>
-            <a:endParaRPr lang="en-US"/>
           </a:p>
         </p:txBody>
       </p:sp>
@@ -2493,10 +2626,9 @@
           </a:lstStyle>
           <a:p>
             <a:r>
-              <a:rPr lang="en-US" smtClean="0"/>
+              <a:rPr lang="en-US"/>
               <a:t>Click to edit Master title style</a:t>
             </a:r>
-            <a:endParaRPr lang="en-US"/>
           </a:p>
         </p:txBody>
       </p:sp>
@@ -2550,38 +2682,37 @@
           <a:p>
             <a:pPr lvl="0"/>
             <a:r>
-              <a:rPr lang="en-US" smtClean="0"/>
+              <a:rPr lang="en-US"/>
               <a:t>Click to edit Master text styles</a:t>
             </a:r>
           </a:p>
           <a:p>
             <a:pPr lvl="1"/>
             <a:r>
-              <a:rPr lang="en-US" smtClean="0"/>
+              <a:rPr lang="en-US"/>
               <a:t>Second level</a:t>
             </a:r>
           </a:p>
           <a:p>
             <a:pPr lvl="2"/>
             <a:r>
-              <a:rPr lang="en-US" smtClean="0"/>
+              <a:rPr lang="en-US"/>
               <a:t>Third level</a:t>
             </a:r>
           </a:p>
           <a:p>
             <a:pPr lvl="3"/>
             <a:r>
-              <a:rPr lang="en-US" smtClean="0"/>
+              <a:rPr lang="en-US"/>
               <a:t>Fourth level</a:t>
             </a:r>
           </a:p>
           <a:p>
             <a:pPr lvl="4"/>
             <a:r>
-              <a:rPr lang="en-US" smtClean="0"/>
+              <a:rPr lang="en-US"/>
               <a:t>Fifth level</a:t>
             </a:r>
-            <a:endParaRPr lang="en-US"/>
           </a:p>
         </p:txBody>
       </p:sp>
@@ -2644,7 +2775,7 @@
           <a:p>
             <a:pPr lvl="0"/>
             <a:r>
-              <a:rPr lang="en-US" smtClean="0"/>
+              <a:rPr lang="en-US"/>
               <a:t>Click to edit Master text styles</a:t>
             </a:r>
           </a:p>
@@ -2765,10 +2896,9 @@
           </a:lstStyle>
           <a:p>
             <a:r>
-              <a:rPr lang="en-US" smtClean="0"/>
+              <a:rPr lang="en-US"/>
               <a:t>Click to edit Master title style</a:t>
             </a:r>
-            <a:endParaRPr lang="en-US"/>
           </a:p>
         </p:txBody>
       </p:sp>
@@ -2892,7 +3022,7 @@
           <a:p>
             <a:pPr lvl="0"/>
             <a:r>
-              <a:rPr lang="en-US" smtClean="0"/>
+              <a:rPr lang="en-US"/>
               <a:t>Click to edit Master text styles</a:t>
             </a:r>
           </a:p>
@@ -3019,10 +3149,9 @@
           <a:lstStyle/>
           <a:p>
             <a:r>
-              <a:rPr lang="en-US" smtClean="0"/>
+              <a:rPr lang="en-US"/>
               <a:t>Click to edit Master title style</a:t>
             </a:r>
-            <a:endParaRPr lang="en-US"/>
           </a:p>
         </p:txBody>
       </p:sp>
@@ -3053,38 +3182,37 @@
           <a:p>
             <a:pPr lvl="0"/>
             <a:r>
-              <a:rPr lang="en-US" smtClean="0"/>
+              <a:rPr lang="en-US"/>
               <a:t>Click to edit Master text styles</a:t>
             </a:r>
           </a:p>
           <a:p>
             <a:pPr lvl="1"/>
             <a:r>
-              <a:rPr lang="en-US" smtClean="0"/>
+              <a:rPr lang="en-US"/>
               <a:t>Second level</a:t>
             </a:r>
           </a:p>
           <a:p>
             <a:pPr lvl="2"/>
             <a:r>
-              <a:rPr lang="en-US" smtClean="0"/>
+              <a:rPr lang="en-US"/>
               <a:t>Third level</a:t>
             </a:r>
           </a:p>
           <a:p>
             <a:pPr lvl="3"/>
             <a:r>
-              <a:rPr lang="en-US" smtClean="0"/>
+              <a:rPr lang="en-US"/>
               <a:t>Fourth level</a:t>
             </a:r>
           </a:p>
           <a:p>
             <a:pPr lvl="4"/>
             <a:r>
-              <a:rPr lang="en-US" smtClean="0"/>
+              <a:rPr lang="en-US"/>
               <a:t>Fifth level</a:t>
             </a:r>
-            <a:endParaRPr lang="en-US"/>
           </a:p>
         </p:txBody>
       </p:sp>
@@ -3548,7 +3676,7 @@
         </p:nvGrpSpPr>
         <p:grpSpPr>
           <a:xfrm>
-            <a:off x="13928171" y="5014015"/>
+            <a:off x="13904701" y="4586919"/>
             <a:ext cx="6952381" cy="48161"/>
             <a:chOff x="13928171" y="5014015"/>
             <a:chExt cx="6952381" cy="48161"/>
@@ -3587,7 +3715,7 @@
         </p:nvGrpSpPr>
         <p:grpSpPr>
           <a:xfrm>
-            <a:off x="17264437" y="1040552"/>
+            <a:off x="17264435" y="495300"/>
             <a:ext cx="232911" cy="265020"/>
             <a:chOff x="17264437" y="1040552"/>
             <a:chExt cx="232911" cy="265020"/>
@@ -3641,7 +3769,7 @@
           <a:lstStyle/>
           <a:p>
             <a:r>
-              <a:rPr lang="en-US" altLang="ko-KR" sz="13000" dirty="0" smtClean="0">
+              <a:rPr lang="en-US" altLang="ko-KR" sz="13000" dirty="0">
                 <a:solidFill>
                   <a:srgbClr val="00B050"/>
                 </a:solidFill>
@@ -3651,7 +3779,7 @@
               <a:t>NDS </a:t>
             </a:r>
             <a:r>
-              <a:rPr lang="ko-KR" altLang="en-US" sz="13000" dirty="0" smtClean="0">
+              <a:rPr lang="ko-KR" altLang="en-US" sz="13000" dirty="0">
                 <a:solidFill>
                   <a:srgbClr val="00B050"/>
                 </a:solidFill>
@@ -3660,13 +3788,6 @@
               </a:rPr>
               <a:t>임원 면접</a:t>
             </a:r>
-            <a:endParaRPr lang="ko-KR" altLang="en-US" sz="13000" dirty="0">
-              <a:solidFill>
-                <a:srgbClr val="00B050"/>
-              </a:solidFill>
-              <a:latin typeface="경기천년제목 Medium" panose="02020603020101020101" pitchFamily="18" charset="-127"/>
-              <a:ea typeface="경기천년제목 Medium" panose="02020603020101020101" pitchFamily="18" charset="-127"/>
-            </a:endParaRPr>
           </a:p>
         </p:txBody>
       </p:sp>
@@ -3693,57 +3814,36 @@
           <a:lstStyle/>
           <a:p>
             <a:r>
-              <a:rPr lang="en-US" altLang="ko-KR" sz="5000" dirty="0" smtClean="0">
+              <a:rPr lang="en-US" altLang="ko-KR" sz="5000" dirty="0">
                 <a:latin typeface="경기천년제목 Light" panose="02020403020101020101" pitchFamily="18" charset="-127"/>
                 <a:ea typeface="경기천년제목 Light" panose="02020403020101020101" pitchFamily="18" charset="-127"/>
               </a:rPr>
               <a:t>- NDS</a:t>
             </a:r>
             <a:r>
-              <a:rPr lang="ko-KR" altLang="en-US" sz="5000" dirty="0" smtClean="0">
+              <a:rPr lang="ko-KR" altLang="en-US" sz="5000" dirty="0">
                 <a:latin typeface="경기천년제목 Light" panose="02020403020101020101" pitchFamily="18" charset="-127"/>
                 <a:ea typeface="경기천년제목 Light" panose="02020403020101020101" pitchFamily="18" charset="-127"/>
               </a:rPr>
               <a:t>의 신사업 진출 아이디어 </a:t>
             </a:r>
             <a:r>
-              <a:rPr lang="en-US" altLang="ko-KR" sz="5000" dirty="0" smtClean="0">
+              <a:rPr lang="en-US" altLang="ko-KR" sz="5000" dirty="0">
                 <a:latin typeface="경기천년제목 Light" panose="02020403020101020101" pitchFamily="18" charset="-127"/>
                 <a:ea typeface="경기천년제목 Light" panose="02020403020101020101" pitchFamily="18" charset="-127"/>
               </a:rPr>
               <a:t>: </a:t>
             </a:r>
             <a:r>
-              <a:rPr lang="ko-KR" altLang="en-US" sz="5400" dirty="0" smtClean="0">
-                <a:latin typeface="경기천년제목 Light" panose="02020403020101020101" pitchFamily="18" charset="-127"/>
-                <a:ea typeface="경기천년제목 Light" panose="02020403020101020101" pitchFamily="18" charset="-127"/>
-              </a:rPr>
-              <a:t>원격 </a:t>
-            </a:r>
-            <a:r>
               <a:rPr lang="ko-KR" altLang="en-US" sz="5400" dirty="0">
-                <a:latin typeface="경기천년제목 Light" panose="02020403020101020101" pitchFamily="18" charset="-127"/>
-                <a:ea typeface="경기천년제목 Light" panose="02020403020101020101" pitchFamily="18" charset="-127"/>
-              </a:rPr>
-              <a:t>의료 </a:t>
-            </a:r>
-            <a:r>
-              <a:rPr lang="ko-KR" altLang="en-US" sz="5400" dirty="0" smtClean="0">
                 <a:solidFill>
                   <a:srgbClr val="FF0000"/>
                 </a:solidFill>
                 <a:latin typeface="경기천년제목 Light" panose="02020403020101020101" pitchFamily="18" charset="-127"/>
                 <a:ea typeface="경기천년제목 Light" panose="02020403020101020101" pitchFamily="18" charset="-127"/>
               </a:rPr>
-              <a:t>서비스</a:t>
-            </a:r>
-            <a:endParaRPr lang="ko-KR" altLang="en-US" sz="5400" dirty="0">
-              <a:solidFill>
-                <a:srgbClr val="FF0000"/>
-              </a:solidFill>
-              <a:latin typeface="경기천년제목 Light" panose="02020403020101020101" pitchFamily="18" charset="-127"/>
-              <a:ea typeface="경기천년제목 Light" panose="02020403020101020101" pitchFamily="18" charset="-127"/>
-            </a:endParaRPr>
+              <a:t>원격 의료 서비스</a:t>
+            </a:r>
           </a:p>
         </p:txBody>
       </p:sp>
@@ -3755,7 +3855,7 @@
         </p:nvSpPr>
         <p:spPr>
           <a:xfrm>
-            <a:off x="14859000" y="8731411"/>
+            <a:off x="14859000" y="8496300"/>
             <a:ext cx="4191000" cy="1323439"/>
           </a:xfrm>
           <a:prstGeom prst="rect">
@@ -3770,42 +3870,84 @@
           <a:lstStyle/>
           <a:p>
             <a:r>
-              <a:rPr lang="en-US" altLang="ko-KR" sz="4000" dirty="0" smtClean="0">
-                <a:latin typeface="경기천년제목 Medium" panose="02020603020101020101" pitchFamily="18" charset="-127"/>
-                <a:ea typeface="경기천년제목 Medium" panose="02020603020101020101" pitchFamily="18" charset="-127"/>
+              <a:rPr lang="en-US" altLang="ko-KR" sz="4000" dirty="0">
+                <a:latin typeface="나눔스퀘어" panose="020B0600000101010101" pitchFamily="50" charset="-127"/>
+                <a:ea typeface="나눔스퀘어" panose="020B0600000101010101" pitchFamily="50" charset="-127"/>
               </a:rPr>
               <a:t>SI</a:t>
             </a:r>
             <a:r>
-              <a:rPr lang="ko-KR" altLang="en-US" sz="4000" dirty="0" smtClean="0">
-                <a:latin typeface="경기천년제목 Medium" panose="02020603020101020101" pitchFamily="18" charset="-127"/>
-                <a:ea typeface="경기천년제목 Medium" panose="02020603020101020101" pitchFamily="18" charset="-127"/>
+              <a:rPr lang="ko-KR" altLang="en-US" sz="4000" dirty="0">
+                <a:latin typeface="나눔스퀘어" panose="020B0600000101010101" pitchFamily="50" charset="-127"/>
+                <a:ea typeface="나눔스퀘어" panose="020B0600000101010101" pitchFamily="50" charset="-127"/>
               </a:rPr>
               <a:t>개발 직무</a:t>
             </a:r>
-            <a:endParaRPr lang="en-US" altLang="ko-KR" sz="4000" dirty="0" smtClean="0">
-              <a:latin typeface="경기천년제목 Medium" panose="02020603020101020101" pitchFamily="18" charset="-127"/>
-              <a:ea typeface="경기천년제목 Medium" panose="02020603020101020101" pitchFamily="18" charset="-127"/>
+            <a:endParaRPr lang="en-US" altLang="ko-KR" sz="4000" dirty="0">
+              <a:latin typeface="나눔스퀘어" panose="020B0600000101010101" pitchFamily="50" charset="-127"/>
+              <a:ea typeface="나눔스퀘어" panose="020B0600000101010101" pitchFamily="50" charset="-127"/>
             </a:endParaRPr>
           </a:p>
           <a:p>
             <a:r>
               <a:rPr lang="ko-KR" altLang="en-US" sz="4000" dirty="0">
-                <a:latin typeface="경기천년제목 Medium" panose="02020603020101020101" pitchFamily="18" charset="-127"/>
-                <a:ea typeface="경기천년제목 Medium" panose="02020603020101020101" pitchFamily="18" charset="-127"/>
-              </a:rPr>
-              <a:t>지원자 </a:t>
-            </a:r>
-            <a:r>
-              <a:rPr lang="ko-KR" altLang="en-US" sz="4000" dirty="0" smtClean="0">
-                <a:latin typeface="경기천년제목 Medium" panose="02020603020101020101" pitchFamily="18" charset="-127"/>
-                <a:ea typeface="경기천년제목 Medium" panose="02020603020101020101" pitchFamily="18" charset="-127"/>
-              </a:rPr>
-              <a:t>이호성</a:t>
+                <a:latin typeface="나눔스퀘어" panose="020B0600000101010101" pitchFamily="50" charset="-127"/>
+                <a:ea typeface="나눔스퀘어" panose="020B0600000101010101" pitchFamily="50" charset="-127"/>
+              </a:rPr>
+              <a:t>지원자 이호성</a:t>
             </a:r>
             <a:endParaRPr lang="en-US" altLang="ko-KR" sz="4000" dirty="0">
-              <a:latin typeface="경기천년제목 Medium" panose="02020603020101020101" pitchFamily="18" charset="-127"/>
-              <a:ea typeface="경기천년제목 Medium" panose="02020603020101020101" pitchFamily="18" charset="-127"/>
+              <a:latin typeface="나눔스퀘어" panose="020B0600000101010101" pitchFamily="50" charset="-127"/>
+              <a:ea typeface="나눔스퀘어" panose="020B0600000101010101" pitchFamily="50" charset="-127"/>
+            </a:endParaRPr>
+          </a:p>
+        </p:txBody>
+      </p:sp>
+      <p:sp>
+        <p:nvSpPr>
+          <p:cNvPr id="12" name="TextBox 11">
+            <a:extLst>
+              <a:ext uri="{FF2B5EF4-FFF2-40B4-BE49-F238E27FC236}">
+                <a16:creationId xmlns:a16="http://schemas.microsoft.com/office/drawing/2014/main" id="{674E7610-EB65-430E-A44A-47991417299C}"/>
+              </a:ext>
+            </a:extLst>
+          </p:cNvPr>
+          <p:cNvSpPr txBox="1"/>
+          <p:nvPr/>
+        </p:nvSpPr>
+        <p:spPr>
+          <a:xfrm>
+            <a:off x="14931887" y="9867900"/>
+            <a:ext cx="2971800" cy="323165"/>
+          </a:xfrm>
+          <a:prstGeom prst="rect">
+            <a:avLst/>
+          </a:prstGeom>
+          <a:noFill/>
+        </p:spPr>
+        <p:txBody>
+          <a:bodyPr wrap="square" rtlCol="0">
+            <a:spAutoFit/>
+          </a:bodyPr>
+          <a:lstStyle/>
+          <a:p>
+            <a:r>
+              <a:rPr lang="ko-KR" altLang="en-US" sz="1500">
+                <a:latin typeface="나눔스퀘어" panose="020B0600000101010101" pitchFamily="50" charset="-127"/>
+                <a:ea typeface="나눔스퀘어" panose="020B0600000101010101" pitchFamily="50" charset="-127"/>
+              </a:rPr>
+              <a:t>이메일 </a:t>
+            </a:r>
+            <a:r>
+              <a:rPr lang="en-US" altLang="ko-KR" sz="1500">
+                <a:latin typeface="나눔스퀘어" panose="020B0600000101010101" pitchFamily="50" charset="-127"/>
+                <a:ea typeface="나눔스퀘어" panose="020B0600000101010101" pitchFamily="50" charset="-127"/>
+              </a:rPr>
+              <a:t>: zdlghtjdz@naver.com</a:t>
+            </a:r>
+            <a:endParaRPr lang="en-US" altLang="ko-KR" sz="1500" dirty="0">
+              <a:latin typeface="나눔스퀘어" panose="020B0600000101010101" pitchFamily="50" charset="-127"/>
+              <a:ea typeface="나눔스퀘어" panose="020B0600000101010101" pitchFamily="50" charset="-127"/>
             </a:endParaRPr>
           </a:p>
         </p:txBody>
@@ -3815,13 +3957,6 @@
   <p:clrMapOvr>
     <a:masterClrMapping/>
   </p:clrMapOvr>
-  <p:timing>
-    <p:tnLst>
-      <p:par>
-        <p:cTn id="1" dur="indefinite" restart="never" nodeType="tmRoot"/>
-      </p:par>
-    </p:tnLst>
-  </p:timing>
 </p:sld>
 </file>
 
@@ -3897,7 +4032,7 @@
         </p:nvSpPr>
         <p:spPr>
           <a:xfrm>
-            <a:off x="618343" y="4058478"/>
+            <a:off x="618343" y="3665140"/>
             <a:ext cx="11845327" cy="553998"/>
           </a:xfrm>
           <a:prstGeom prst="rect">
@@ -3912,22 +4047,37 @@
           <a:lstStyle/>
           <a:p>
             <a:r>
-              <a:rPr lang="ko-KR" altLang="en-US" sz="3000" dirty="0" smtClean="0"/>
+              <a:rPr lang="ko-KR" altLang="en-US" sz="3000" dirty="0">
+                <a:latin typeface="나눔스퀘어" panose="020B0600000101010101" pitchFamily="50" charset="-127"/>
+                <a:ea typeface="나눔스퀘어" panose="020B0600000101010101" pitchFamily="50" charset="-127"/>
+              </a:rPr>
               <a:t>점점 더 </a:t>
             </a:r>
             <a:r>
-              <a:rPr lang="ko-KR" altLang="en-US" sz="3000" dirty="0" err="1" smtClean="0"/>
+              <a:rPr lang="ko-KR" altLang="en-US" sz="3000" dirty="0" err="1">
+                <a:latin typeface="나눔스퀘어" panose="020B0600000101010101" pitchFamily="50" charset="-127"/>
+                <a:ea typeface="나눔스퀘어" panose="020B0600000101010101" pitchFamily="50" charset="-127"/>
+              </a:rPr>
               <a:t>언택트</a:t>
             </a:r>
             <a:r>
-              <a:rPr lang="ko-KR" altLang="en-US" sz="3000" dirty="0" smtClean="0"/>
-              <a:t> 소비 경험은 하나의 일상적 라이프 스타일로 정착될 것</a:t>
-            </a:r>
-            <a:r>
-              <a:rPr lang="en-US" altLang="ko-KR" sz="3000" dirty="0" smtClean="0"/>
-              <a:t>.</a:t>
-            </a:r>
-            <a:endParaRPr lang="ko-KR" altLang="en-US" sz="3000" dirty="0"/>
+              <a:rPr lang="ko-KR" altLang="en-US" sz="3000" dirty="0">
+                <a:latin typeface="나눔스퀘어" panose="020B0600000101010101" pitchFamily="50" charset="-127"/>
+                <a:ea typeface="나눔스퀘어" panose="020B0600000101010101" pitchFamily="50" charset="-127"/>
+              </a:rPr>
+              <a:t> 소비 경험은 하나의 일상적 라이프 </a:t>
+            </a:r>
+            <a:r>
+              <a:rPr lang="ko-KR" altLang="en-US" sz="3000">
+                <a:latin typeface="나눔스퀘어" panose="020B0600000101010101" pitchFamily="50" charset="-127"/>
+                <a:ea typeface="나눔스퀘어" panose="020B0600000101010101" pitchFamily="50" charset="-127"/>
+              </a:rPr>
+              <a:t>스타일로 정착 중</a:t>
+            </a:r>
+            <a:endParaRPr lang="ko-KR" altLang="en-US" sz="3000" dirty="0">
+              <a:latin typeface="나눔스퀘어" panose="020B0600000101010101" pitchFamily="50" charset="-127"/>
+              <a:ea typeface="나눔스퀘어" panose="020B0600000101010101" pitchFamily="50" charset="-127"/>
+            </a:endParaRPr>
           </a:p>
         </p:txBody>
       </p:sp>
@@ -3939,8 +4089,8 @@
         </p:nvSpPr>
         <p:spPr>
           <a:xfrm>
-            <a:off x="651473" y="3098438"/>
-            <a:ext cx="12226327" cy="553998"/>
+            <a:off x="651473" y="2705100"/>
+            <a:ext cx="9106890" cy="553998"/>
           </a:xfrm>
           <a:prstGeom prst="rect">
             <a:avLst/>
@@ -3954,34 +4104,50 @@
           <a:lstStyle/>
           <a:p>
             <a:r>
-              <a:rPr lang="en-US" altLang="ko-KR" sz="3000" dirty="0" smtClean="0">
+              <a:rPr lang="en-US" altLang="ko-KR" sz="3000" dirty="0">
                 <a:solidFill>
                   <a:srgbClr val="FF0000"/>
                 </a:solidFill>
+                <a:latin typeface="나눔스퀘어" panose="020B0600000101010101" pitchFamily="50" charset="-127"/>
+                <a:ea typeface="나눔스퀘어" panose="020B0600000101010101" pitchFamily="50" charset="-127"/>
               </a:rPr>
               <a:t>COVID-19 </a:t>
             </a:r>
             <a:r>
-              <a:rPr lang="ko-KR" altLang="en-US" sz="3000" dirty="0" err="1" smtClean="0">
+              <a:rPr lang="ko-KR" altLang="en-US" sz="3000" dirty="0" err="1">
                 <a:solidFill>
                   <a:srgbClr val="FF0000"/>
                 </a:solidFill>
+                <a:latin typeface="나눔스퀘어" panose="020B0600000101010101" pitchFamily="50" charset="-127"/>
+                <a:ea typeface="나눔스퀘어" panose="020B0600000101010101" pitchFamily="50" charset="-127"/>
               </a:rPr>
               <a:t>팬데믹</a:t>
             </a:r>
             <a:r>
-              <a:rPr lang="ko-KR" altLang="en-US" sz="3000" dirty="0" err="1" smtClean="0"/>
+              <a:rPr lang="ko-KR" altLang="en-US" sz="3000" dirty="0" err="1">
+                <a:latin typeface="나눔스퀘어" panose="020B0600000101010101" pitchFamily="50" charset="-127"/>
+                <a:ea typeface="나눔스퀘어" panose="020B0600000101010101" pitchFamily="50" charset="-127"/>
+              </a:rPr>
               <a:t>을</a:t>
             </a:r>
             <a:r>
-              <a:rPr lang="ko-KR" altLang="en-US" sz="3000" dirty="0" smtClean="0"/>
-              <a:t> 통해 비대면 수요를 폭발적으로 증가시킴</a:t>
-            </a:r>
-            <a:r>
-              <a:rPr lang="en-US" altLang="ko-KR" sz="3000" dirty="0" smtClean="0"/>
-              <a:t>.</a:t>
-            </a:r>
-            <a:endParaRPr lang="ko-KR" altLang="en-US" sz="3000" dirty="0"/>
+              <a:rPr lang="ko-KR" altLang="en-US" sz="3000" dirty="0">
+                <a:latin typeface="나눔스퀘어" panose="020B0600000101010101" pitchFamily="50" charset="-127"/>
+                <a:ea typeface="나눔스퀘어" panose="020B0600000101010101" pitchFamily="50" charset="-127"/>
+              </a:rPr>
+              <a:t> 통해 </a:t>
+            </a:r>
+            <a:r>
+              <a:rPr lang="ko-KR" altLang="en-US" sz="3000">
+                <a:latin typeface="나눔스퀘어" panose="020B0600000101010101" pitchFamily="50" charset="-127"/>
+                <a:ea typeface="나눔스퀘어" panose="020B0600000101010101" pitchFamily="50" charset="-127"/>
+              </a:rPr>
+              <a:t>비대면 수요가 폭발적으로 증가</a:t>
+            </a:r>
+            <a:endParaRPr lang="ko-KR" altLang="en-US" sz="3000" dirty="0">
+              <a:latin typeface="나눔스퀘어" panose="020B0600000101010101" pitchFamily="50" charset="-127"/>
+              <a:ea typeface="나눔스퀘어" panose="020B0600000101010101" pitchFamily="50" charset="-127"/>
+            </a:endParaRPr>
           </a:p>
         </p:txBody>
       </p:sp>
@@ -4008,18 +4174,19 @@
           <a:lstStyle/>
           <a:p>
             <a:r>
-              <a:rPr lang="en-US" altLang="ko-KR" sz="5000" dirty="0" smtClean="0"/>
+              <a:rPr lang="en-US" altLang="ko-KR" sz="5000" dirty="0">
+                <a:latin typeface="나눔스퀘어" panose="020B0600000101010101" pitchFamily="50" charset="-127"/>
+                <a:ea typeface="나눔스퀘어" panose="020B0600000101010101" pitchFamily="50" charset="-127"/>
+              </a:rPr>
               <a:t>COVID-19</a:t>
             </a:r>
             <a:r>
-              <a:rPr lang="ko-KR" altLang="en-US" sz="5000" dirty="0" smtClean="0"/>
-              <a:t>의 영향을 통한 헬스케어 서비스 </a:t>
-            </a:r>
-            <a:r>
-              <a:rPr lang="ko-KR" altLang="en-US" sz="5000" dirty="0" smtClean="0"/>
-              <a:t>전망</a:t>
-            </a:r>
-            <a:endParaRPr lang="ko-KR" altLang="en-US" sz="5000" dirty="0"/>
+              <a:rPr lang="ko-KR" altLang="en-US" sz="5000" dirty="0">
+                <a:latin typeface="나눔스퀘어" panose="020B0600000101010101" pitchFamily="50" charset="-127"/>
+                <a:ea typeface="나눔스퀘어" panose="020B0600000101010101" pitchFamily="50" charset="-127"/>
+              </a:rPr>
+              <a:t>의 영향을 통한 헬스케어 서비스 전망</a:t>
+            </a:r>
           </a:p>
         </p:txBody>
       </p:sp>
@@ -4031,8 +4198,8 @@
         </p:nvSpPr>
         <p:spPr>
           <a:xfrm>
-            <a:off x="618343" y="5026801"/>
-            <a:ext cx="16069458" cy="1015663"/>
+            <a:off x="618343" y="4633463"/>
+            <a:ext cx="16069458" cy="553998"/>
           </a:xfrm>
           <a:prstGeom prst="rect">
             <a:avLst/>
@@ -4046,14 +4213,44 @@
           <a:lstStyle/>
           <a:p>
             <a:r>
-              <a:rPr lang="ko-KR" altLang="en-US" sz="3000" dirty="0" smtClean="0"/>
-              <a:t>이러한 상황을 통해 비대면 디지털 기술 기반 건강관리 서비스가 소비자의 우호적인 반응을 이끌어내고 있다</a:t>
-            </a:r>
-            <a:r>
-              <a:rPr lang="en-US" altLang="ko-KR" sz="3000" dirty="0" smtClean="0"/>
+              <a:rPr lang="ko-KR" altLang="en-US" sz="3000" dirty="0">
+                <a:latin typeface="나눔스퀘어" panose="020B0600000101010101" pitchFamily="50" charset="-127"/>
+                <a:ea typeface="나눔스퀘어" panose="020B0600000101010101" pitchFamily="50" charset="-127"/>
+              </a:rPr>
+              <a:t>이러한 상황을 통해 비대면 디지털 기술 </a:t>
+            </a:r>
+            <a:r>
+              <a:rPr lang="ko-KR" altLang="en-US" sz="3000">
+                <a:latin typeface="나눔스퀘어" panose="020B0600000101010101" pitchFamily="50" charset="-127"/>
+                <a:ea typeface="나눔스퀘어" panose="020B0600000101010101" pitchFamily="50" charset="-127"/>
+              </a:rPr>
+              <a:t>기반 헬스케어 </a:t>
+            </a:r>
+            <a:r>
+              <a:rPr lang="ko-KR" altLang="en-US" sz="3000" dirty="0">
+                <a:latin typeface="나눔스퀘어" panose="020B0600000101010101" pitchFamily="50" charset="-127"/>
+                <a:ea typeface="나눔스퀘어" panose="020B0600000101010101" pitchFamily="50" charset="-127"/>
+              </a:rPr>
+              <a:t>서비스가 소비자의 우호적인 </a:t>
+            </a:r>
+            <a:r>
+              <a:rPr lang="ko-KR" altLang="en-US" sz="3000">
+                <a:latin typeface="나눔스퀘어" panose="020B0600000101010101" pitchFamily="50" charset="-127"/>
+                <a:ea typeface="나눔스퀘어" panose="020B0600000101010101" pitchFamily="50" charset="-127"/>
+              </a:rPr>
+              <a:t>반응을 이끌어 냄</a:t>
+            </a:r>
+            <a:r>
+              <a:rPr lang="en-US" altLang="ko-KR" sz="3000">
+                <a:latin typeface="나눔스퀘어" panose="020B0600000101010101" pitchFamily="50" charset="-127"/>
+                <a:ea typeface="나눔스퀘어" panose="020B0600000101010101" pitchFamily="50" charset="-127"/>
+              </a:rPr>
               <a:t>.</a:t>
             </a:r>
-            <a:endParaRPr lang="ko-KR" altLang="en-US" sz="3000" dirty="0"/>
+            <a:endParaRPr lang="ko-KR" altLang="en-US" sz="3000" dirty="0">
+              <a:latin typeface="나눔스퀘어" panose="020B0600000101010101" pitchFamily="50" charset="-127"/>
+              <a:ea typeface="나눔스퀘어" panose="020B0600000101010101" pitchFamily="50" charset="-127"/>
+            </a:endParaRPr>
           </a:p>
         </p:txBody>
       </p:sp>
@@ -4065,8 +4262,8 @@
         </p:nvSpPr>
         <p:spPr>
           <a:xfrm>
-            <a:off x="10402957" y="7769158"/>
-            <a:ext cx="6705600" cy="1015663"/>
+            <a:off x="5486400" y="5678278"/>
+            <a:ext cx="8686800" cy="553998"/>
           </a:xfrm>
           <a:prstGeom prst="rect">
             <a:avLst/>
@@ -4080,45 +4277,127 @@
           <a:lstStyle/>
           <a:p>
             <a:r>
-              <a:rPr lang="en-US" altLang="ko-KR" sz="3000" dirty="0" smtClean="0"/>
-              <a:t>-&gt;</a:t>
-            </a:r>
-            <a:r>
-              <a:rPr lang="ko-KR" altLang="en-US" sz="3000" dirty="0" smtClean="0"/>
-              <a:t>의료 서비스에서도 </a:t>
-            </a:r>
-            <a:r>
-              <a:rPr lang="en-US" altLang="ko-KR" sz="3000" dirty="0" smtClean="0"/>
+              <a:rPr lang="ko-KR" altLang="en-US" sz="3000">
+                <a:latin typeface="나눔스퀘어" panose="020B0600000101010101" pitchFamily="50" charset="-127"/>
+                <a:ea typeface="나눔스퀘어" panose="020B0600000101010101" pitchFamily="50" charset="-127"/>
+              </a:rPr>
+              <a:t>의료 </a:t>
+            </a:r>
+            <a:r>
+              <a:rPr lang="ko-KR" altLang="en-US" sz="3000" dirty="0">
+                <a:latin typeface="나눔스퀘어" panose="020B0600000101010101" pitchFamily="50" charset="-127"/>
+                <a:ea typeface="나눔스퀘어" panose="020B0600000101010101" pitchFamily="50" charset="-127"/>
+              </a:rPr>
+              <a:t>서비스에서도 </a:t>
+            </a:r>
+            <a:r>
+              <a:rPr lang="en-US" altLang="ko-KR" sz="3000" dirty="0">
+                <a:solidFill>
+                  <a:srgbClr val="FF0000"/>
+                </a:solidFill>
+                <a:latin typeface="나눔스퀘어" panose="020B0600000101010101" pitchFamily="50" charset="-127"/>
+                <a:ea typeface="나눔스퀘어" panose="020B0600000101010101" pitchFamily="50" charset="-127"/>
+              </a:rPr>
               <a:t>“</a:t>
             </a:r>
             <a:r>
-              <a:rPr lang="ko-KR" altLang="en-US" sz="3000" dirty="0" err="1" smtClean="0"/>
+              <a:rPr lang="ko-KR" altLang="en-US" sz="3000" dirty="0" err="1">
+                <a:solidFill>
+                  <a:srgbClr val="FF0000"/>
+                </a:solidFill>
+                <a:latin typeface="나눔스퀘어" panose="020B0600000101010101" pitchFamily="50" charset="-127"/>
+                <a:ea typeface="나눔스퀘어" panose="020B0600000101010101" pitchFamily="50" charset="-127"/>
+              </a:rPr>
               <a:t>언택트</a:t>
             </a:r>
             <a:r>
-              <a:rPr lang="en-US" altLang="ko-KR" sz="3000" dirty="0" smtClean="0"/>
+              <a:rPr lang="en-US" altLang="ko-KR" sz="3000">
+                <a:solidFill>
+                  <a:srgbClr val="FF0000"/>
+                </a:solidFill>
+                <a:latin typeface="나눔스퀘어" panose="020B0600000101010101" pitchFamily="50" charset="-127"/>
+                <a:ea typeface="나눔스퀘어" panose="020B0600000101010101" pitchFamily="50" charset="-127"/>
+              </a:rPr>
               <a:t>“ </a:t>
             </a:r>
             <a:r>
-              <a:rPr lang="ko-KR" altLang="en-US" sz="3000" dirty="0" smtClean="0"/>
-              <a:t>서비스에 대한 수요가 증가</a:t>
-            </a:r>
-            <a:endParaRPr lang="ko-KR" altLang="en-US" sz="3000" dirty="0"/>
+              <a:rPr lang="ko-KR" altLang="en-US" sz="3000">
+                <a:solidFill>
+                  <a:srgbClr val="FF0000"/>
+                </a:solidFill>
+                <a:latin typeface="나눔스퀘어" panose="020B0600000101010101" pitchFamily="50" charset="-127"/>
+                <a:ea typeface="나눔스퀘어" panose="020B0600000101010101" pitchFamily="50" charset="-127"/>
+              </a:rPr>
+              <a:t>서비스</a:t>
+            </a:r>
+            <a:r>
+              <a:rPr lang="en-US" altLang="ko-KR" sz="3000">
+                <a:solidFill>
+                  <a:srgbClr val="FF0000"/>
+                </a:solidFill>
+                <a:latin typeface="나눔스퀘어" panose="020B0600000101010101" pitchFamily="50" charset="-127"/>
+                <a:ea typeface="나눔스퀘어" panose="020B0600000101010101" pitchFamily="50" charset="-127"/>
+              </a:rPr>
+              <a:t>(</a:t>
+            </a:r>
+            <a:r>
+              <a:rPr lang="ko-KR" altLang="en-US" sz="3000">
+                <a:solidFill>
+                  <a:srgbClr val="FF0000"/>
+                </a:solidFill>
+                <a:latin typeface="나눔스퀘어" panose="020B0600000101010101" pitchFamily="50" charset="-127"/>
+                <a:ea typeface="나눔스퀘어" panose="020B0600000101010101" pitchFamily="50" charset="-127"/>
+              </a:rPr>
+              <a:t>원격 의료</a:t>
+            </a:r>
+            <a:r>
+              <a:rPr lang="en-US" altLang="ko-KR" sz="3000">
+                <a:solidFill>
+                  <a:srgbClr val="FF0000"/>
+                </a:solidFill>
+                <a:latin typeface="나눔스퀘어" panose="020B0600000101010101" pitchFamily="50" charset="-127"/>
+                <a:ea typeface="나눔스퀘어" panose="020B0600000101010101" pitchFamily="50" charset="-127"/>
+              </a:rPr>
+              <a:t>)</a:t>
+            </a:r>
+            <a:r>
+              <a:rPr lang="ko-KR" altLang="en-US" sz="3000">
+                <a:solidFill>
+                  <a:srgbClr val="FF0000"/>
+                </a:solidFill>
+                <a:latin typeface="나눔스퀘어" panose="020B0600000101010101" pitchFamily="50" charset="-127"/>
+                <a:ea typeface="나눔스퀘어" panose="020B0600000101010101" pitchFamily="50" charset="-127"/>
+              </a:rPr>
+              <a:t> 수요 ↑</a:t>
+            </a:r>
+            <a:endParaRPr lang="ko-KR" altLang="en-US" sz="3000" dirty="0">
+              <a:solidFill>
+                <a:srgbClr val="FF0000"/>
+              </a:solidFill>
+              <a:latin typeface="나눔스퀘어" panose="020B0600000101010101" pitchFamily="50" charset="-127"/>
+              <a:ea typeface="나눔스퀘어" panose="020B0600000101010101" pitchFamily="50" charset="-127"/>
+            </a:endParaRPr>
           </a:p>
         </p:txBody>
       </p:sp>
       <p:grpSp>
         <p:nvGrpSpPr>
-          <p:cNvPr id="5" name="그룹 4"/>
+          <p:cNvPr id="7" name="그룹 6">
+            <a:extLst>
+              <a:ext uri="{FF2B5EF4-FFF2-40B4-BE49-F238E27FC236}">
+                <a16:creationId xmlns:a16="http://schemas.microsoft.com/office/drawing/2014/main" id="{AC2D2A11-58C8-4398-9B56-1A2B1F053DA3}"/>
+              </a:ext>
+            </a:extLst>
+          </p:cNvPr>
           <p:cNvGrpSpPr/>
           <p:nvPr/>
         </p:nvGrpSpPr>
         <p:grpSpPr>
           <a:xfrm>
-            <a:off x="838200" y="6461759"/>
-            <a:ext cx="9525000" cy="3212729"/>
-            <a:chOff x="612775" y="6121771"/>
-            <a:chExt cx="9525000" cy="3212729"/>
+            <a:off x="4381500" y="6515100"/>
+            <a:ext cx="9525000" cy="3480369"/>
+            <a:chOff x="838200" y="6692331"/>
+            <a:chExt cx="9525000" cy="3480369"/>
           </a:xfrm>
         </p:grpSpPr>
         <p:pic>
@@ -4142,7 +4421,7 @@
           </p:blipFill>
           <p:spPr bwMode="auto">
             <a:xfrm>
-              <a:off x="612775" y="6121771"/>
+              <a:off x="838200" y="6692331"/>
               <a:ext cx="9525000" cy="2984130"/>
             </a:xfrm>
             <a:prstGeom prst="rect">
@@ -4160,30 +4439,6 @@
             </a:extLst>
           </p:spPr>
         </p:pic>
-        <p:pic>
-          <p:nvPicPr>
-            <p:cNvPr id="2" name="그림 1"/>
-            <p:cNvPicPr>
-              <a:picLocks noChangeAspect="1"/>
-            </p:cNvPicPr>
-            <p:nvPr/>
-          </p:nvPicPr>
-          <p:blipFill>
-            <a:blip r:embed="rId4"/>
-            <a:stretch>
-              <a:fillRect/>
-            </a:stretch>
-          </p:blipFill>
-          <p:spPr>
-            <a:xfrm>
-              <a:off x="7924800" y="6777037"/>
-              <a:ext cx="1817701" cy="2557463"/>
-            </a:xfrm>
-            <a:prstGeom prst="rect">
-              <a:avLst/>
-            </a:prstGeom>
-          </p:spPr>
-        </p:pic>
         <p:sp>
           <p:nvSpPr>
             <p:cNvPr id="4" name="직사각형 3"/>
@@ -4192,8 +4447,8 @@
           </p:nvSpPr>
           <p:spPr>
             <a:xfrm>
-              <a:off x="9601200" y="6777037"/>
-              <a:ext cx="536575" cy="2271233"/>
+              <a:off x="8126022" y="7277100"/>
+              <a:ext cx="2237178" cy="2271233"/>
             </a:xfrm>
             <a:prstGeom prst="rect">
               <a:avLst/>
@@ -4226,23 +4481,198 @@
             <a:lstStyle/>
             <a:p>
               <a:pPr algn="ctr"/>
-              <a:endParaRPr lang="ko-KR" altLang="en-US"/>
+              <a:endParaRPr lang="ko-KR" altLang="en-US" u="sng"/>
             </a:p>
           </p:txBody>
         </p:sp>
+        <p:sp>
+          <p:nvSpPr>
+            <p:cNvPr id="14" name="TextBox 13">
+              <a:extLst>
+                <a:ext uri="{FF2B5EF4-FFF2-40B4-BE49-F238E27FC236}">
+                  <a16:creationId xmlns:a16="http://schemas.microsoft.com/office/drawing/2014/main" id="{A511A696-8BFF-42A3-858E-90930B900702}"/>
+                </a:ext>
+              </a:extLst>
+            </p:cNvPr>
+            <p:cNvSpPr txBox="1"/>
+            <p:nvPr/>
+          </p:nvSpPr>
+          <p:spPr>
+            <a:xfrm>
+              <a:off x="2895600" y="9849535"/>
+              <a:ext cx="5029200" cy="323165"/>
+            </a:xfrm>
+            <a:prstGeom prst="rect">
+              <a:avLst/>
+            </a:prstGeom>
+            <a:noFill/>
+          </p:spPr>
+          <p:txBody>
+            <a:bodyPr wrap="square" rtlCol="0">
+              <a:spAutoFit/>
+            </a:bodyPr>
+            <a:lstStyle/>
+            <a:p>
+              <a:r>
+                <a:rPr lang="ko-KR" altLang="en-US" sz="1500">
+                  <a:latin typeface="나눔스퀘어" panose="020B0600000101010101" pitchFamily="50" charset="-127"/>
+                  <a:ea typeface="나눔스퀘어" panose="020B0600000101010101" pitchFamily="50" charset="-127"/>
+                </a:rPr>
+                <a:t>서울</a:t>
+              </a:r>
+              <a:r>
+                <a:rPr lang="en-US" altLang="ko-KR" sz="1500">
+                  <a:latin typeface="나눔스퀘어" panose="020B0600000101010101" pitchFamily="50" charset="-127"/>
+                  <a:ea typeface="나눔스퀘어" panose="020B0600000101010101" pitchFamily="50" charset="-127"/>
+                </a:rPr>
+                <a:t> </a:t>
+              </a:r>
+              <a:r>
+                <a:rPr lang="ko-KR" altLang="en-US" sz="1500">
+                  <a:latin typeface="나눔스퀘어" panose="020B0600000101010101" pitchFamily="50" charset="-127"/>
+                  <a:ea typeface="나눔스퀘어" panose="020B0600000101010101" pitchFamily="50" charset="-127"/>
+                </a:rPr>
+                <a:t>연구원</a:t>
+              </a:r>
+              <a:r>
+                <a:rPr lang="en-US" altLang="ko-KR" sz="1500">
+                  <a:latin typeface="나눔스퀘어" panose="020B0600000101010101" pitchFamily="50" charset="-127"/>
+                  <a:ea typeface="나눔스퀘어" panose="020B0600000101010101" pitchFamily="50" charset="-127"/>
+                </a:rPr>
+                <a:t>, 2/4</a:t>
+              </a:r>
+              <a:r>
+                <a:rPr lang="ko-KR" altLang="en-US" sz="1500">
+                  <a:latin typeface="나눔스퀘어" panose="020B0600000101010101" pitchFamily="50" charset="-127"/>
+                  <a:ea typeface="나눔스퀘어" panose="020B0600000101010101" pitchFamily="50" charset="-127"/>
+                </a:rPr>
+                <a:t>분기 서울시 소비자 체감경기와 비대면 경제</a:t>
+              </a:r>
+              <a:endParaRPr lang="ko-KR" altLang="en-US" sz="1500" dirty="0">
+                <a:latin typeface="나눔스퀘어" panose="020B0600000101010101" pitchFamily="50" charset="-127"/>
+                <a:ea typeface="나눔스퀘어" panose="020B0600000101010101" pitchFamily="50" charset="-127"/>
+              </a:endParaRPr>
+            </a:p>
+          </p:txBody>
+        </p:sp>
+        <p:pic>
+          <p:nvPicPr>
+            <p:cNvPr id="15" name="Picture 2" descr="Photo Image">
+              <a:extLst>
+                <a:ext uri="{FF2B5EF4-FFF2-40B4-BE49-F238E27FC236}">
+                  <a16:creationId xmlns:a16="http://schemas.microsoft.com/office/drawing/2014/main" id="{D849CF43-020D-4C1A-A271-29013EF60CAA}"/>
+                </a:ext>
+              </a:extLst>
+            </p:cNvPr>
+            <p:cNvPicPr>
+              <a:picLocks noChangeAspect="1" noChangeArrowheads="1"/>
+            </p:cNvPicPr>
+            <p:nvPr/>
+          </p:nvPicPr>
+          <p:blipFill rotWithShape="1">
+            <a:blip r:embed="rId3">
+              <a:extLst>
+                <a:ext uri="{28A0092B-C50C-407E-A947-70E740481C1C}">
+                  <a14:useLocalDpi xmlns:a14="http://schemas.microsoft.com/office/drawing/2010/main" val="0"/>
+                </a:ext>
+              </a:extLst>
+            </a:blip>
+            <a:srcRect l="84800" t="22771" b="11499"/>
+            <a:stretch/>
+          </p:blipFill>
+          <p:spPr bwMode="auto">
+            <a:xfrm>
+              <a:off x="8074233" y="7460147"/>
+              <a:ext cx="1447800" cy="2216314"/>
+            </a:xfrm>
+            <a:prstGeom prst="rect">
+              <a:avLst/>
+            </a:prstGeom>
+            <a:noFill/>
+            <a:extLst>
+              <a:ext uri="{909E8E84-426E-40DD-AFC4-6F175D3DCCD1}">
+                <a14:hiddenFill xmlns:a14="http://schemas.microsoft.com/office/drawing/2010/main">
+                  <a:solidFill>
+                    <a:srgbClr val="FFFFFF"/>
+                  </a:solidFill>
+                </a14:hiddenFill>
+              </a:ext>
+            </a:extLst>
+          </p:spPr>
+        </p:pic>
       </p:grpSp>
+      <p:pic>
+        <p:nvPicPr>
+          <p:cNvPr id="8" name="Picture 2" descr="화살표 빨간화살표">
+            <a:extLst>
+              <a:ext uri="{FF2B5EF4-FFF2-40B4-BE49-F238E27FC236}">
+                <a16:creationId xmlns:a16="http://schemas.microsoft.com/office/drawing/2014/main" id="{9713A522-913B-4538-80CE-B5FEC455845B}"/>
+              </a:ext>
+            </a:extLst>
+          </p:cNvPr>
+          <p:cNvPicPr>
+            <a:picLocks noChangeAspect="1" noChangeArrowheads="1"/>
+          </p:cNvPicPr>
+          <p:nvPr/>
+        </p:nvPicPr>
+        <p:blipFill>
+          <a:blip r:embed="rId4">
+            <a:extLst>
+              <a:ext uri="{BEBA8EAE-BF5A-486C-A8C5-ECC9F3942E4B}">
+                <a14:imgProps xmlns:a14="http://schemas.microsoft.com/office/drawing/2010/main">
+                  <a14:imgLayer r:embed="rId5">
+                    <a14:imgEffect>
+                      <a14:backgroundRemoval t="9794" b="90206" l="8880" r="89961">
+                        <a14:foregroundMark x1="90347" y1="14948" x2="90347" y2="14948"/>
+                        <a14:foregroundMark x1="90347" y1="14948" x2="90347" y2="14948"/>
+                        <a14:foregroundMark x1="11197" y1="86082" x2="11197" y2="86082"/>
+                        <a14:foregroundMark x1="11197" y1="86082" x2="8880" y2="90206"/>
+                      </a14:backgroundRemoval>
+                    </a14:imgEffect>
+                  </a14:imgLayer>
+                </a14:imgProps>
+              </a:ext>
+              <a:ext uri="{28A0092B-C50C-407E-A947-70E740481C1C}">
+                <a14:useLocalDpi xmlns:a14="http://schemas.microsoft.com/office/drawing/2010/main" val="0"/>
+              </a:ext>
+            </a:extLst>
+          </a:blip>
+          <a:srcRect/>
+          <a:stretch>
+            <a:fillRect/>
+          </a:stretch>
+        </p:blipFill>
+        <p:spPr bwMode="auto">
+          <a:xfrm rot="9324812">
+            <a:off x="3776037" y="5242995"/>
+            <a:ext cx="1540186" cy="1153653"/>
+          </a:xfrm>
+          <a:prstGeom prst="rect">
+            <a:avLst/>
+          </a:prstGeom>
+          <a:noFill/>
+          <a:scene3d>
+            <a:camera prst="orthographicFront">
+              <a:rot lat="0" lon="10800000" rev="0"/>
+            </a:camera>
+            <a:lightRig rig="threePt" dir="t"/>
+          </a:scene3d>
+          <a:extLst>
+            <a:ext uri="{909E8E84-426E-40DD-AFC4-6F175D3DCCD1}">
+              <a14:hiddenFill xmlns:a14="http://schemas.microsoft.com/office/drawing/2010/main">
+                <a:solidFill>
+                  <a:srgbClr val="FFFFFF"/>
+                </a:solidFill>
+              </a14:hiddenFill>
+            </a:ext>
+          </a:extLst>
+        </p:spPr>
+      </p:pic>
     </p:spTree>
   </p:cSld>
   <p:clrMapOvr>
     <a:masterClrMapping/>
   </p:clrMapOvr>
-  <p:timing>
-    <p:tnLst>
-      <p:par>
-        <p:cTn id="1" dur="indefinite" restart="never" nodeType="tmRoot"/>
-      </p:par>
-    </p:tnLst>
-  </p:timing>
 </p:sld>
 </file>
 
@@ -4263,6 +4693,550 @@
           <a:chExt cx="0" cy="0"/>
         </a:xfrm>
       </p:grpSpPr>
+      <p:pic>
+        <p:nvPicPr>
+          <p:cNvPr id="2052" name="Picture 4" descr="MEDI:GATE NEWS : 美 원격의료·원격모니터링 공보험에 편입">
+            <a:extLst>
+              <a:ext uri="{FF2B5EF4-FFF2-40B4-BE49-F238E27FC236}">
+                <a16:creationId xmlns:a16="http://schemas.microsoft.com/office/drawing/2014/main" id="{FB6C3EA3-02F8-419B-A402-9B3D537E8AE7}"/>
+              </a:ext>
+            </a:extLst>
+          </p:cNvPr>
+          <p:cNvPicPr>
+            <a:picLocks noChangeAspect="1" noChangeArrowheads="1"/>
+          </p:cNvPicPr>
+          <p:nvPr/>
+        </p:nvPicPr>
+        <p:blipFill>
+          <a:blip r:embed="rId3">
+            <a:extLst>
+              <a:ext uri="{28A0092B-C50C-407E-A947-70E740481C1C}">
+                <a14:useLocalDpi xmlns:a14="http://schemas.microsoft.com/office/drawing/2010/main" val="0"/>
+              </a:ext>
+            </a:extLst>
+          </a:blip>
+          <a:srcRect/>
+          <a:stretch>
+            <a:fillRect/>
+          </a:stretch>
+        </p:blipFill>
+        <p:spPr bwMode="auto">
+          <a:xfrm>
+            <a:off x="50245" y="5172036"/>
+            <a:ext cx="7798355" cy="5116193"/>
+          </a:xfrm>
+          <a:prstGeom prst="rect">
+            <a:avLst/>
+          </a:prstGeom>
+          <a:noFill/>
+          <a:extLst>
+            <a:ext uri="{909E8E84-426E-40DD-AFC4-6F175D3DCCD1}">
+              <a14:hiddenFill xmlns:a14="http://schemas.microsoft.com/office/drawing/2010/main">
+                <a:solidFill>
+                  <a:srgbClr val="FFFFFF"/>
+                </a:solidFill>
+              </a14:hiddenFill>
+            </a:ext>
+          </a:extLst>
+        </p:spPr>
+      </p:pic>
+      <p:sp>
+        <p:nvSpPr>
+          <p:cNvPr id="2" name="직사각형 1">
+            <a:extLst>
+              <a:ext uri="{FF2B5EF4-FFF2-40B4-BE49-F238E27FC236}">
+                <a16:creationId xmlns:a16="http://schemas.microsoft.com/office/drawing/2014/main" id="{E16D2F88-FA85-4A02-AE7C-371A314A690C}"/>
+              </a:ext>
+            </a:extLst>
+          </p:cNvPr>
+          <p:cNvSpPr/>
+          <p:nvPr/>
+        </p:nvSpPr>
+        <p:spPr>
+          <a:xfrm>
+            <a:off x="0" y="5221782"/>
+            <a:ext cx="7798355" cy="5065218"/>
+          </a:xfrm>
+          <a:prstGeom prst="rect">
+            <a:avLst/>
+          </a:prstGeom>
+          <a:solidFill>
+            <a:schemeClr val="tx1">
+              <a:lumMod val="75000"/>
+              <a:lumOff val="25000"/>
+              <a:alpha val="40000"/>
+            </a:schemeClr>
+          </a:solidFill>
+          <a:ln>
+            <a:noFill/>
+          </a:ln>
+        </p:spPr>
+        <p:style>
+          <a:lnRef idx="2">
+            <a:schemeClr val="accent1">
+              <a:shade val="50000"/>
+            </a:schemeClr>
+          </a:lnRef>
+          <a:fillRef idx="1">
+            <a:schemeClr val="accent1"/>
+          </a:fillRef>
+          <a:effectRef idx="0">
+            <a:schemeClr val="accent1"/>
+          </a:effectRef>
+          <a:fontRef idx="minor">
+            <a:schemeClr val="lt1"/>
+          </a:fontRef>
+        </p:style>
+        <p:txBody>
+          <a:bodyPr rtlCol="0" anchor="ctr"/>
+          <a:lstStyle/>
+          <a:p>
+            <a:pPr algn="ctr"/>
+            <a:endParaRPr lang="ko-KR" altLang="en-US"/>
+          </a:p>
+        </p:txBody>
+      </p:sp>
+      <p:grpSp>
+        <p:nvGrpSpPr>
+          <p:cNvPr id="11" name="그룹 1001"/>
+          <p:cNvGrpSpPr/>
+          <p:nvPr/>
+        </p:nvGrpSpPr>
+        <p:grpSpPr>
+          <a:xfrm>
+            <a:off x="1620" y="-3491"/>
+            <a:ext cx="18286379" cy="2114519"/>
+            <a:chOff x="-800000" y="-247619"/>
+            <a:chExt cx="19352381" cy="3390476"/>
+          </a:xfrm>
+        </p:grpSpPr>
+        <p:pic>
+          <p:nvPicPr>
+            <p:cNvPr id="12" name="Object 2"/>
+            <p:cNvPicPr>
+              <a:picLocks noChangeAspect="1"/>
+            </p:cNvPicPr>
+            <p:nvPr/>
+          </p:nvPicPr>
+          <p:blipFill>
+            <a:blip r:embed="rId4" cstate="print"/>
+            <a:stretch>
+              <a:fillRect/>
+            </a:stretch>
+          </p:blipFill>
+          <p:spPr>
+            <a:xfrm>
+              <a:off x="-800000" y="-247619"/>
+              <a:ext cx="19352381" cy="3390476"/>
+            </a:xfrm>
+            <a:prstGeom prst="rect">
+              <a:avLst/>
+            </a:prstGeom>
+          </p:spPr>
+        </p:pic>
+      </p:grpSp>
+      <p:sp>
+        <p:nvSpPr>
+          <p:cNvPr id="13" name="TextBox 12"/>
+          <p:cNvSpPr txBox="1"/>
+          <p:nvPr/>
+        </p:nvSpPr>
+        <p:spPr>
+          <a:xfrm>
+            <a:off x="457200" y="622881"/>
+            <a:ext cx="9372600" cy="861774"/>
+          </a:xfrm>
+          <a:prstGeom prst="rect">
+            <a:avLst/>
+          </a:prstGeom>
+          <a:noFill/>
+        </p:spPr>
+        <p:txBody>
+          <a:bodyPr wrap="square" rtlCol="0">
+            <a:spAutoFit/>
+          </a:bodyPr>
+          <a:lstStyle/>
+          <a:p>
+            <a:r>
+              <a:rPr lang="ko-KR" altLang="en-US" sz="5000" dirty="0">
+                <a:latin typeface="나눔스퀘어" panose="020B0600000101010101" pitchFamily="50" charset="-127"/>
+                <a:ea typeface="나눔스퀘어" panose="020B0600000101010101" pitchFamily="50" charset="-127"/>
+              </a:rPr>
+              <a:t>원격의료의 </a:t>
+            </a:r>
+            <a:r>
+              <a:rPr lang="ko-KR" altLang="en-US" sz="5000">
+                <a:latin typeface="나눔스퀘어" panose="020B0600000101010101" pitchFamily="50" charset="-127"/>
+                <a:ea typeface="나눔스퀘어" panose="020B0600000101010101" pitchFamily="50" charset="-127"/>
+              </a:rPr>
+              <a:t>정의 및 디지털 전환 </a:t>
+            </a:r>
+            <a:endParaRPr lang="ko-KR" altLang="en-US" sz="5000" dirty="0">
+              <a:latin typeface="나눔스퀘어" panose="020B0600000101010101" pitchFamily="50" charset="-127"/>
+              <a:ea typeface="나눔스퀘어" panose="020B0600000101010101" pitchFamily="50" charset="-127"/>
+            </a:endParaRPr>
+          </a:p>
+        </p:txBody>
+      </p:sp>
+      <p:sp>
+        <p:nvSpPr>
+          <p:cNvPr id="21" name="직사각형 20"/>
+          <p:cNvSpPr/>
+          <p:nvPr/>
+        </p:nvSpPr>
+        <p:spPr>
+          <a:xfrm>
+            <a:off x="5486400" y="2737400"/>
+            <a:ext cx="6324600" cy="1200329"/>
+          </a:xfrm>
+          <a:prstGeom prst="rect">
+            <a:avLst/>
+          </a:prstGeom>
+        </p:spPr>
+        <p:txBody>
+          <a:bodyPr wrap="square">
+            <a:spAutoFit/>
+          </a:bodyPr>
+          <a:lstStyle/>
+          <a:p>
+            <a:r>
+              <a:rPr lang="en-US" altLang="ko-KR" sz="7200" i="1" dirty="0">
+                <a:solidFill>
+                  <a:schemeClr val="bg1">
+                    <a:lumMod val="50000"/>
+                  </a:schemeClr>
+                </a:solidFill>
+                <a:ea typeface="문체부 바탕체" panose="02030609000101010101" pitchFamily="17" charset="-127"/>
+              </a:rPr>
+              <a:t>“</a:t>
+            </a:r>
+            <a:r>
+              <a:rPr lang="ko-KR" altLang="en-US" sz="7200" i="1">
+                <a:solidFill>
+                  <a:schemeClr val="bg1">
+                    <a:lumMod val="50000"/>
+                  </a:schemeClr>
+                </a:solidFill>
+                <a:ea typeface="문체부 바탕체" panose="02030609000101010101" pitchFamily="17" charset="-127"/>
+              </a:rPr>
+              <a:t>원격 의료란 </a:t>
+            </a:r>
+            <a:r>
+              <a:rPr lang="en-US" altLang="ko-KR" sz="7200" i="1">
+                <a:solidFill>
+                  <a:schemeClr val="bg1">
+                    <a:lumMod val="50000"/>
+                  </a:schemeClr>
+                </a:solidFill>
+                <a:ea typeface="문체부 바탕체" panose="02030609000101010101" pitchFamily="17" charset="-127"/>
+              </a:rPr>
+              <a:t>”</a:t>
+            </a:r>
+            <a:endParaRPr lang="ko-KR" altLang="en-US" sz="7200" i="1" dirty="0">
+              <a:solidFill>
+                <a:schemeClr val="bg1">
+                  <a:lumMod val="50000"/>
+                </a:schemeClr>
+              </a:solidFill>
+              <a:ea typeface="문체부 바탕체" panose="02030609000101010101" pitchFamily="17" charset="-127"/>
+            </a:endParaRPr>
+          </a:p>
+        </p:txBody>
+      </p:sp>
+      <p:sp>
+        <p:nvSpPr>
+          <p:cNvPr id="22" name="직사각형 21"/>
+          <p:cNvSpPr/>
+          <p:nvPr/>
+        </p:nvSpPr>
+        <p:spPr>
+          <a:xfrm>
+            <a:off x="1671638" y="4168411"/>
+            <a:ext cx="15468600" cy="553998"/>
+          </a:xfrm>
+          <a:prstGeom prst="rect">
+            <a:avLst/>
+          </a:prstGeom>
+        </p:spPr>
+        <p:txBody>
+          <a:bodyPr wrap="square">
+            <a:spAutoFit/>
+          </a:bodyPr>
+          <a:lstStyle/>
+          <a:p>
+            <a:r>
+              <a:rPr lang="ko-KR" altLang="en-US" sz="3000" dirty="0">
+                <a:solidFill>
+                  <a:srgbClr val="222222"/>
+                </a:solidFill>
+                <a:latin typeface="나눔스퀘어" panose="020B0600000101010101" pitchFamily="50" charset="-127"/>
+                <a:ea typeface="나눔스퀘어" panose="020B0600000101010101" pitchFamily="50" charset="-127"/>
+              </a:rPr>
+              <a:t>원거리에 있는 의료수요자와 의료 공급자 사이에 </a:t>
+            </a:r>
+            <a:r>
+              <a:rPr lang="ko-KR" altLang="en-US" sz="3000" u="sng" dirty="0">
+                <a:solidFill>
+                  <a:srgbClr val="FF0000"/>
+                </a:solidFill>
+                <a:latin typeface="나눔스퀘어" panose="020B0600000101010101" pitchFamily="50" charset="-127"/>
+                <a:ea typeface="나눔스퀘어" panose="020B0600000101010101" pitchFamily="50" charset="-127"/>
+              </a:rPr>
+              <a:t>정보통신기술을 이용</a:t>
+            </a:r>
+            <a:r>
+              <a:rPr lang="ko-KR" altLang="en-US" sz="3000" dirty="0">
+                <a:solidFill>
+                  <a:srgbClr val="222222"/>
+                </a:solidFill>
+                <a:latin typeface="나눔스퀘어" panose="020B0600000101010101" pitchFamily="50" charset="-127"/>
+                <a:ea typeface="나눔스퀘어" panose="020B0600000101010101" pitchFamily="50" charset="-127"/>
+              </a:rPr>
+              <a:t>하여 의료 관련 서비스를 제공</a:t>
+            </a:r>
+            <a:endParaRPr lang="ko-KR" altLang="en-US" sz="3000" dirty="0">
+              <a:latin typeface="나눔스퀘어" panose="020B0600000101010101" pitchFamily="50" charset="-127"/>
+              <a:ea typeface="나눔스퀘어" panose="020B0600000101010101" pitchFamily="50" charset="-127"/>
+            </a:endParaRPr>
+          </a:p>
+        </p:txBody>
+      </p:sp>
+      <p:sp>
+        <p:nvSpPr>
+          <p:cNvPr id="10" name="직사각형 9"/>
+          <p:cNvSpPr/>
+          <p:nvPr/>
+        </p:nvSpPr>
+        <p:spPr>
+          <a:xfrm>
+            <a:off x="3429000" y="4902795"/>
+            <a:ext cx="12115800" cy="553998"/>
+          </a:xfrm>
+          <a:prstGeom prst="rect">
+            <a:avLst/>
+          </a:prstGeom>
+        </p:spPr>
+        <p:txBody>
+          <a:bodyPr wrap="square">
+            <a:spAutoFit/>
+          </a:bodyPr>
+          <a:lstStyle/>
+          <a:p>
+            <a:r>
+              <a:rPr lang="ko-KR" altLang="en-US" sz="3000" dirty="0">
+                <a:solidFill>
+                  <a:srgbClr val="222222"/>
+                </a:solidFill>
+                <a:latin typeface="나눔스퀘어" panose="020B0600000101010101" pitchFamily="50" charset="-127"/>
+                <a:ea typeface="나눔스퀘어" panose="020B0600000101010101" pitchFamily="50" charset="-127"/>
+              </a:rPr>
+              <a:t>기존의 의료 서비스 모델에서의 원격 의료 모델의 전환 가능성이 매우 높아짐</a:t>
+            </a:r>
+            <a:r>
+              <a:rPr lang="en-US" altLang="ko-KR" sz="3000" dirty="0">
+                <a:solidFill>
+                  <a:srgbClr val="222222"/>
+                </a:solidFill>
+                <a:latin typeface="나눔스퀘어" panose="020B0600000101010101" pitchFamily="50" charset="-127"/>
+                <a:ea typeface="나눔스퀘어" panose="020B0600000101010101" pitchFamily="50" charset="-127"/>
+              </a:rPr>
+              <a:t>.</a:t>
+            </a:r>
+            <a:endParaRPr lang="ko-KR" altLang="en-US" sz="3000" dirty="0">
+              <a:latin typeface="나눔스퀘어" panose="020B0600000101010101" pitchFamily="50" charset="-127"/>
+              <a:ea typeface="나눔스퀘어" panose="020B0600000101010101" pitchFamily="50" charset="-127"/>
+            </a:endParaRPr>
+          </a:p>
+        </p:txBody>
+      </p:sp>
+      <p:sp>
+        <p:nvSpPr>
+          <p:cNvPr id="14" name="직사각형 13"/>
+          <p:cNvSpPr/>
+          <p:nvPr/>
+        </p:nvSpPr>
+        <p:spPr>
+          <a:xfrm>
+            <a:off x="7848600" y="8131015"/>
+            <a:ext cx="9601200" cy="553998"/>
+          </a:xfrm>
+          <a:prstGeom prst="rect">
+            <a:avLst/>
+          </a:prstGeom>
+        </p:spPr>
+        <p:txBody>
+          <a:bodyPr wrap="square">
+            <a:spAutoFit/>
+          </a:bodyPr>
+          <a:lstStyle/>
+          <a:p>
+            <a:r>
+              <a:rPr lang="en-US" altLang="ko-KR" sz="3000" dirty="0">
+                <a:solidFill>
+                  <a:srgbClr val="222222"/>
+                </a:solidFill>
+                <a:latin typeface="나눔스퀘어" panose="020B0600000101010101" pitchFamily="50" charset="-127"/>
+                <a:ea typeface="나눔스퀘어" panose="020B0600000101010101" pitchFamily="50" charset="-127"/>
+              </a:rPr>
+              <a:t>-&gt; </a:t>
+            </a:r>
+            <a:r>
+              <a:rPr lang="ko-KR" altLang="en-US" sz="3000">
+                <a:solidFill>
+                  <a:srgbClr val="222222"/>
+                </a:solidFill>
+                <a:latin typeface="나눔스퀘어" panose="020B0600000101010101" pitchFamily="50" charset="-127"/>
+                <a:ea typeface="나눔스퀘어" panose="020B0600000101010101" pitchFamily="50" charset="-127"/>
+              </a:rPr>
+              <a:t>의료 서비스 모델의 </a:t>
+            </a:r>
+            <a:r>
+              <a:rPr lang="en-US" altLang="ko-KR" sz="3000">
+                <a:solidFill>
+                  <a:srgbClr val="222222"/>
+                </a:solidFill>
+                <a:latin typeface="나눔스퀘어" panose="020B0600000101010101" pitchFamily="50" charset="-127"/>
+                <a:ea typeface="나눔스퀘어" panose="020B0600000101010101" pitchFamily="50" charset="-127"/>
+              </a:rPr>
+              <a:t>DX(</a:t>
+            </a:r>
+            <a:r>
+              <a:rPr lang="ko-KR" altLang="en-US" sz="3000">
+                <a:solidFill>
+                  <a:srgbClr val="222222"/>
+                </a:solidFill>
+                <a:latin typeface="나눔스퀘어" panose="020B0600000101010101" pitchFamily="50" charset="-127"/>
+                <a:ea typeface="나눔스퀘어" panose="020B0600000101010101" pitchFamily="50" charset="-127"/>
+              </a:rPr>
+              <a:t>디지털 전환</a:t>
+            </a:r>
+            <a:r>
+              <a:rPr lang="en-US" altLang="ko-KR" sz="3000">
+                <a:solidFill>
+                  <a:srgbClr val="222222"/>
+                </a:solidFill>
+                <a:latin typeface="나눔스퀘어" panose="020B0600000101010101" pitchFamily="50" charset="-127"/>
+                <a:ea typeface="나눔스퀘어" panose="020B0600000101010101" pitchFamily="50" charset="-127"/>
+              </a:rPr>
+              <a:t>)</a:t>
+            </a:r>
+            <a:r>
+              <a:rPr lang="ko-KR" altLang="en-US" sz="3000">
+                <a:solidFill>
+                  <a:srgbClr val="222222"/>
+                </a:solidFill>
+                <a:latin typeface="나눔스퀘어" panose="020B0600000101010101" pitchFamily="50" charset="-127"/>
+                <a:ea typeface="나눔스퀘어" panose="020B0600000101010101" pitchFamily="50" charset="-127"/>
+              </a:rPr>
+              <a:t>가 </a:t>
+            </a:r>
+            <a:r>
+              <a:rPr lang="ko-KR" altLang="en-US" sz="3000" dirty="0">
+                <a:solidFill>
+                  <a:srgbClr val="222222"/>
+                </a:solidFill>
+                <a:latin typeface="나눔스퀘어" panose="020B0600000101010101" pitchFamily="50" charset="-127"/>
+                <a:ea typeface="나눔스퀘어" panose="020B0600000101010101" pitchFamily="50" charset="-127"/>
+              </a:rPr>
+              <a:t>이루어질 것</a:t>
+            </a:r>
+            <a:r>
+              <a:rPr lang="en-US" altLang="ko-KR" sz="3000" dirty="0">
+                <a:solidFill>
+                  <a:srgbClr val="222222"/>
+                </a:solidFill>
+                <a:latin typeface="나눔스퀘어" panose="020B0600000101010101" pitchFamily="50" charset="-127"/>
+                <a:ea typeface="나눔스퀘어" panose="020B0600000101010101" pitchFamily="50" charset="-127"/>
+              </a:rPr>
+              <a:t>.</a:t>
+            </a:r>
+            <a:endParaRPr lang="ko-KR" altLang="en-US" sz="3000" dirty="0">
+              <a:latin typeface="나눔스퀘어" panose="020B0600000101010101" pitchFamily="50" charset="-127"/>
+              <a:ea typeface="나눔스퀘어" panose="020B0600000101010101" pitchFamily="50" charset="-127"/>
+            </a:endParaRPr>
+          </a:p>
+        </p:txBody>
+      </p:sp>
+    </p:spTree>
+    <p:extLst>
+      <p:ext uri="{BB962C8B-B14F-4D97-AF65-F5344CB8AC3E}">
+        <p14:creationId xmlns:p14="http://schemas.microsoft.com/office/powerpoint/2010/main" val="4037343300"/>
+      </p:ext>
+    </p:extLst>
+  </p:cSld>
+  <p:clrMapOvr>
+    <a:masterClrMapping/>
+  </p:clrMapOvr>
+</p:sld>
+</file>
+
+<file path=ppt/slides/slide4.xml><?xml version="1.0" encoding="utf-8"?>
+<p:sld xmlns:a="http://schemas.openxmlformats.org/drawingml/2006/main" xmlns:r="http://schemas.openxmlformats.org/officeDocument/2006/relationships" xmlns:p="http://schemas.openxmlformats.org/presentationml/2006/main">
+  <p:cSld>
+    <p:spTree>
+      <p:nvGrpSpPr>
+        <p:cNvPr id="1" name=""/>
+        <p:cNvGrpSpPr/>
+        <p:nvPr/>
+      </p:nvGrpSpPr>
+      <p:grpSpPr>
+        <a:xfrm>
+          <a:off x="0" y="0"/>
+          <a:ext cx="0" cy="0"/>
+          <a:chOff x="0" y="0"/>
+          <a:chExt cx="0" cy="0"/>
+        </a:xfrm>
+      </p:grpSpPr>
+      <p:sp>
+        <p:nvSpPr>
+          <p:cNvPr id="10" name="TextBox 9"/>
+          <p:cNvSpPr txBox="1"/>
+          <p:nvPr/>
+        </p:nvSpPr>
+        <p:spPr>
+          <a:xfrm>
+            <a:off x="583096" y="3181927"/>
+            <a:ext cx="13868400" cy="553998"/>
+          </a:xfrm>
+          <a:prstGeom prst="rect">
+            <a:avLst/>
+          </a:prstGeom>
+          <a:noFill/>
+        </p:spPr>
+        <p:txBody>
+          <a:bodyPr wrap="square" rtlCol="0">
+            <a:spAutoFit/>
+          </a:bodyPr>
+          <a:lstStyle/>
+          <a:p>
+            <a:r>
+              <a:rPr lang="en-US" altLang="ko-KR" sz="3000" dirty="0">
+                <a:latin typeface="나눔스퀘어" panose="020B0600000101010101" pitchFamily="50" charset="-127"/>
+                <a:ea typeface="나눔스퀘어" panose="020B0600000101010101" pitchFamily="50" charset="-127"/>
+              </a:rPr>
+              <a:t>NDS</a:t>
+            </a:r>
+            <a:r>
+              <a:rPr lang="ko-KR" altLang="en-US" sz="3000" dirty="0">
+                <a:latin typeface="나눔스퀘어" panose="020B0600000101010101" pitchFamily="50" charset="-127"/>
+                <a:ea typeface="나눔스퀘어" panose="020B0600000101010101" pitchFamily="50" charset="-127"/>
+              </a:rPr>
+              <a:t>는 삼육서울병원 등의 대형 의료기관 솔루션 제공 경험이 있음</a:t>
+            </a:r>
+            <a:r>
+              <a:rPr lang="en-US" altLang="ko-KR" sz="3000" dirty="0">
+                <a:latin typeface="나눔스퀘어" panose="020B0600000101010101" pitchFamily="50" charset="-127"/>
+                <a:ea typeface="나눔스퀘어" panose="020B0600000101010101" pitchFamily="50" charset="-127"/>
+              </a:rPr>
+              <a:t>.</a:t>
+            </a:r>
+            <a:endParaRPr lang="ko-KR" altLang="en-US" sz="3000" dirty="0">
+              <a:latin typeface="나눔스퀘어" panose="020B0600000101010101" pitchFamily="50" charset="-127"/>
+              <a:ea typeface="나눔스퀘어" panose="020B0600000101010101" pitchFamily="50" charset="-127"/>
+            </a:endParaRPr>
+          </a:p>
+        </p:txBody>
+      </p:sp>
       <p:grpSp>
         <p:nvGrpSpPr>
           <p:cNvPr id="11" name="그룹 1001"/>
@@ -4310,588 +5284,6 @@
         </p:nvSpPr>
         <p:spPr>
           <a:xfrm>
-            <a:off x="457200" y="622881"/>
-            <a:ext cx="9372600" cy="861774"/>
-          </a:xfrm>
-          <a:prstGeom prst="rect">
-            <a:avLst/>
-          </a:prstGeom>
-          <a:noFill/>
-        </p:spPr>
-        <p:txBody>
-          <a:bodyPr wrap="square" rtlCol="0">
-            <a:spAutoFit/>
-          </a:bodyPr>
-          <a:lstStyle/>
-          <a:p>
-            <a:r>
-              <a:rPr lang="ko-KR" altLang="en-US" sz="5000" dirty="0" smtClean="0"/>
-              <a:t>원격의료의 </a:t>
-            </a:r>
-            <a:r>
-              <a:rPr lang="ko-KR" altLang="en-US" sz="5000" smtClean="0"/>
-              <a:t>정의 </a:t>
-            </a:r>
-            <a:r>
-              <a:rPr lang="ko-KR" altLang="en-US" sz="5000" smtClean="0"/>
-              <a:t>및 디지털 전환 </a:t>
-            </a:r>
-            <a:endParaRPr lang="ko-KR" altLang="en-US" sz="5000" dirty="0"/>
-          </a:p>
-        </p:txBody>
-      </p:sp>
-      <p:sp>
-        <p:nvSpPr>
-          <p:cNvPr id="18" name="TextBox 17"/>
-          <p:cNvSpPr txBox="1"/>
-          <p:nvPr/>
-        </p:nvSpPr>
-        <p:spPr>
-          <a:xfrm>
-            <a:off x="1143000" y="4858835"/>
-            <a:ext cx="6705600" cy="369332"/>
-          </a:xfrm>
-          <a:prstGeom prst="rect">
-            <a:avLst/>
-          </a:prstGeom>
-          <a:noFill/>
-        </p:spPr>
-        <p:txBody>
-          <a:bodyPr wrap="square" rtlCol="0">
-            <a:spAutoFit/>
-          </a:bodyPr>
-          <a:lstStyle/>
-          <a:p>
-            <a:r>
-              <a:rPr lang="en-US" altLang="ko-KR" dirty="0" smtClean="0"/>
-              <a:t>1. </a:t>
-            </a:r>
-            <a:r>
-              <a:rPr lang="ko-KR" altLang="en-US" dirty="0" smtClean="0"/>
-              <a:t>단순 </a:t>
-            </a:r>
-            <a:r>
-              <a:rPr lang="ko-KR" altLang="en-US" dirty="0" smtClean="0"/>
-              <a:t>진료 </a:t>
-            </a:r>
-            <a:r>
-              <a:rPr lang="en-US" altLang="ko-KR" dirty="0" smtClean="0"/>
-              <a:t>: </a:t>
-            </a:r>
-            <a:r>
-              <a:rPr lang="ko-KR" altLang="en-US" dirty="0" smtClean="0"/>
-              <a:t>전화</a:t>
-            </a:r>
-            <a:r>
-              <a:rPr lang="en-US" altLang="ko-KR" dirty="0" smtClean="0"/>
-              <a:t>, </a:t>
-            </a:r>
-            <a:r>
-              <a:rPr lang="ko-KR" altLang="en-US" dirty="0" smtClean="0"/>
-              <a:t>문자</a:t>
-            </a:r>
-            <a:r>
-              <a:rPr lang="en-US" altLang="ko-KR" dirty="0" smtClean="0"/>
-              <a:t>, </a:t>
-            </a:r>
-            <a:r>
-              <a:rPr lang="ko-KR" altLang="en-US" dirty="0" smtClean="0"/>
-              <a:t>영상통화 등</a:t>
-            </a:r>
-            <a:endParaRPr lang="ko-KR" altLang="en-US" dirty="0"/>
-          </a:p>
-        </p:txBody>
-      </p:sp>
-      <p:sp>
-        <p:nvSpPr>
-          <p:cNvPr id="19" name="TextBox 18"/>
-          <p:cNvSpPr txBox="1"/>
-          <p:nvPr/>
-        </p:nvSpPr>
-        <p:spPr>
-          <a:xfrm>
-            <a:off x="1143000" y="5671309"/>
-            <a:ext cx="3733800" cy="369332"/>
-          </a:xfrm>
-          <a:prstGeom prst="rect">
-            <a:avLst/>
-          </a:prstGeom>
-          <a:noFill/>
-        </p:spPr>
-        <p:txBody>
-          <a:bodyPr wrap="square" rtlCol="0">
-            <a:spAutoFit/>
-          </a:bodyPr>
-          <a:lstStyle/>
-          <a:p>
-            <a:r>
-              <a:rPr lang="en-US" altLang="ko-KR" dirty="0"/>
-              <a:t>2</a:t>
-            </a:r>
-            <a:r>
-              <a:rPr lang="en-US" altLang="ko-KR" dirty="0" smtClean="0"/>
-              <a:t>. </a:t>
-            </a:r>
-            <a:r>
-              <a:rPr lang="ko-KR" altLang="en-US" dirty="0" smtClean="0"/>
-              <a:t>건강관리 모니터링</a:t>
-            </a:r>
-            <a:r>
-              <a:rPr lang="en-US" altLang="ko-KR" dirty="0" smtClean="0"/>
-              <a:t>(</a:t>
-            </a:r>
-            <a:r>
-              <a:rPr lang="en-US" altLang="ko-KR" dirty="0" err="1" smtClean="0"/>
-              <a:t>IoT</a:t>
-            </a:r>
-            <a:r>
-              <a:rPr lang="en-US" altLang="ko-KR" dirty="0" smtClean="0"/>
-              <a:t> </a:t>
-            </a:r>
-            <a:r>
-              <a:rPr lang="ko-KR" altLang="en-US" dirty="0" smtClean="0"/>
-              <a:t>센서 활용</a:t>
-            </a:r>
-            <a:r>
-              <a:rPr lang="en-US" altLang="ko-KR" dirty="0" smtClean="0"/>
-              <a:t>)</a:t>
-            </a:r>
-            <a:endParaRPr lang="ko-KR" altLang="en-US" dirty="0"/>
-          </a:p>
-        </p:txBody>
-      </p:sp>
-      <p:sp>
-        <p:nvSpPr>
-          <p:cNvPr id="20" name="TextBox 19"/>
-          <p:cNvSpPr txBox="1"/>
-          <p:nvPr/>
-        </p:nvSpPr>
-        <p:spPr>
-          <a:xfrm>
-            <a:off x="1143000" y="6482126"/>
-            <a:ext cx="3048000" cy="367675"/>
-          </a:xfrm>
-          <a:prstGeom prst="rect">
-            <a:avLst/>
-          </a:prstGeom>
-          <a:noFill/>
-        </p:spPr>
-        <p:txBody>
-          <a:bodyPr wrap="square" rtlCol="0">
-            <a:spAutoFit/>
-          </a:bodyPr>
-          <a:lstStyle/>
-          <a:p>
-            <a:r>
-              <a:rPr lang="en-US" altLang="ko-KR" dirty="0" smtClean="0"/>
-              <a:t>3. </a:t>
-            </a:r>
-            <a:r>
-              <a:rPr lang="ko-KR" altLang="en-US" dirty="0" smtClean="0"/>
-              <a:t>원격의료기기</a:t>
-            </a:r>
-            <a:r>
-              <a:rPr lang="en-US" altLang="ko-KR" dirty="0" smtClean="0"/>
-              <a:t>. </a:t>
-            </a:r>
-            <a:r>
-              <a:rPr lang="ko-KR" altLang="en-US" dirty="0" smtClean="0"/>
-              <a:t>등</a:t>
-            </a:r>
-            <a:endParaRPr lang="ko-KR" altLang="en-US" dirty="0"/>
-          </a:p>
-        </p:txBody>
-      </p:sp>
-      <p:sp>
-        <p:nvSpPr>
-          <p:cNvPr id="21" name="직사각형 20"/>
-          <p:cNvSpPr/>
-          <p:nvPr/>
-        </p:nvSpPr>
-        <p:spPr>
-          <a:xfrm>
-            <a:off x="450574" y="2610546"/>
-            <a:ext cx="6324600" cy="1200329"/>
-          </a:xfrm>
-          <a:prstGeom prst="rect">
-            <a:avLst/>
-          </a:prstGeom>
-        </p:spPr>
-        <p:txBody>
-          <a:bodyPr wrap="square">
-            <a:spAutoFit/>
-          </a:bodyPr>
-          <a:lstStyle/>
-          <a:p>
-            <a:r>
-              <a:rPr lang="en-US" altLang="ko-KR" sz="7200" i="1" dirty="0" smtClean="0">
-                <a:solidFill>
-                  <a:schemeClr val="bg1">
-                    <a:lumMod val="50000"/>
-                  </a:schemeClr>
-                </a:solidFill>
-                <a:ea typeface="문체부 바탕체" panose="02030609000101010101" pitchFamily="17" charset="-127"/>
-              </a:rPr>
-              <a:t>“</a:t>
-            </a:r>
-            <a:r>
-              <a:rPr lang="ko-KR" altLang="en-US" sz="7200" i="1" dirty="0" smtClean="0">
-                <a:solidFill>
-                  <a:schemeClr val="bg1">
-                    <a:lumMod val="50000"/>
-                  </a:schemeClr>
-                </a:solidFill>
-                <a:ea typeface="문체부 바탕체" panose="02030609000101010101" pitchFamily="17" charset="-127"/>
-              </a:rPr>
-              <a:t>원격 의료</a:t>
-            </a:r>
-            <a:r>
-              <a:rPr lang="en-US" altLang="ko-KR" sz="7200" i="1" dirty="0" smtClean="0">
-                <a:solidFill>
-                  <a:schemeClr val="bg1">
-                    <a:lumMod val="50000"/>
-                  </a:schemeClr>
-                </a:solidFill>
-                <a:ea typeface="문체부 바탕체" panose="02030609000101010101" pitchFamily="17" charset="-127"/>
-              </a:rPr>
-              <a:t>”</a:t>
-            </a:r>
-            <a:endParaRPr lang="ko-KR" altLang="en-US" sz="7200" i="1" dirty="0">
-              <a:solidFill>
-                <a:schemeClr val="bg1">
-                  <a:lumMod val="50000"/>
-                </a:schemeClr>
-              </a:solidFill>
-              <a:ea typeface="문체부 바탕체" panose="02030609000101010101" pitchFamily="17" charset="-127"/>
-            </a:endParaRPr>
-          </a:p>
-        </p:txBody>
-      </p:sp>
-      <p:sp>
-        <p:nvSpPr>
-          <p:cNvPr id="22" name="직사각형 21"/>
-          <p:cNvSpPr/>
-          <p:nvPr/>
-        </p:nvSpPr>
-        <p:spPr>
-          <a:xfrm>
-            <a:off x="450574" y="4057856"/>
-            <a:ext cx="17297400" cy="553998"/>
-          </a:xfrm>
-          <a:prstGeom prst="rect">
-            <a:avLst/>
-          </a:prstGeom>
-        </p:spPr>
-        <p:txBody>
-          <a:bodyPr wrap="square">
-            <a:spAutoFit/>
-          </a:bodyPr>
-          <a:lstStyle/>
-          <a:p>
-            <a:r>
-              <a:rPr lang="ko-KR" altLang="en-US" sz="3000" dirty="0">
-                <a:solidFill>
-                  <a:srgbClr val="222222"/>
-                </a:solidFill>
-                <a:latin typeface="Malgun Gothic" panose="020B0503020000020004" pitchFamily="50" charset="-127"/>
-                <a:ea typeface="Malgun Gothic" panose="020B0503020000020004" pitchFamily="50" charset="-127"/>
-              </a:rPr>
-              <a:t>원거리에 있는 </a:t>
-            </a:r>
-            <a:r>
-              <a:rPr lang="ko-KR" altLang="en-US" sz="3000" dirty="0" smtClean="0">
-                <a:solidFill>
-                  <a:srgbClr val="222222"/>
-                </a:solidFill>
-                <a:latin typeface="Malgun Gothic" panose="020B0503020000020004" pitchFamily="50" charset="-127"/>
-                <a:ea typeface="Malgun Gothic" panose="020B0503020000020004" pitchFamily="50" charset="-127"/>
-              </a:rPr>
-              <a:t>의료수요자와 </a:t>
-            </a:r>
-            <a:r>
-              <a:rPr lang="ko-KR" altLang="en-US" sz="3000" dirty="0">
-                <a:solidFill>
-                  <a:srgbClr val="222222"/>
-                </a:solidFill>
-                <a:latin typeface="Malgun Gothic" panose="020B0503020000020004" pitchFamily="50" charset="-127"/>
-                <a:ea typeface="Malgun Gothic" panose="020B0503020000020004" pitchFamily="50" charset="-127"/>
-              </a:rPr>
-              <a:t>의료 공급자 사이에 </a:t>
-            </a:r>
-            <a:r>
-              <a:rPr lang="ko-KR" altLang="en-US" sz="3000" u="sng" dirty="0" smtClean="0">
-                <a:solidFill>
-                  <a:srgbClr val="222222"/>
-                </a:solidFill>
-                <a:latin typeface="Malgun Gothic" panose="020B0503020000020004" pitchFamily="50" charset="-127"/>
-                <a:ea typeface="Malgun Gothic" panose="020B0503020000020004" pitchFamily="50" charset="-127"/>
-              </a:rPr>
-              <a:t>정보통신기술을 </a:t>
-            </a:r>
-            <a:r>
-              <a:rPr lang="ko-KR" altLang="en-US" sz="3000" u="sng" dirty="0">
-                <a:solidFill>
-                  <a:srgbClr val="222222"/>
-                </a:solidFill>
-                <a:latin typeface="Malgun Gothic" panose="020B0503020000020004" pitchFamily="50" charset="-127"/>
-                <a:ea typeface="Malgun Gothic" panose="020B0503020000020004" pitchFamily="50" charset="-127"/>
-              </a:rPr>
-              <a:t>이용</a:t>
-            </a:r>
-            <a:r>
-              <a:rPr lang="ko-KR" altLang="en-US" sz="3000" dirty="0">
-                <a:solidFill>
-                  <a:srgbClr val="222222"/>
-                </a:solidFill>
-                <a:latin typeface="Malgun Gothic" panose="020B0503020000020004" pitchFamily="50" charset="-127"/>
-                <a:ea typeface="Malgun Gothic" panose="020B0503020000020004" pitchFamily="50" charset="-127"/>
-              </a:rPr>
-              <a:t>하여 </a:t>
-            </a:r>
-            <a:r>
-              <a:rPr lang="ko-KR" altLang="en-US" sz="3000" dirty="0" smtClean="0">
-                <a:solidFill>
-                  <a:srgbClr val="222222"/>
-                </a:solidFill>
-                <a:latin typeface="Malgun Gothic" panose="020B0503020000020004" pitchFamily="50" charset="-127"/>
-                <a:ea typeface="Malgun Gothic" panose="020B0503020000020004" pitchFamily="50" charset="-127"/>
-              </a:rPr>
-              <a:t>의료 관련 서비스를 제공</a:t>
-            </a:r>
-            <a:endParaRPr lang="ko-KR" altLang="en-US" sz="3000" dirty="0"/>
-          </a:p>
-        </p:txBody>
-      </p:sp>
-      <p:sp>
-        <p:nvSpPr>
-          <p:cNvPr id="10" name="직사각형 9"/>
-          <p:cNvSpPr/>
-          <p:nvPr/>
-        </p:nvSpPr>
-        <p:spPr>
-          <a:xfrm>
-            <a:off x="463826" y="7311165"/>
-            <a:ext cx="17297400" cy="553998"/>
-          </a:xfrm>
-          <a:prstGeom prst="rect">
-            <a:avLst/>
-          </a:prstGeom>
-        </p:spPr>
-        <p:txBody>
-          <a:bodyPr wrap="square">
-            <a:spAutoFit/>
-          </a:bodyPr>
-          <a:lstStyle/>
-          <a:p>
-            <a:r>
-              <a:rPr lang="ko-KR" altLang="en-US" sz="3000" dirty="0" smtClean="0">
-                <a:solidFill>
-                  <a:srgbClr val="222222"/>
-                </a:solidFill>
-                <a:latin typeface="Malgun Gothic" panose="020B0503020000020004" pitchFamily="50" charset="-127"/>
-                <a:ea typeface="Malgun Gothic" panose="020B0503020000020004" pitchFamily="50" charset="-127"/>
-              </a:rPr>
-              <a:t>기존의 의료 서비스 모델에서의 원격 의료 모델의 전환 가능성이 매우 높아짐</a:t>
-            </a:r>
-            <a:r>
-              <a:rPr lang="en-US" altLang="ko-KR" sz="3000" dirty="0" smtClean="0">
-                <a:solidFill>
-                  <a:srgbClr val="222222"/>
-                </a:solidFill>
-                <a:latin typeface="Malgun Gothic" panose="020B0503020000020004" pitchFamily="50" charset="-127"/>
-                <a:ea typeface="Malgun Gothic" panose="020B0503020000020004" pitchFamily="50" charset="-127"/>
-              </a:rPr>
-              <a:t>.</a:t>
-            </a:r>
-            <a:endParaRPr lang="ko-KR" altLang="en-US" sz="3000" dirty="0"/>
-          </a:p>
-        </p:txBody>
-      </p:sp>
-      <p:sp>
-        <p:nvSpPr>
-          <p:cNvPr id="14" name="직사각형 13"/>
-          <p:cNvSpPr/>
-          <p:nvPr/>
-        </p:nvSpPr>
-        <p:spPr>
-          <a:xfrm>
-            <a:off x="838200" y="7972345"/>
-            <a:ext cx="9601200" cy="553998"/>
-          </a:xfrm>
-          <a:prstGeom prst="rect">
-            <a:avLst/>
-          </a:prstGeom>
-        </p:spPr>
-        <p:txBody>
-          <a:bodyPr wrap="square">
-            <a:spAutoFit/>
-          </a:bodyPr>
-          <a:lstStyle/>
-          <a:p>
-            <a:r>
-              <a:rPr lang="en-US" altLang="ko-KR" sz="3000" dirty="0" smtClean="0">
-                <a:solidFill>
-                  <a:srgbClr val="222222"/>
-                </a:solidFill>
-                <a:latin typeface="Malgun Gothic" panose="020B0503020000020004" pitchFamily="50" charset="-127"/>
-                <a:ea typeface="Malgun Gothic" panose="020B0503020000020004" pitchFamily="50" charset="-127"/>
-              </a:rPr>
-              <a:t>-&gt; </a:t>
-            </a:r>
-            <a:r>
-              <a:rPr lang="ko-KR" altLang="en-US" sz="3000" dirty="0" smtClean="0">
-                <a:solidFill>
-                  <a:srgbClr val="222222"/>
-                </a:solidFill>
-                <a:latin typeface="Malgun Gothic" panose="020B0503020000020004" pitchFamily="50" charset="-127"/>
-                <a:ea typeface="Malgun Gothic" panose="020B0503020000020004" pitchFamily="50" charset="-127"/>
-              </a:rPr>
-              <a:t>의료 서비스에서의 디지털 전환이 이루어질 것</a:t>
-            </a:r>
-            <a:r>
-              <a:rPr lang="en-US" altLang="ko-KR" sz="3000" dirty="0" smtClean="0">
-                <a:solidFill>
-                  <a:srgbClr val="222222"/>
-                </a:solidFill>
-                <a:latin typeface="Malgun Gothic" panose="020B0503020000020004" pitchFamily="50" charset="-127"/>
-                <a:ea typeface="Malgun Gothic" panose="020B0503020000020004" pitchFamily="50" charset="-127"/>
-              </a:rPr>
-              <a:t>.</a:t>
-            </a:r>
-            <a:endParaRPr lang="ko-KR" altLang="en-US" sz="3000" dirty="0"/>
-          </a:p>
-        </p:txBody>
-      </p:sp>
-    </p:spTree>
-    <p:extLst>
-      <p:ext uri="{BB962C8B-B14F-4D97-AF65-F5344CB8AC3E}">
-        <p14:creationId xmlns:p14="http://schemas.microsoft.com/office/powerpoint/2010/main" val="4037343300"/>
-      </p:ext>
-    </p:extLst>
-  </p:cSld>
-  <p:clrMapOvr>
-    <a:masterClrMapping/>
-  </p:clrMapOvr>
-  <p:timing>
-    <p:tnLst>
-      <p:par>
-        <p:cTn id="1" dur="indefinite" restart="never" nodeType="tmRoot"/>
-      </p:par>
-    </p:tnLst>
-  </p:timing>
-</p:sld>
-</file>
-
-<file path=ppt/slides/slide4.xml><?xml version="1.0" encoding="utf-8"?>
-<p:sld xmlns:a="http://schemas.openxmlformats.org/drawingml/2006/main" xmlns:r="http://schemas.openxmlformats.org/officeDocument/2006/relationships" xmlns:p="http://schemas.openxmlformats.org/presentationml/2006/main">
-  <p:cSld>
-    <p:spTree>
-      <p:nvGrpSpPr>
-        <p:cNvPr id="1" name=""/>
-        <p:cNvGrpSpPr/>
-        <p:nvPr/>
-      </p:nvGrpSpPr>
-      <p:grpSpPr>
-        <a:xfrm>
-          <a:off x="0" y="0"/>
-          <a:ext cx="0" cy="0"/>
-          <a:chOff x="0" y="0"/>
-          <a:chExt cx="0" cy="0"/>
-        </a:xfrm>
-      </p:grpSpPr>
-      <p:sp>
-        <p:nvSpPr>
-          <p:cNvPr id="10" name="TextBox 9"/>
-          <p:cNvSpPr txBox="1"/>
-          <p:nvPr/>
-        </p:nvSpPr>
-        <p:spPr>
-          <a:xfrm>
-            <a:off x="583096" y="3181927"/>
-            <a:ext cx="13868400" cy="553998"/>
-          </a:xfrm>
-          <a:prstGeom prst="rect">
-            <a:avLst/>
-          </a:prstGeom>
-          <a:noFill/>
-        </p:spPr>
-        <p:txBody>
-          <a:bodyPr wrap="square" rtlCol="0">
-            <a:spAutoFit/>
-          </a:bodyPr>
-          <a:lstStyle/>
-          <a:p>
-            <a:r>
-              <a:rPr lang="en-US" altLang="ko-KR" sz="3000" dirty="0" smtClean="0"/>
-              <a:t>NDS</a:t>
-            </a:r>
-            <a:r>
-              <a:rPr lang="ko-KR" altLang="en-US" sz="3000" dirty="0" smtClean="0"/>
-              <a:t>는 </a:t>
-            </a:r>
-            <a:r>
-              <a:rPr lang="ko-KR" altLang="en-US" sz="3000" dirty="0" smtClean="0"/>
-              <a:t>삼육서울병원 등의 대형 의료기관 솔루션 제공 경험이 </a:t>
-            </a:r>
-            <a:r>
-              <a:rPr lang="ko-KR" altLang="en-US" sz="3000" dirty="0" smtClean="0"/>
-              <a:t>있음</a:t>
-            </a:r>
-            <a:r>
-              <a:rPr lang="en-US" altLang="ko-KR" sz="3000" dirty="0" smtClean="0"/>
-              <a:t>.</a:t>
-            </a:r>
-            <a:endParaRPr lang="ko-KR" altLang="en-US" sz="3000" dirty="0"/>
-          </a:p>
-        </p:txBody>
-      </p:sp>
-      <p:grpSp>
-        <p:nvGrpSpPr>
-          <p:cNvPr id="11" name="그룹 1001"/>
-          <p:cNvGrpSpPr/>
-          <p:nvPr/>
-        </p:nvGrpSpPr>
-        <p:grpSpPr>
-          <a:xfrm>
-            <a:off x="1620" y="-3491"/>
-            <a:ext cx="18286379" cy="2114519"/>
-            <a:chOff x="-800000" y="-247619"/>
-            <a:chExt cx="19352381" cy="3390476"/>
-          </a:xfrm>
-        </p:grpSpPr>
-        <p:pic>
-          <p:nvPicPr>
-            <p:cNvPr id="12" name="Object 2"/>
-            <p:cNvPicPr>
-              <a:picLocks noChangeAspect="1"/>
-            </p:cNvPicPr>
-            <p:nvPr/>
-          </p:nvPicPr>
-          <p:blipFill>
-            <a:blip r:embed="rId2" cstate="print"/>
-            <a:stretch>
-              <a:fillRect/>
-            </a:stretch>
-          </p:blipFill>
-          <p:spPr>
-            <a:xfrm>
-              <a:off x="-800000" y="-247619"/>
-              <a:ext cx="19352381" cy="3390476"/>
-            </a:xfrm>
-            <a:prstGeom prst="rect">
-              <a:avLst/>
-            </a:prstGeom>
-          </p:spPr>
-        </p:pic>
-      </p:grpSp>
-      <p:sp>
-        <p:nvSpPr>
-          <p:cNvPr id="13" name="TextBox 12"/>
-          <p:cNvSpPr txBox="1"/>
-          <p:nvPr/>
-        </p:nvSpPr>
-        <p:spPr>
-          <a:xfrm>
             <a:off x="609600" y="622881"/>
             <a:ext cx="11201400" cy="861774"/>
           </a:xfrm>
@@ -4907,10 +5299,33 @@
           <a:lstStyle/>
           <a:p>
             <a:r>
-              <a:rPr lang="ko-KR" altLang="en-US" sz="5000" dirty="0" smtClean="0"/>
-              <a:t>신사업 진출에서의 농심의 역량</a:t>
-            </a:r>
-            <a:endParaRPr lang="ko-KR" altLang="en-US" sz="5000" dirty="0"/>
+              <a:rPr lang="ko-KR" altLang="en-US" sz="5000">
+                <a:latin typeface="나눔스퀘어" panose="020B0600000101010101" pitchFamily="50" charset="-127"/>
+                <a:ea typeface="나눔스퀘어" panose="020B0600000101010101" pitchFamily="50" charset="-127"/>
+              </a:rPr>
+              <a:t>신사업의 전망과 </a:t>
+            </a:r>
+            <a:r>
+              <a:rPr lang="en-US" altLang="ko-KR" sz="5000">
+                <a:latin typeface="나눔스퀘어" panose="020B0600000101010101" pitchFamily="50" charset="-127"/>
+                <a:ea typeface="나눔스퀘어" panose="020B0600000101010101" pitchFamily="50" charset="-127"/>
+              </a:rPr>
+              <a:t>NDS</a:t>
+            </a:r>
+            <a:r>
+              <a:rPr lang="ko-KR" altLang="en-US" sz="5000">
+                <a:latin typeface="나눔스퀘어" panose="020B0600000101010101" pitchFamily="50" charset="-127"/>
+                <a:ea typeface="나눔스퀘어" panose="020B0600000101010101" pitchFamily="50" charset="-127"/>
+              </a:rPr>
+              <a:t>의 </a:t>
+            </a:r>
+            <a:r>
+              <a:rPr lang="ko-KR" altLang="en-US" sz="5000" dirty="0">
+                <a:latin typeface="나눔스퀘어" panose="020B0600000101010101" pitchFamily="50" charset="-127"/>
+                <a:ea typeface="나눔스퀘어" panose="020B0600000101010101" pitchFamily="50" charset="-127"/>
+              </a:rPr>
+              <a:t>역량</a:t>
+            </a:r>
           </a:p>
         </p:txBody>
       </p:sp>
@@ -4937,31 +5352,45 @@
           <a:lstStyle/>
           <a:p>
             <a:r>
-              <a:rPr lang="ko-KR" altLang="en-US" sz="3000" dirty="0"/>
-              <a:t>이 </a:t>
-            </a:r>
-            <a:r>
-              <a:rPr lang="ko-KR" altLang="en-US" sz="3000" dirty="0" smtClean="0"/>
-              <a:t>분야는 </a:t>
-            </a:r>
-            <a:r>
-              <a:rPr lang="ko-KR" altLang="en-US" sz="3000" dirty="0"/>
+              <a:rPr lang="ko-KR" altLang="en-US" sz="3000">
+                <a:latin typeface="나눔스퀘어" panose="020B0600000101010101" pitchFamily="50" charset="-127"/>
+                <a:ea typeface="나눔스퀘어" panose="020B0600000101010101" pitchFamily="50" charset="-127"/>
+              </a:rPr>
+              <a:t>원격 의료 분야는 </a:t>
+            </a:r>
+            <a:r>
+              <a:rPr lang="ko-KR" altLang="en-US" sz="3000" dirty="0">
+                <a:latin typeface="나눔스퀘어" panose="020B0600000101010101" pitchFamily="50" charset="-127"/>
+                <a:ea typeface="나눔스퀘어" panose="020B0600000101010101" pitchFamily="50" charset="-127"/>
+              </a:rPr>
               <a:t>아직 법적으로 어떠한 규제</a:t>
             </a:r>
             <a:r>
-              <a:rPr lang="en-US" altLang="ko-KR" sz="3000" dirty="0"/>
+              <a:rPr lang="en-US" altLang="ko-KR" sz="3000" dirty="0">
+                <a:latin typeface="나눔스퀘어" panose="020B0600000101010101" pitchFamily="50" charset="-127"/>
+                <a:ea typeface="나눔스퀘어" panose="020B0600000101010101" pitchFamily="50" charset="-127"/>
+              </a:rPr>
               <a:t>, </a:t>
             </a:r>
             <a:r>
-              <a:rPr lang="ko-KR" altLang="en-US" sz="3000" dirty="0"/>
+              <a:rPr lang="ko-KR" altLang="en-US" sz="3000" dirty="0">
+                <a:latin typeface="나눔스퀘어" panose="020B0600000101010101" pitchFamily="50" charset="-127"/>
+                <a:ea typeface="나눔스퀘어" panose="020B0600000101010101" pitchFamily="50" charset="-127"/>
+              </a:rPr>
               <a:t>혹은 법적 근거가 마련되어 있지는 않음</a:t>
             </a:r>
             <a:r>
-              <a:rPr lang="en-US" altLang="ko-KR" sz="3000" dirty="0"/>
+              <a:rPr lang="en-US" altLang="ko-KR" sz="3000" dirty="0">
+                <a:latin typeface="나눔스퀘어" panose="020B0600000101010101" pitchFamily="50" charset="-127"/>
+                <a:ea typeface="나눔스퀘어" panose="020B0600000101010101" pitchFamily="50" charset="-127"/>
+              </a:rPr>
               <a:t>.</a:t>
             </a:r>
             <a:r>
-              <a:rPr lang="ko-KR" altLang="en-US" sz="3000" dirty="0"/>
+              <a:rPr lang="ko-KR" altLang="en-US" sz="3000" dirty="0">
+                <a:latin typeface="나눔스퀘어" panose="020B0600000101010101" pitchFamily="50" charset="-127"/>
+                <a:ea typeface="나눔스퀘어" panose="020B0600000101010101" pitchFamily="50" charset="-127"/>
+              </a:rPr>
               <a:t> </a:t>
             </a:r>
           </a:p>
@@ -4976,7 +5405,7 @@
         <p:spPr>
           <a:xfrm>
             <a:off x="583096" y="7058747"/>
-            <a:ext cx="13517452" cy="1015663"/>
+            <a:ext cx="13517452" cy="553998"/>
           </a:xfrm>
           <a:prstGeom prst="rect">
             <a:avLst/>
@@ -4990,22 +5419,51 @@
           <a:lstStyle/>
           <a:p>
             <a:r>
-              <a:rPr lang="ko-KR" altLang="en-US" sz="3000" dirty="0" smtClean="0"/>
-              <a:t>현재 의료계에서 이에 대한 많은 이야기가 나오고 있고</a:t>
-            </a:r>
-            <a:r>
-              <a:rPr lang="en-US" altLang="ko-KR" sz="3000" dirty="0" smtClean="0"/>
+              <a:rPr lang="ko-KR" altLang="en-US" sz="3000">
+                <a:latin typeface="나눔스퀘어" panose="020B0600000101010101" pitchFamily="50" charset="-127"/>
+                <a:ea typeface="나눔스퀘어" panose="020B0600000101010101" pitchFamily="50" charset="-127"/>
+              </a:rPr>
+              <a:t>현재 의학</a:t>
+            </a:r>
+            <a:r>
+              <a:rPr lang="en-US" altLang="ko-KR" sz="3000">
+                <a:latin typeface="나눔스퀘어" panose="020B0600000101010101" pitchFamily="50" charset="-127"/>
+                <a:ea typeface="나눔스퀘어" panose="020B0600000101010101" pitchFamily="50" charset="-127"/>
+              </a:rPr>
+              <a:t>, </a:t>
+            </a:r>
+            <a:r>
+              <a:rPr lang="ko-KR" altLang="en-US" sz="3000">
+                <a:latin typeface="나눔스퀘어" panose="020B0600000101010101" pitchFamily="50" charset="-127"/>
+                <a:ea typeface="나눔스퀘어" panose="020B0600000101010101" pitchFamily="50" charset="-127"/>
+              </a:rPr>
+              <a:t>정치계에서 </a:t>
+            </a:r>
+            <a:r>
+              <a:rPr lang="ko-KR" altLang="en-US" sz="3000" dirty="0">
+                <a:latin typeface="나눔스퀘어" panose="020B0600000101010101" pitchFamily="50" charset="-127"/>
+                <a:ea typeface="나눔스퀘어" panose="020B0600000101010101" pitchFamily="50" charset="-127"/>
+              </a:rPr>
+              <a:t>이에 대한 </a:t>
+            </a:r>
+            <a:r>
+              <a:rPr lang="ko-KR" altLang="en-US" sz="3000">
+                <a:latin typeface="나눔스퀘어" panose="020B0600000101010101" pitchFamily="50" charset="-127"/>
+                <a:ea typeface="나눔스퀘어" panose="020B0600000101010101" pitchFamily="50" charset="-127"/>
+              </a:rPr>
+              <a:t>많은 이야기가 진행중</a:t>
+            </a:r>
+            <a:r>
+              <a:rPr lang="en-US" altLang="ko-KR" sz="3000">
+                <a:latin typeface="나눔스퀘어" panose="020B0600000101010101" pitchFamily="50" charset="-127"/>
+                <a:ea typeface="나눔스퀘어" panose="020B0600000101010101" pitchFamily="50" charset="-127"/>
+              </a:rPr>
               <a:t>,  </a:t>
             </a:r>
-            <a:r>
-              <a:rPr lang="ko-KR" altLang="en-US" sz="3000" dirty="0" smtClean="0"/>
-              <a:t>이에 대한 준비를 통해 다른 경쟁기업 보다 앞서나갈 수 있을 것</a:t>
-            </a:r>
-            <a:r>
-              <a:rPr lang="en-US" altLang="ko-KR" sz="3000" dirty="0" smtClean="0"/>
-              <a:t>.</a:t>
-            </a:r>
-            <a:endParaRPr lang="ko-KR" altLang="en-US" sz="3000" dirty="0"/>
+            <a:endParaRPr lang="ko-KR" altLang="en-US" sz="3000" dirty="0">
+              <a:latin typeface="나눔스퀘어" panose="020B0600000101010101" pitchFamily="50" charset="-127"/>
+              <a:ea typeface="나눔스퀘어" panose="020B0600000101010101" pitchFamily="50" charset="-127"/>
+            </a:endParaRPr>
           </a:p>
         </p:txBody>
       </p:sp>
@@ -5032,30 +5490,79 @@
           <a:lstStyle/>
           <a:p>
             <a:r>
-              <a:rPr lang="en-US" altLang="ko-KR" sz="3000" dirty="0" smtClean="0"/>
+              <a:rPr lang="en-US" altLang="ko-KR" sz="3000" dirty="0">
+                <a:latin typeface="나눔스퀘어" panose="020B0600000101010101" pitchFamily="50" charset="-127"/>
+                <a:ea typeface="나눔스퀘어" panose="020B0600000101010101" pitchFamily="50" charset="-127"/>
+              </a:rPr>
               <a:t>+ </a:t>
             </a:r>
             <a:r>
-              <a:rPr lang="ko-KR" altLang="en-US" sz="3000" dirty="0" smtClean="0"/>
+              <a:rPr lang="ko-KR" altLang="en-US" sz="3000" dirty="0">
+                <a:latin typeface="나눔스퀘어" panose="020B0600000101010101" pitchFamily="50" charset="-127"/>
+                <a:ea typeface="나눔스퀘어" panose="020B0600000101010101" pitchFamily="50" charset="-127"/>
+              </a:rPr>
               <a:t>라이프 </a:t>
             </a:r>
             <a:r>
-              <a:rPr lang="ko-KR" altLang="en-US" sz="3000" dirty="0" err="1" smtClean="0"/>
+              <a:rPr lang="ko-KR" altLang="en-US" sz="3000" dirty="0" err="1">
+                <a:latin typeface="나눔스퀘어" panose="020B0600000101010101" pitchFamily="50" charset="-127"/>
+                <a:ea typeface="나눔스퀘어" panose="020B0600000101010101" pitchFamily="50" charset="-127"/>
+              </a:rPr>
               <a:t>월릿과</a:t>
             </a:r>
             <a:r>
-              <a:rPr lang="ko-KR" altLang="en-US" sz="3000" dirty="0" smtClean="0"/>
-              <a:t> 같은 통합의료정보체계 구축 경험 </a:t>
-            </a:r>
-            <a:r>
-              <a:rPr lang="ko-KR" altLang="en-US" sz="3000" dirty="0" smtClean="0"/>
-              <a:t>有</a:t>
-            </a:r>
-            <a:r>
-              <a:rPr lang="ko-KR" altLang="en-US" sz="3000" dirty="0" smtClean="0"/>
-              <a:t>  </a:t>
-            </a:r>
-            <a:endParaRPr lang="ko-KR" altLang="en-US" sz="3000" dirty="0"/>
+              <a:rPr lang="ko-KR" altLang="en-US" sz="3000" dirty="0">
+                <a:latin typeface="나눔스퀘어" panose="020B0600000101010101" pitchFamily="50" charset="-127"/>
+                <a:ea typeface="나눔스퀘어" panose="020B0600000101010101" pitchFamily="50" charset="-127"/>
+              </a:rPr>
+              <a:t> 같은 통합의료정보체계 구축 경험 有  </a:t>
+            </a:r>
+          </a:p>
+        </p:txBody>
+      </p:sp>
+      <p:sp>
+        <p:nvSpPr>
+          <p:cNvPr id="14" name="TextBox 13">
+            <a:extLst>
+              <a:ext uri="{FF2B5EF4-FFF2-40B4-BE49-F238E27FC236}">
+                <a16:creationId xmlns:a16="http://schemas.microsoft.com/office/drawing/2014/main" id="{130FEF85-5D71-47D6-BB85-F23F4C2DE15E}"/>
+              </a:ext>
+            </a:extLst>
+          </p:cNvPr>
+          <p:cNvSpPr txBox="1"/>
+          <p:nvPr/>
+        </p:nvSpPr>
+        <p:spPr>
+          <a:xfrm>
+            <a:off x="2286000" y="8324385"/>
+            <a:ext cx="12167419" cy="553998"/>
+          </a:xfrm>
+          <a:prstGeom prst="rect">
+            <a:avLst/>
+          </a:prstGeom>
+          <a:noFill/>
+        </p:spPr>
+        <p:txBody>
+          <a:bodyPr wrap="square">
+            <a:spAutoFit/>
+          </a:bodyPr>
+          <a:lstStyle/>
+          <a:p>
+            <a:r>
+              <a:rPr lang="ko-KR" altLang="en-US" sz="3000">
+                <a:latin typeface="나눔스퀘어" panose="020B0600000101010101" pitchFamily="50" charset="-127"/>
+                <a:ea typeface="나눔스퀘어" panose="020B0600000101010101" pitchFamily="50" charset="-127"/>
+              </a:rPr>
+              <a:t>원격 의료 서비스에 대한 준비를 통해 다른 경쟁기업 보다 앞서나갈 수 있을 것</a:t>
+            </a:r>
+            <a:r>
+              <a:rPr lang="en-US" altLang="ko-KR" sz="3000">
+                <a:latin typeface="나눔스퀘어" panose="020B0600000101010101" pitchFamily="50" charset="-127"/>
+                <a:ea typeface="나눔스퀘어" panose="020B0600000101010101" pitchFamily="50" charset="-127"/>
+              </a:rPr>
+              <a:t>.</a:t>
+            </a:r>
+            <a:endParaRPr lang="ko-KR" altLang="en-US" sz="3000"/>
           </a:p>
         </p:txBody>
       </p:sp>
@@ -5069,13 +5576,6 @@
   <p:clrMapOvr>
     <a:masterClrMapping/>
   </p:clrMapOvr>
-  <p:timing>
-    <p:tnLst>
-      <p:par>
-        <p:cTn id="1" dur="indefinite" restart="never" nodeType="tmRoot"/>
-      </p:par>
-    </p:tnLst>
-  </p:timing>
 </p:sld>
 </file>
 

--- a/공채관련_자료/농심 NDS/NDS 임원 면접 초안2.pptx
+++ b/공채관련_자료/농심 NDS/NDS 임원 면접 초안2.pptx
@@ -608,6 +608,93 @@
           <a:p>
             <a:r>
               <a:rPr lang="ko-KR" altLang="en-US"/>
+              <a:t>점점 더 언택트 소비 경험은 하나의 일상적 라이프 스타일로 정착 중</a:t>
+            </a:r>
+          </a:p>
+        </p:txBody>
+      </p:sp>
+      <p:sp>
+        <p:nvSpPr>
+          <p:cNvPr id="4" name="슬라이드 번호 개체 틀 3"/>
+          <p:cNvSpPr>
+            <a:spLocks noGrp="1"/>
+          </p:cNvSpPr>
+          <p:nvPr>
+            <p:ph type="sldNum" sz="quarter" idx="5"/>
+          </p:nvPr>
+        </p:nvSpPr>
+        <p:spPr/>
+        <p:txBody>
+          <a:bodyPr/>
+          <a:lstStyle/>
+          <a:p>
+            <a:fld id="{2E833B1C-5338-4282-BC5C-B5BC5EDB3DF7}" type="slidenum">
+              <a:rPr lang="ko-KR" altLang="en-US" smtClean="0"/>
+              <a:t>2</a:t>
+            </a:fld>
+            <a:endParaRPr lang="ko-KR" altLang="en-US"/>
+          </a:p>
+        </p:txBody>
+      </p:sp>
+    </p:spTree>
+    <p:extLst>
+      <p:ext uri="{BB962C8B-B14F-4D97-AF65-F5344CB8AC3E}">
+        <p14:creationId xmlns:p14="http://schemas.microsoft.com/office/powerpoint/2010/main" val="3589559672"/>
+      </p:ext>
+    </p:extLst>
+  </p:cSld>
+  <p:clrMapOvr>
+    <a:masterClrMapping/>
+  </p:clrMapOvr>
+</p:notes>
+</file>
+
+<file path=ppt/notesSlides/notesSlide3.xml><?xml version="1.0" encoding="utf-8"?>
+<p:notes xmlns:a="http://schemas.openxmlformats.org/drawingml/2006/main" xmlns:r="http://schemas.openxmlformats.org/officeDocument/2006/relationships" xmlns:p="http://schemas.openxmlformats.org/presentationml/2006/main">
+  <p:cSld>
+    <p:spTree>
+      <p:nvGrpSpPr>
+        <p:cNvPr id="1" name=""/>
+        <p:cNvGrpSpPr/>
+        <p:nvPr/>
+      </p:nvGrpSpPr>
+      <p:grpSpPr>
+        <a:xfrm>
+          <a:off x="0" y="0"/>
+          <a:ext cx="0" cy="0"/>
+          <a:chOff x="0" y="0"/>
+          <a:chExt cx="0" cy="0"/>
+        </a:xfrm>
+      </p:grpSpPr>
+      <p:sp>
+        <p:nvSpPr>
+          <p:cNvPr id="2" name="슬라이드 이미지 개체 틀 1"/>
+          <p:cNvSpPr>
+            <a:spLocks noGrp="1" noRot="1" noChangeAspect="1"/>
+          </p:cNvSpPr>
+          <p:nvPr>
+            <p:ph type="sldImg"/>
+          </p:nvPr>
+        </p:nvSpPr>
+        <p:spPr/>
+      </p:sp>
+      <p:sp>
+        <p:nvSpPr>
+          <p:cNvPr id="3" name="슬라이드 노트 개체 틀 2"/>
+          <p:cNvSpPr>
+            <a:spLocks noGrp="1"/>
+          </p:cNvSpPr>
+          <p:nvPr>
+            <p:ph type="body" idx="1"/>
+          </p:nvPr>
+        </p:nvSpPr>
+        <p:spPr/>
+        <p:txBody>
+          <a:bodyPr/>
+          <a:lstStyle/>
+          <a:p>
+            <a:r>
+              <a:rPr lang="ko-KR" altLang="en-US"/>
               <a:t>원격 의료의 종류</a:t>
             </a:r>
             <a:r>
@@ -703,6 +790,109 @@
     <p:extLst>
       <p:ext uri="{BB962C8B-B14F-4D97-AF65-F5344CB8AC3E}">
         <p14:creationId xmlns:p14="http://schemas.microsoft.com/office/powerpoint/2010/main" val="143434650"/>
+      </p:ext>
+    </p:extLst>
+  </p:cSld>
+  <p:clrMapOvr>
+    <a:masterClrMapping/>
+  </p:clrMapOvr>
+</p:notes>
+</file>
+
+<file path=ppt/notesSlides/notesSlide4.xml><?xml version="1.0" encoding="utf-8"?>
+<p:notes xmlns:a="http://schemas.openxmlformats.org/drawingml/2006/main" xmlns:r="http://schemas.openxmlformats.org/officeDocument/2006/relationships" xmlns:p="http://schemas.openxmlformats.org/presentationml/2006/main">
+  <p:cSld>
+    <p:spTree>
+      <p:nvGrpSpPr>
+        <p:cNvPr id="1" name=""/>
+        <p:cNvGrpSpPr/>
+        <p:nvPr/>
+      </p:nvGrpSpPr>
+      <p:grpSpPr>
+        <a:xfrm>
+          <a:off x="0" y="0"/>
+          <a:ext cx="0" cy="0"/>
+          <a:chOff x="0" y="0"/>
+          <a:chExt cx="0" cy="0"/>
+        </a:xfrm>
+      </p:grpSpPr>
+      <p:sp>
+        <p:nvSpPr>
+          <p:cNvPr id="2" name="슬라이드 이미지 개체 틀 1"/>
+          <p:cNvSpPr>
+            <a:spLocks noGrp="1" noRot="1" noChangeAspect="1"/>
+          </p:cNvSpPr>
+          <p:nvPr>
+            <p:ph type="sldImg"/>
+          </p:nvPr>
+        </p:nvSpPr>
+        <p:spPr/>
+      </p:sp>
+      <p:sp>
+        <p:nvSpPr>
+          <p:cNvPr id="3" name="슬라이드 노트 개체 틀 2"/>
+          <p:cNvSpPr>
+            <a:spLocks noGrp="1"/>
+          </p:cNvSpPr>
+          <p:nvPr>
+            <p:ph type="body" idx="1"/>
+          </p:nvPr>
+        </p:nvSpPr>
+        <p:spPr/>
+        <p:txBody>
+          <a:bodyPr/>
+          <a:lstStyle/>
+          <a:p>
+            <a:r>
+              <a:rPr lang="ko-KR" altLang="en-US"/>
+              <a:t>라이프 월릿과 같은 통합의료정보체계 구축 경험이 존재함 </a:t>
+            </a:r>
+            <a:r>
+              <a:rPr lang="en-US" altLang="ko-KR"/>
+              <a:t>+ </a:t>
+            </a:r>
+            <a:r>
+              <a:rPr lang="ko-KR" altLang="en-US"/>
+              <a:t>블록체인</a:t>
+            </a:r>
+            <a:r>
+              <a:rPr lang="en-US" altLang="ko-KR"/>
+              <a:t>, </a:t>
+            </a:r>
+            <a:r>
+              <a:rPr lang="ko-KR" altLang="en-US"/>
+              <a:t>클라우드와 같은 기술을 원격 의료 모델에 적용가능</a:t>
+            </a:r>
+          </a:p>
+        </p:txBody>
+      </p:sp>
+      <p:sp>
+        <p:nvSpPr>
+          <p:cNvPr id="4" name="슬라이드 번호 개체 틀 3"/>
+          <p:cNvSpPr>
+            <a:spLocks noGrp="1"/>
+          </p:cNvSpPr>
+          <p:nvPr>
+            <p:ph type="sldNum" sz="quarter" idx="5"/>
+          </p:nvPr>
+        </p:nvSpPr>
+        <p:spPr/>
+        <p:txBody>
+          <a:bodyPr/>
+          <a:lstStyle/>
+          <a:p>
+            <a:fld id="{2E833B1C-5338-4282-BC5C-B5BC5EDB3DF7}" type="slidenum">
+              <a:rPr lang="ko-KR" altLang="en-US" smtClean="0"/>
+              <a:t>4</a:t>
+            </a:fld>
+            <a:endParaRPr lang="ko-KR" altLang="en-US"/>
+          </a:p>
+        </p:txBody>
+      </p:sp>
+    </p:spTree>
+    <p:extLst>
+      <p:ext uri="{BB962C8B-B14F-4D97-AF65-F5344CB8AC3E}">
+        <p14:creationId xmlns:p14="http://schemas.microsoft.com/office/powerpoint/2010/main" val="3341749849"/>
       </p:ext>
     </p:extLst>
   </p:cSld>
@@ -4008,7 +4198,7 @@
             <p:nvPr/>
           </p:nvPicPr>
           <p:blipFill>
-            <a:blip r:embed="rId2" cstate="print"/>
+            <a:blip r:embed="rId3" cstate="print"/>
             <a:stretch>
               <a:fillRect/>
             </a:stretch>
@@ -4026,70 +4216,13 @@
       </p:grpSp>
       <p:sp>
         <p:nvSpPr>
-          <p:cNvPr id="37" name="TextBox 36"/>
-          <p:cNvSpPr txBox="1"/>
-          <p:nvPr/>
-        </p:nvSpPr>
-        <p:spPr>
-          <a:xfrm>
-            <a:off x="618343" y="3665140"/>
-            <a:ext cx="11845327" cy="553998"/>
-          </a:xfrm>
-          <a:prstGeom prst="rect">
-            <a:avLst/>
-          </a:prstGeom>
-          <a:noFill/>
-        </p:spPr>
-        <p:txBody>
-          <a:bodyPr wrap="square" rtlCol="0">
-            <a:spAutoFit/>
-          </a:bodyPr>
-          <a:lstStyle/>
-          <a:p>
-            <a:r>
-              <a:rPr lang="ko-KR" altLang="en-US" sz="3000" dirty="0">
-                <a:latin typeface="나눔스퀘어" panose="020B0600000101010101" pitchFamily="50" charset="-127"/>
-                <a:ea typeface="나눔스퀘어" panose="020B0600000101010101" pitchFamily="50" charset="-127"/>
-              </a:rPr>
-              <a:t>점점 더 </a:t>
-            </a:r>
-            <a:r>
-              <a:rPr lang="ko-KR" altLang="en-US" sz="3000" dirty="0" err="1">
-                <a:latin typeface="나눔스퀘어" panose="020B0600000101010101" pitchFamily="50" charset="-127"/>
-                <a:ea typeface="나눔스퀘어" panose="020B0600000101010101" pitchFamily="50" charset="-127"/>
-              </a:rPr>
-              <a:t>언택트</a:t>
-            </a:r>
-            <a:r>
-              <a:rPr lang="ko-KR" altLang="en-US" sz="3000" dirty="0">
-                <a:latin typeface="나눔스퀘어" panose="020B0600000101010101" pitchFamily="50" charset="-127"/>
-                <a:ea typeface="나눔스퀘어" panose="020B0600000101010101" pitchFamily="50" charset="-127"/>
-              </a:rPr>
-              <a:t> 소비 경험은 하나의 일상적 라이프 </a:t>
-            </a:r>
-            <a:r>
-              <a:rPr lang="ko-KR" altLang="en-US" sz="3000">
-                <a:latin typeface="나눔스퀘어" panose="020B0600000101010101" pitchFamily="50" charset="-127"/>
-                <a:ea typeface="나눔스퀘어" panose="020B0600000101010101" pitchFamily="50" charset="-127"/>
-              </a:rPr>
-              <a:t>스타일로 정착 중</a:t>
-            </a:r>
-            <a:endParaRPr lang="ko-KR" altLang="en-US" sz="3000" dirty="0">
-              <a:latin typeface="나눔스퀘어" panose="020B0600000101010101" pitchFamily="50" charset="-127"/>
-              <a:ea typeface="나눔스퀘어" panose="020B0600000101010101" pitchFamily="50" charset="-127"/>
-            </a:endParaRPr>
-          </a:p>
-        </p:txBody>
-      </p:sp>
-      <p:sp>
-        <p:nvSpPr>
           <p:cNvPr id="45" name="TextBox 44"/>
           <p:cNvSpPr txBox="1"/>
           <p:nvPr/>
         </p:nvSpPr>
         <p:spPr>
           <a:xfrm>
-            <a:off x="651473" y="2705100"/>
+            <a:off x="651473" y="2858887"/>
             <a:ext cx="9106890" cy="553998"/>
           </a:xfrm>
           <a:prstGeom prst="rect">
@@ -4160,7 +4293,7 @@
         <p:spPr>
           <a:xfrm>
             <a:off x="651473" y="622881"/>
-            <a:ext cx="12988327" cy="861774"/>
+            <a:ext cx="14893327" cy="861774"/>
           </a:xfrm>
           <a:prstGeom prst="rect">
             <a:avLst/>
@@ -4174,19 +4307,30 @@
           <a:lstStyle/>
           <a:p>
             <a:r>
-              <a:rPr lang="en-US" altLang="ko-KR" sz="5000" dirty="0">
-                <a:latin typeface="나눔스퀘어" panose="020B0600000101010101" pitchFamily="50" charset="-127"/>
-                <a:ea typeface="나눔스퀘어" panose="020B0600000101010101" pitchFamily="50" charset="-127"/>
-              </a:rPr>
-              <a:t>COVID-19</a:t>
+              <a:rPr lang="en-US" altLang="ko-KR" sz="5000">
+                <a:latin typeface="나눔스퀘어" panose="020B0600000101010101" pitchFamily="50" charset="-127"/>
+                <a:ea typeface="나눔스퀘어" panose="020B0600000101010101" pitchFamily="50" charset="-127"/>
+              </a:rPr>
+              <a:t>WHY : COVID-19</a:t>
             </a:r>
             <a:r>
               <a:rPr lang="ko-KR" altLang="en-US" sz="5000" dirty="0">
                 <a:latin typeface="나눔스퀘어" panose="020B0600000101010101" pitchFamily="50" charset="-127"/>
                 <a:ea typeface="나눔스퀘어" panose="020B0600000101010101" pitchFamily="50" charset="-127"/>
               </a:rPr>
-              <a:t>의 영향을 통한 헬스케어 서비스 전망</a:t>
-            </a:r>
+              <a:t>의 영향을 통한 헬스케어 </a:t>
+            </a:r>
+            <a:r>
+              <a:rPr lang="ko-KR" altLang="en-US" sz="5000">
+                <a:latin typeface="나눔스퀘어" panose="020B0600000101010101" pitchFamily="50" charset="-127"/>
+                <a:ea typeface="나눔스퀘어" panose="020B0600000101010101" pitchFamily="50" charset="-127"/>
+              </a:rPr>
+              <a:t>서비스 전망</a:t>
+            </a:r>
+            <a:endParaRPr lang="ko-KR" altLang="en-US" sz="5000" dirty="0">
+              <a:latin typeface="나눔스퀘어" panose="020B0600000101010101" pitchFamily="50" charset="-127"/>
+              <a:ea typeface="나눔스퀘어" panose="020B0600000101010101" pitchFamily="50" charset="-127"/>
+            </a:endParaRPr>
           </a:p>
         </p:txBody>
       </p:sp>
@@ -4198,7 +4342,7 @@
         </p:nvSpPr>
         <p:spPr>
           <a:xfrm>
-            <a:off x="618343" y="4633463"/>
+            <a:off x="618343" y="3773287"/>
             <a:ext cx="16069458" cy="553998"/>
           </a:xfrm>
           <a:prstGeom prst="rect">
@@ -4240,13 +4384,6 @@
               </a:rPr>
               <a:t>반응을 이끌어 냄</a:t>
             </a:r>
-            <a:r>
-              <a:rPr lang="en-US" altLang="ko-KR" sz="3000">
-                <a:latin typeface="나눔스퀘어" panose="020B0600000101010101" pitchFamily="50" charset="-127"/>
-                <a:ea typeface="나눔스퀘어" panose="020B0600000101010101" pitchFamily="50" charset="-127"/>
-              </a:rPr>
-              <a:t>.</a:t>
-            </a:r>
             <a:endParaRPr lang="ko-KR" altLang="en-US" sz="3000" dirty="0">
               <a:latin typeface="나눔스퀘어" panose="020B0600000101010101" pitchFamily="50" charset="-127"/>
               <a:ea typeface="나눔스퀘어" panose="020B0600000101010101" pitchFamily="50" charset="-127"/>
@@ -4262,7 +4399,7 @@
         </p:nvSpPr>
         <p:spPr>
           <a:xfrm>
-            <a:off x="5486400" y="5678278"/>
+            <a:off x="5486400" y="4818102"/>
             <a:ext cx="8686800" cy="553998"/>
           </a:xfrm>
           <a:prstGeom prst="rect">
@@ -4394,7 +4531,7 @@
         </p:nvGrpSpPr>
         <p:grpSpPr>
           <a:xfrm>
-            <a:off x="4381500" y="6515100"/>
+            <a:off x="533400" y="6210300"/>
             <a:ext cx="9525000" cy="3480369"/>
             <a:chOff x="838200" y="6692331"/>
             <a:chExt cx="9525000" cy="3480369"/>
@@ -4409,7 +4546,7 @@
             <p:nvPr/>
           </p:nvPicPr>
           <p:blipFill rotWithShape="1">
-            <a:blip r:embed="rId3">
+            <a:blip r:embed="rId4">
               <a:extLst>
                 <a:ext uri="{28A0092B-C50C-407E-A947-70E740481C1C}">
                   <a14:useLocalDpi xmlns:a14="http://schemas.microsoft.com/office/drawing/2010/main" val="0"/>
@@ -4570,7 +4707,7 @@
             <p:nvPr/>
           </p:nvPicPr>
           <p:blipFill rotWithShape="1">
-            <a:blip r:embed="rId3">
+            <a:blip r:embed="rId4">
               <a:extLst>
                 <a:ext uri="{28A0092B-C50C-407E-A947-70E740481C1C}">
                   <a14:useLocalDpi xmlns:a14="http://schemas.microsoft.com/office/drawing/2010/main" val="0"/>
@@ -4616,11 +4753,11 @@
           <p:nvPr/>
         </p:nvPicPr>
         <p:blipFill>
-          <a:blip r:embed="rId4">
+          <a:blip r:embed="rId5">
             <a:extLst>
               <a:ext uri="{BEBA8EAE-BF5A-486C-A8C5-ECC9F3942E4B}">
                 <a14:imgProps xmlns:a14="http://schemas.microsoft.com/office/drawing/2010/main">
-                  <a14:imgLayer r:embed="rId5">
+                  <a14:imgLayer r:embed="rId6">
                     <a14:imgEffect>
                       <a14:backgroundRemoval t="9794" b="90206" l="8880" r="89961">
                         <a14:foregroundMark x1="90347" y1="14948" x2="90347" y2="14948"/>
@@ -4644,7 +4781,7 @@
         </p:blipFill>
         <p:spPr bwMode="auto">
           <a:xfrm rot="9324812">
-            <a:off x="3776037" y="5242995"/>
+            <a:off x="3776037" y="4331335"/>
             <a:ext cx="1540186" cy="1153653"/>
           </a:xfrm>
           <a:prstGeom prst="rect">
@@ -4668,6 +4805,266 @@
           </a:extLst>
         </p:spPr>
       </p:pic>
+      <p:sp>
+        <p:nvSpPr>
+          <p:cNvPr id="19" name="TextBox 18">
+            <a:extLst>
+              <a:ext uri="{FF2B5EF4-FFF2-40B4-BE49-F238E27FC236}">
+                <a16:creationId xmlns:a16="http://schemas.microsoft.com/office/drawing/2014/main" id="{14DF589E-4ECC-42F6-B9C3-BE639E663D76}"/>
+              </a:ext>
+            </a:extLst>
+          </p:cNvPr>
+          <p:cNvSpPr txBox="1"/>
+          <p:nvPr/>
+        </p:nvSpPr>
+        <p:spPr>
+          <a:xfrm>
+            <a:off x="12411282" y="9367503"/>
+            <a:ext cx="2600118" cy="323165"/>
+          </a:xfrm>
+          <a:prstGeom prst="rect">
+            <a:avLst/>
+          </a:prstGeom>
+          <a:noFill/>
+        </p:spPr>
+        <p:txBody>
+          <a:bodyPr wrap="square" rtlCol="0">
+            <a:spAutoFit/>
+          </a:bodyPr>
+          <a:lstStyle/>
+          <a:p>
+            <a:r>
+              <a:rPr lang="ko-KR" altLang="en-US" sz="1500">
+                <a:latin typeface="나눔스퀘어" panose="020B0600000101010101" pitchFamily="50" charset="-127"/>
+                <a:ea typeface="나눔스퀘어" panose="020B0600000101010101" pitchFamily="50" charset="-127"/>
+              </a:rPr>
+              <a:t>은평 성모병원 설문조사</a:t>
+            </a:r>
+            <a:endParaRPr lang="ko-KR" altLang="en-US" sz="1500" dirty="0">
+              <a:latin typeface="나눔스퀘어" panose="020B0600000101010101" pitchFamily="50" charset="-127"/>
+              <a:ea typeface="나눔스퀘어" panose="020B0600000101010101" pitchFamily="50" charset="-127"/>
+            </a:endParaRPr>
+          </a:p>
+        </p:txBody>
+      </p:sp>
+      <p:pic>
+        <p:nvPicPr>
+          <p:cNvPr id="5" name="그림 4">
+            <a:extLst>
+              <a:ext uri="{FF2B5EF4-FFF2-40B4-BE49-F238E27FC236}">
+                <a16:creationId xmlns:a16="http://schemas.microsoft.com/office/drawing/2014/main" id="{2DEA5B14-1554-4E4A-929E-826278DCF55C}"/>
+              </a:ext>
+            </a:extLst>
+          </p:cNvPr>
+          <p:cNvPicPr>
+            <a:picLocks noChangeAspect="1"/>
+          </p:cNvPicPr>
+          <p:nvPr/>
+        </p:nvPicPr>
+        <p:blipFill>
+          <a:blip r:embed="rId7"/>
+          <a:stretch>
+            <a:fillRect/>
+          </a:stretch>
+        </p:blipFill>
+        <p:spPr>
+          <a:xfrm>
+            <a:off x="9536128" y="7209917"/>
+            <a:ext cx="8588344" cy="869308"/>
+          </a:xfrm>
+          <a:prstGeom prst="rect">
+            <a:avLst/>
+          </a:prstGeom>
+        </p:spPr>
+      </p:pic>
+      <p:sp>
+        <p:nvSpPr>
+          <p:cNvPr id="22" name="TextBox 21">
+            <a:extLst>
+              <a:ext uri="{FF2B5EF4-FFF2-40B4-BE49-F238E27FC236}">
+                <a16:creationId xmlns:a16="http://schemas.microsoft.com/office/drawing/2014/main" id="{F3489EF3-0046-46F8-B33E-7C37DB770FD4}"/>
+              </a:ext>
+            </a:extLst>
+          </p:cNvPr>
+          <p:cNvSpPr txBox="1"/>
+          <p:nvPr/>
+        </p:nvSpPr>
+        <p:spPr>
+          <a:xfrm>
+            <a:off x="9448800" y="8307169"/>
+            <a:ext cx="8763000" cy="646331"/>
+          </a:xfrm>
+          <a:prstGeom prst="rect">
+            <a:avLst/>
+          </a:prstGeom>
+          <a:noFill/>
+        </p:spPr>
+        <p:txBody>
+          <a:bodyPr wrap="square">
+            <a:spAutoFit/>
+          </a:bodyPr>
+          <a:lstStyle/>
+          <a:p>
+            <a:r>
+              <a:rPr lang="ko-KR" altLang="en-US" b="0" i="0">
+                <a:solidFill>
+                  <a:srgbClr val="333333"/>
+                </a:solidFill>
+                <a:effectLst/>
+                <a:latin typeface="맑은 고딕" panose="020B0503020000020004" pitchFamily="50" charset="-127"/>
+                <a:ea typeface="맑은 고딕" panose="020B0503020000020004" pitchFamily="50" charset="-127"/>
+              </a:rPr>
+              <a:t>환자들은 편의성</a:t>
+            </a:r>
+            <a:r>
+              <a:rPr lang="en-US" altLang="ko-KR" b="0" i="0">
+                <a:solidFill>
+                  <a:srgbClr val="333333"/>
+                </a:solidFill>
+                <a:effectLst/>
+                <a:latin typeface="맑은 고딕" panose="020B0503020000020004" pitchFamily="50" charset="-127"/>
+                <a:ea typeface="맑은 고딕" panose="020B0503020000020004" pitchFamily="50" charset="-127"/>
+              </a:rPr>
+              <a:t>(79.9%), </a:t>
+            </a:r>
+            <a:r>
+              <a:rPr lang="ko-KR" altLang="en-US" b="0" i="0">
+                <a:solidFill>
+                  <a:srgbClr val="333333"/>
+                </a:solidFill>
+                <a:effectLst/>
+                <a:latin typeface="맑은 고딕" panose="020B0503020000020004" pitchFamily="50" charset="-127"/>
+                <a:ea typeface="맑은 고딕" panose="020B0503020000020004" pitchFamily="50" charset="-127"/>
+              </a:rPr>
+              <a:t>상호 소통</a:t>
+            </a:r>
+            <a:r>
+              <a:rPr lang="en-US" altLang="ko-KR" b="0" i="0">
+                <a:solidFill>
+                  <a:srgbClr val="333333"/>
+                </a:solidFill>
+                <a:effectLst/>
+                <a:latin typeface="맑은 고딕" panose="020B0503020000020004" pitchFamily="50" charset="-127"/>
+                <a:ea typeface="맑은 고딕" panose="020B0503020000020004" pitchFamily="50" charset="-127"/>
+              </a:rPr>
+              <a:t>(87.1%), </a:t>
+            </a:r>
+            <a:r>
+              <a:rPr lang="ko-KR" altLang="en-US" b="0" i="0">
+                <a:solidFill>
+                  <a:srgbClr val="333333"/>
+                </a:solidFill>
+                <a:effectLst/>
+                <a:latin typeface="맑은 고딕" panose="020B0503020000020004" pitchFamily="50" charset="-127"/>
+                <a:ea typeface="맑은 고딕" panose="020B0503020000020004" pitchFamily="50" charset="-127"/>
+              </a:rPr>
+              <a:t>신뢰도</a:t>
+            </a:r>
+            <a:r>
+              <a:rPr lang="en-US" altLang="ko-KR" b="0" i="0">
+                <a:solidFill>
+                  <a:srgbClr val="333333"/>
+                </a:solidFill>
+                <a:effectLst/>
+                <a:latin typeface="맑은 고딕" panose="020B0503020000020004" pitchFamily="50" charset="-127"/>
+                <a:ea typeface="맑은 고딕" panose="020B0503020000020004" pitchFamily="50" charset="-127"/>
+              </a:rPr>
+              <a:t>(87.1%), </a:t>
+            </a:r>
+            <a:r>
+              <a:rPr lang="ko-KR" altLang="en-US" b="0" i="0">
+                <a:solidFill>
+                  <a:srgbClr val="333333"/>
+                </a:solidFill>
+                <a:effectLst/>
+                <a:latin typeface="맑은 고딕" panose="020B0503020000020004" pitchFamily="50" charset="-127"/>
+                <a:ea typeface="맑은 고딕" panose="020B0503020000020004" pitchFamily="50" charset="-127"/>
+              </a:rPr>
+              <a:t>재이용 의향</a:t>
+            </a:r>
+            <a:r>
+              <a:rPr lang="en-US" altLang="ko-KR" b="0" i="0">
+                <a:solidFill>
+                  <a:srgbClr val="333333"/>
+                </a:solidFill>
+                <a:effectLst/>
+                <a:latin typeface="맑은 고딕" panose="020B0503020000020004" pitchFamily="50" charset="-127"/>
+                <a:ea typeface="맑은 고딕" panose="020B0503020000020004" pitchFamily="50" charset="-127"/>
+              </a:rPr>
+              <a:t>(85.1%) </a:t>
+            </a:r>
+            <a:r>
+              <a:rPr lang="ko-KR" altLang="en-US" b="0" i="0">
+                <a:solidFill>
+                  <a:srgbClr val="333333"/>
+                </a:solidFill>
+                <a:effectLst/>
+                <a:latin typeface="맑은 고딕" panose="020B0503020000020004" pitchFamily="50" charset="-127"/>
+                <a:ea typeface="맑은 고딕" panose="020B0503020000020004" pitchFamily="50" charset="-127"/>
+              </a:rPr>
+              <a:t>항목 모두에서 긍정적인 답변을 했다</a:t>
+            </a:r>
+            <a:r>
+              <a:rPr lang="en-US" altLang="ko-KR" b="0" i="0">
+                <a:solidFill>
+                  <a:srgbClr val="333333"/>
+                </a:solidFill>
+                <a:effectLst/>
+                <a:latin typeface="맑은 고딕" panose="020B0503020000020004" pitchFamily="50" charset="-127"/>
+                <a:ea typeface="맑은 고딕" panose="020B0503020000020004" pitchFamily="50" charset="-127"/>
+              </a:rPr>
+              <a:t>.</a:t>
+            </a:r>
+            <a:endParaRPr lang="ko-KR" altLang="en-US"/>
+          </a:p>
+        </p:txBody>
+      </p:sp>
+      <p:cxnSp>
+        <p:nvCxnSpPr>
+          <p:cNvPr id="23" name="직선 연결선 22">
+            <a:extLst>
+              <a:ext uri="{FF2B5EF4-FFF2-40B4-BE49-F238E27FC236}">
+                <a16:creationId xmlns:a16="http://schemas.microsoft.com/office/drawing/2014/main" id="{0B41CB18-FB2E-4998-B6F5-7DCE1C0B88F4}"/>
+              </a:ext>
+            </a:extLst>
+          </p:cNvPr>
+          <p:cNvCxnSpPr>
+            <a:cxnSpLocks/>
+          </p:cNvCxnSpPr>
+          <p:nvPr/>
+        </p:nvCxnSpPr>
+        <p:spPr>
+          <a:xfrm flipV="1">
+            <a:off x="810" y="6175429"/>
+            <a:ext cx="18286380" cy="34871"/>
+          </a:xfrm>
+          <a:prstGeom prst="line">
+            <a:avLst/>
+          </a:prstGeom>
+          <a:ln>
+            <a:solidFill>
+              <a:schemeClr val="bg1">
+                <a:lumMod val="50000"/>
+              </a:schemeClr>
+            </a:solidFill>
+            <a:prstDash val="dash"/>
+          </a:ln>
+        </p:spPr>
+        <p:style>
+          <a:lnRef idx="1">
+            <a:schemeClr val="accent1"/>
+          </a:lnRef>
+          <a:fillRef idx="0">
+            <a:schemeClr val="accent1"/>
+          </a:fillRef>
+          <a:effectRef idx="0">
+            <a:schemeClr val="accent1"/>
+          </a:effectRef>
+          <a:fontRef idx="minor">
+            <a:schemeClr val="tx1"/>
+          </a:fontRef>
+        </p:style>
+      </p:cxnSp>
     </p:spTree>
   </p:cSld>
   <p:clrMapOvr>
@@ -4693,109 +5090,6 @@
           <a:chExt cx="0" cy="0"/>
         </a:xfrm>
       </p:grpSpPr>
-      <p:pic>
-        <p:nvPicPr>
-          <p:cNvPr id="2052" name="Picture 4" descr="MEDI:GATE NEWS : 美 원격의료·원격모니터링 공보험에 편입">
-            <a:extLst>
-              <a:ext uri="{FF2B5EF4-FFF2-40B4-BE49-F238E27FC236}">
-                <a16:creationId xmlns:a16="http://schemas.microsoft.com/office/drawing/2014/main" id="{FB6C3EA3-02F8-419B-A402-9B3D537E8AE7}"/>
-              </a:ext>
-            </a:extLst>
-          </p:cNvPr>
-          <p:cNvPicPr>
-            <a:picLocks noChangeAspect="1" noChangeArrowheads="1"/>
-          </p:cNvPicPr>
-          <p:nvPr/>
-        </p:nvPicPr>
-        <p:blipFill>
-          <a:blip r:embed="rId3">
-            <a:extLst>
-              <a:ext uri="{28A0092B-C50C-407E-A947-70E740481C1C}">
-                <a14:useLocalDpi xmlns:a14="http://schemas.microsoft.com/office/drawing/2010/main" val="0"/>
-              </a:ext>
-            </a:extLst>
-          </a:blip>
-          <a:srcRect/>
-          <a:stretch>
-            <a:fillRect/>
-          </a:stretch>
-        </p:blipFill>
-        <p:spPr bwMode="auto">
-          <a:xfrm>
-            <a:off x="50245" y="5172036"/>
-            <a:ext cx="7798355" cy="5116193"/>
-          </a:xfrm>
-          <a:prstGeom prst="rect">
-            <a:avLst/>
-          </a:prstGeom>
-          <a:noFill/>
-          <a:extLst>
-            <a:ext uri="{909E8E84-426E-40DD-AFC4-6F175D3DCCD1}">
-              <a14:hiddenFill xmlns:a14="http://schemas.microsoft.com/office/drawing/2010/main">
-                <a:solidFill>
-                  <a:srgbClr val="FFFFFF"/>
-                </a:solidFill>
-              </a14:hiddenFill>
-            </a:ext>
-          </a:extLst>
-        </p:spPr>
-      </p:pic>
-      <p:sp>
-        <p:nvSpPr>
-          <p:cNvPr id="2" name="직사각형 1">
-            <a:extLst>
-              <a:ext uri="{FF2B5EF4-FFF2-40B4-BE49-F238E27FC236}">
-                <a16:creationId xmlns:a16="http://schemas.microsoft.com/office/drawing/2014/main" id="{E16D2F88-FA85-4A02-AE7C-371A314A690C}"/>
-              </a:ext>
-            </a:extLst>
-          </p:cNvPr>
-          <p:cNvSpPr/>
-          <p:nvPr/>
-        </p:nvSpPr>
-        <p:spPr>
-          <a:xfrm>
-            <a:off x="0" y="5221782"/>
-            <a:ext cx="7798355" cy="5065218"/>
-          </a:xfrm>
-          <a:prstGeom prst="rect">
-            <a:avLst/>
-          </a:prstGeom>
-          <a:solidFill>
-            <a:schemeClr val="tx1">
-              <a:lumMod val="75000"/>
-              <a:lumOff val="25000"/>
-              <a:alpha val="40000"/>
-            </a:schemeClr>
-          </a:solidFill>
-          <a:ln>
-            <a:noFill/>
-          </a:ln>
-        </p:spPr>
-        <p:style>
-          <a:lnRef idx="2">
-            <a:schemeClr val="accent1">
-              <a:shade val="50000"/>
-            </a:schemeClr>
-          </a:lnRef>
-          <a:fillRef idx="1">
-            <a:schemeClr val="accent1"/>
-          </a:fillRef>
-          <a:effectRef idx="0">
-            <a:schemeClr val="accent1"/>
-          </a:effectRef>
-          <a:fontRef idx="minor">
-            <a:schemeClr val="lt1"/>
-          </a:fontRef>
-        </p:style>
-        <p:txBody>
-          <a:bodyPr rtlCol="0" anchor="ctr"/>
-          <a:lstStyle/>
-          <a:p>
-            <a:pPr algn="ctr"/>
-            <a:endParaRPr lang="ko-KR" altLang="en-US"/>
-          </a:p>
-        </p:txBody>
-      </p:sp>
       <p:grpSp>
         <p:nvGrpSpPr>
           <p:cNvPr id="11" name="그룹 1001"/>
@@ -4819,7 +5113,7 @@
             <p:nvPr/>
           </p:nvPicPr>
           <p:blipFill>
-            <a:blip r:embed="rId4" cstate="print"/>
+            <a:blip r:embed="rId3" cstate="print"/>
             <a:stretch>
               <a:fillRect/>
             </a:stretch>
@@ -4844,7 +5138,7 @@
         <p:spPr>
           <a:xfrm>
             <a:off x="457200" y="622881"/>
-            <a:ext cx="9372600" cy="861774"/>
+            <a:ext cx="10896600" cy="861774"/>
           </a:xfrm>
           <a:prstGeom prst="rect">
             <a:avLst/>
@@ -4858,18 +5152,18 @@
           <a:lstStyle/>
           <a:p>
             <a:r>
-              <a:rPr lang="ko-KR" altLang="en-US" sz="5000" dirty="0">
-                <a:latin typeface="나눔스퀘어" panose="020B0600000101010101" pitchFamily="50" charset="-127"/>
-                <a:ea typeface="나눔스퀘어" panose="020B0600000101010101" pitchFamily="50" charset="-127"/>
-              </a:rPr>
-              <a:t>원격의료의 </a:t>
+              <a:rPr lang="en-US" altLang="ko-KR" sz="5000">
+                <a:latin typeface="나눔스퀘어" panose="020B0600000101010101" pitchFamily="50" charset="-127"/>
+                <a:ea typeface="나눔스퀘어" panose="020B0600000101010101" pitchFamily="50" charset="-127"/>
+              </a:rPr>
+              <a:t>HOW : </a:t>
             </a:r>
             <a:r>
               <a:rPr lang="ko-KR" altLang="en-US" sz="5000">
                 <a:latin typeface="나눔스퀘어" panose="020B0600000101010101" pitchFamily="50" charset="-127"/>
                 <a:ea typeface="나눔스퀘어" panose="020B0600000101010101" pitchFamily="50" charset="-127"/>
               </a:rPr>
-              <a:t>정의 및 디지털 전환 </a:t>
+              <a:t>원격의료의 정의 및 </a:t>
             </a:r>
             <a:endParaRPr lang="ko-KR" altLang="en-US" sz="5000" dirty="0">
               <a:latin typeface="나눔스퀘어" panose="020B0600000101010101" pitchFamily="50" charset="-127"/>
@@ -5030,17 +5324,17 @@
                 <a:latin typeface="나눔스퀘어" panose="020B0600000101010101" pitchFamily="50" charset="-127"/>
                 <a:ea typeface="나눔스퀘어" panose="020B0600000101010101" pitchFamily="50" charset="-127"/>
               </a:rPr>
-              <a:t>기존의 의료 서비스 모델에서의 원격 의료 모델의 전환 가능성이 매우 높아짐</a:t>
-            </a:r>
-            <a:r>
-              <a:rPr lang="en-US" altLang="ko-KR" sz="3000" dirty="0">
+              <a:t>기존의 의료 서비스 모델에서의 원격 의료 모델의 전환 가능성이 </a:t>
+            </a:r>
+            <a:r>
+              <a:rPr lang="ko-KR" altLang="en-US" sz="3000">
                 <a:solidFill>
                   <a:srgbClr val="222222"/>
                 </a:solidFill>
                 <a:latin typeface="나눔스퀘어" panose="020B0600000101010101" pitchFamily="50" charset="-127"/>
                 <a:ea typeface="나눔스퀘어" panose="020B0600000101010101" pitchFamily="50" charset="-127"/>
               </a:rPr>
-              <a:t>.</a:t>
+              <a:t>매우 높아짐</a:t>
             </a:r>
             <a:endParaRPr lang="ko-KR" altLang="en-US" sz="3000" dirty="0">
               <a:latin typeface="나눔스퀘어" panose="020B0600000101010101" pitchFamily="50" charset="-127"/>
@@ -5057,7 +5351,7 @@
         </p:nvSpPr>
         <p:spPr>
           <a:xfrm>
-            <a:off x="7848600" y="8131015"/>
+            <a:off x="1752600" y="5995112"/>
             <a:ext cx="9601200" cy="553998"/>
           </a:xfrm>
           <a:prstGeom prst="rect">
@@ -5071,16 +5365,6 @@
           <a:lstStyle/>
           <a:p>
             <a:r>
-              <a:rPr lang="en-US" altLang="ko-KR" sz="3000" dirty="0">
-                <a:solidFill>
-                  <a:srgbClr val="222222"/>
-                </a:solidFill>
-                <a:latin typeface="나눔스퀘어" panose="020B0600000101010101" pitchFamily="50" charset="-127"/>
-                <a:ea typeface="나눔스퀘어" panose="020B0600000101010101" pitchFamily="50" charset="-127"/>
-              </a:rPr>
-              <a:t>-&gt; </a:t>
-            </a:r>
-            <a:r>
               <a:rPr lang="ko-KR" altLang="en-US" sz="3000">
                 <a:solidFill>
                   <a:srgbClr val="222222"/>
@@ -5088,7 +5372,7 @@
                 <a:latin typeface="나눔스퀘어" panose="020B0600000101010101" pitchFamily="50" charset="-127"/>
                 <a:ea typeface="나눔스퀘어" panose="020B0600000101010101" pitchFamily="50" charset="-127"/>
               </a:rPr>
-              <a:t>의료 서비스 모델의 </a:t>
+              <a:t>단순 진료</a:t>
             </a:r>
             <a:r>
               <a:rPr lang="en-US" altLang="ko-KR" sz="3000">
@@ -5098,7 +5382,7 @@
                 <a:latin typeface="나눔스퀘어" panose="020B0600000101010101" pitchFamily="50" charset="-127"/>
                 <a:ea typeface="나눔스퀘어" panose="020B0600000101010101" pitchFamily="50" charset="-127"/>
               </a:rPr>
-              <a:t>DX(</a:t>
+              <a:t>, </a:t>
             </a:r>
             <a:r>
               <a:rPr lang="ko-KR" altLang="en-US" sz="3000">
@@ -5108,7 +5392,7 @@
                 <a:latin typeface="나눔스퀘어" panose="020B0600000101010101" pitchFamily="50" charset="-127"/>
                 <a:ea typeface="나눔스퀘어" panose="020B0600000101010101" pitchFamily="50" charset="-127"/>
               </a:rPr>
-              <a:t>디지털 전환</a:t>
+              <a:t>건강관리 모니터링</a:t>
             </a:r>
             <a:r>
               <a:rPr lang="en-US" altLang="ko-KR" sz="3000">
@@ -5118,7 +5402,7 @@
                 <a:latin typeface="나눔스퀘어" panose="020B0600000101010101" pitchFamily="50" charset="-127"/>
                 <a:ea typeface="나눔스퀘어" panose="020B0600000101010101" pitchFamily="50" charset="-127"/>
               </a:rPr>
-              <a:t>)</a:t>
+              <a:t>, </a:t>
             </a:r>
             <a:r>
               <a:rPr lang="ko-KR" altLang="en-US" sz="3000">
@@ -5128,27 +5412,7 @@
                 <a:latin typeface="나눔스퀘어" panose="020B0600000101010101" pitchFamily="50" charset="-127"/>
                 <a:ea typeface="나눔스퀘어" panose="020B0600000101010101" pitchFamily="50" charset="-127"/>
               </a:rPr>
-              <a:t>가 </a:t>
-            </a:r>
-            <a:r>
-              <a:rPr lang="ko-KR" altLang="en-US" sz="3000" dirty="0">
-                <a:solidFill>
-                  <a:srgbClr val="222222"/>
-                </a:solidFill>
-                <a:latin typeface="나눔스퀘어" panose="020B0600000101010101" pitchFamily="50" charset="-127"/>
-                <a:ea typeface="나눔스퀘어" panose="020B0600000101010101" pitchFamily="50" charset="-127"/>
-              </a:rPr>
-              <a:t>이루어질 것</a:t>
-            </a:r>
-            <a:r>
-              <a:rPr lang="en-US" altLang="ko-KR" sz="3000" dirty="0">
-                <a:solidFill>
-                  <a:srgbClr val="222222"/>
-                </a:solidFill>
-                <a:latin typeface="나눔스퀘어" panose="020B0600000101010101" pitchFamily="50" charset="-127"/>
-                <a:ea typeface="나눔스퀘어" panose="020B0600000101010101" pitchFamily="50" charset="-127"/>
-              </a:rPr>
-              <a:t>.</a:t>
+              <a:t>원격의료기기 등</a:t>
             </a:r>
             <a:endParaRPr lang="ko-KR" altLang="en-US" sz="3000" dirty="0">
               <a:latin typeface="나눔스퀘어" panose="020B0600000101010101" pitchFamily="50" charset="-127"/>
@@ -5187,6 +5451,100 @@
           <a:chExt cx="0" cy="0"/>
         </a:xfrm>
       </p:grpSpPr>
+      <p:pic>
+        <p:nvPicPr>
+          <p:cNvPr id="1038" name="Picture 14" descr="수학 기호] ∴(therefore, 그러므로) vs. ∵(because, 왜냐하면) : 네이버 블로그">
+            <a:extLst>
+              <a:ext uri="{FF2B5EF4-FFF2-40B4-BE49-F238E27FC236}">
+                <a16:creationId xmlns:a16="http://schemas.microsoft.com/office/drawing/2014/main" id="{B5F9216A-73BB-43AC-98F3-4434ADECE88D}"/>
+              </a:ext>
+            </a:extLst>
+          </p:cNvPr>
+          <p:cNvPicPr>
+            <a:picLocks noChangeAspect="1" noChangeArrowheads="1"/>
+          </p:cNvPicPr>
+          <p:nvPr/>
+        </p:nvPicPr>
+        <p:blipFill>
+          <a:blip r:embed="rId3" cstate="print">
+            <a:extLst>
+              <a:ext uri="{28A0092B-C50C-407E-A947-70E740481C1C}">
+                <a14:useLocalDpi xmlns:a14="http://schemas.microsoft.com/office/drawing/2010/main" val="0"/>
+              </a:ext>
+            </a:extLst>
+          </a:blip>
+          <a:srcRect/>
+          <a:stretch>
+            <a:fillRect/>
+          </a:stretch>
+        </p:blipFill>
+        <p:spPr bwMode="auto">
+          <a:xfrm>
+            <a:off x="914400" y="7692596"/>
+            <a:ext cx="543986" cy="706906"/>
+          </a:xfrm>
+          <a:prstGeom prst="rect">
+            <a:avLst/>
+          </a:prstGeom>
+          <a:noFill/>
+          <a:extLst>
+            <a:ext uri="{909E8E84-426E-40DD-AFC4-6F175D3DCCD1}">
+              <a14:hiddenFill xmlns:a14="http://schemas.microsoft.com/office/drawing/2010/main">
+                <a:solidFill>
+                  <a:srgbClr val="FFFFFF"/>
+                </a:solidFill>
+              </a14:hiddenFill>
+            </a:ext>
+          </a:extLst>
+        </p:spPr>
+      </p:pic>
+      <p:pic>
+        <p:nvPicPr>
+          <p:cNvPr id="1036" name="Picture 12" descr="App Insights: DB생명 헬스케어 숨 | Apptopia">
+            <a:extLst>
+              <a:ext uri="{FF2B5EF4-FFF2-40B4-BE49-F238E27FC236}">
+                <a16:creationId xmlns:a16="http://schemas.microsoft.com/office/drawing/2014/main" id="{FC4EC7AE-D9EC-4F3B-A442-2752961B80C3}"/>
+              </a:ext>
+            </a:extLst>
+          </p:cNvPr>
+          <p:cNvPicPr>
+            <a:picLocks noChangeAspect="1" noChangeArrowheads="1"/>
+          </p:cNvPicPr>
+          <p:nvPr/>
+        </p:nvPicPr>
+        <p:blipFill>
+          <a:blip r:embed="rId4">
+            <a:extLst>
+              <a:ext uri="{28A0092B-C50C-407E-A947-70E740481C1C}">
+                <a14:useLocalDpi xmlns:a14="http://schemas.microsoft.com/office/drawing/2010/main" val="0"/>
+              </a:ext>
+            </a:extLst>
+          </a:blip>
+          <a:srcRect/>
+          <a:stretch>
+            <a:fillRect/>
+          </a:stretch>
+        </p:blipFill>
+        <p:spPr bwMode="auto">
+          <a:xfrm>
+            <a:off x="16001890" y="2277607"/>
+            <a:ext cx="2129340" cy="2129340"/>
+          </a:xfrm>
+          <a:prstGeom prst="rect">
+            <a:avLst/>
+          </a:prstGeom>
+          <a:noFill/>
+          <a:extLst>
+            <a:ext uri="{909E8E84-426E-40DD-AFC4-6F175D3DCCD1}">
+              <a14:hiddenFill xmlns:a14="http://schemas.microsoft.com/office/drawing/2010/main">
+                <a:solidFill>
+                  <a:srgbClr val="FFFFFF"/>
+                </a:solidFill>
+              </a14:hiddenFill>
+            </a:ext>
+          </a:extLst>
+        </p:spPr>
+      </p:pic>
       <p:sp>
         <p:nvSpPr>
           <p:cNvPr id="10" name="TextBox 9"/>
@@ -5195,7 +5553,7 @@
         </p:nvSpPr>
         <p:spPr>
           <a:xfrm>
-            <a:off x="583096" y="3181927"/>
+            <a:off x="1371600" y="2759797"/>
             <a:ext cx="13868400" cy="553998"/>
           </a:xfrm>
           <a:prstGeom prst="rect">
@@ -5221,14 +5579,14 @@
                 <a:latin typeface="나눔스퀘어" panose="020B0600000101010101" pitchFamily="50" charset="-127"/>
                 <a:ea typeface="나눔스퀘어" panose="020B0600000101010101" pitchFamily="50" charset="-127"/>
               </a:rPr>
-              <a:t>는 삼육서울병원 등의 대형 의료기관 솔루션 제공 경험이 있음</a:t>
-            </a:r>
-            <a:r>
-              <a:rPr lang="en-US" altLang="ko-KR" sz="3000" dirty="0">
-                <a:latin typeface="나눔스퀘어" panose="020B0600000101010101" pitchFamily="50" charset="-127"/>
-                <a:ea typeface="나눔스퀘어" panose="020B0600000101010101" pitchFamily="50" charset="-127"/>
-              </a:rPr>
-              <a:t>.</a:t>
+              <a:t>는 삼육서울병원 등의 대형 의료기관 솔루션 </a:t>
+            </a:r>
+            <a:r>
+              <a:rPr lang="ko-KR" altLang="en-US" sz="3000">
+                <a:latin typeface="나눔스퀘어" panose="020B0600000101010101" pitchFamily="50" charset="-127"/>
+                <a:ea typeface="나눔스퀘어" panose="020B0600000101010101" pitchFamily="50" charset="-127"/>
+              </a:rPr>
+              <a:t>제공 경험 有</a:t>
             </a:r>
             <a:endParaRPr lang="ko-KR" altLang="en-US" sz="3000" dirty="0">
               <a:latin typeface="나눔스퀘어" panose="020B0600000101010101" pitchFamily="50" charset="-127"/>
@@ -5260,7 +5618,7 @@
             <p:nvPr/>
           </p:nvPicPr>
           <p:blipFill>
-            <a:blip r:embed="rId2" cstate="print"/>
+            <a:blip r:embed="rId5" cstate="print"/>
             <a:stretch>
               <a:fillRect/>
             </a:stretch>
@@ -5303,29 +5661,26 @@
                 <a:latin typeface="나눔스퀘어" panose="020B0600000101010101" pitchFamily="50" charset="-127"/>
                 <a:ea typeface="나눔스퀘어" panose="020B0600000101010101" pitchFamily="50" charset="-127"/>
               </a:rPr>
-              <a:t>신사업의 전망과 </a:t>
+              <a:t>기대효과 </a:t>
             </a:r>
             <a:r>
               <a:rPr lang="en-US" altLang="ko-KR" sz="5000">
                 <a:latin typeface="나눔스퀘어" panose="020B0600000101010101" pitchFamily="50" charset="-127"/>
                 <a:ea typeface="나눔스퀘어" panose="020B0600000101010101" pitchFamily="50" charset="-127"/>
               </a:rPr>
-              <a:t>NDS</a:t>
+              <a:t>: NDS</a:t>
             </a:r>
             <a:r>
               <a:rPr lang="ko-KR" altLang="en-US" sz="5000">
                 <a:latin typeface="나눔스퀘어" panose="020B0600000101010101" pitchFamily="50" charset="-127"/>
                 <a:ea typeface="나눔스퀘어" panose="020B0600000101010101" pitchFamily="50" charset="-127"/>
               </a:rPr>
-              <a:t>의 </a:t>
-            </a:r>
-            <a:r>
-              <a:rPr lang="ko-KR" altLang="en-US" sz="5000" dirty="0">
-                <a:latin typeface="나눔스퀘어" panose="020B0600000101010101" pitchFamily="50" charset="-127"/>
-                <a:ea typeface="나눔스퀘어" panose="020B0600000101010101" pitchFamily="50" charset="-127"/>
-              </a:rPr>
-              <a:t>역량</a:t>
-            </a:r>
+              <a:t>의 역량 및 신사업의 전망</a:t>
+            </a:r>
+            <a:endParaRPr lang="ko-KR" altLang="en-US" sz="5000" dirty="0">
+              <a:latin typeface="나눔스퀘어" panose="020B0600000101010101" pitchFamily="50" charset="-127"/>
+              <a:ea typeface="나눔스퀘어" panose="020B0600000101010101" pitchFamily="50" charset="-127"/>
+            </a:endParaRPr>
           </a:p>
         </p:txBody>
       </p:sp>
@@ -5337,7 +5692,7 @@
         </p:nvSpPr>
         <p:spPr>
           <a:xfrm>
-            <a:off x="616226" y="5335974"/>
+            <a:off x="1450878" y="6819900"/>
             <a:ext cx="13484322" cy="553998"/>
           </a:xfrm>
           <a:prstGeom prst="rect">
@@ -5404,8 +5759,8 @@
         </p:nvSpPr>
         <p:spPr>
           <a:xfrm>
-            <a:off x="583096" y="7058747"/>
-            <a:ext cx="13517452" cy="553998"/>
+            <a:off x="1447800" y="7785200"/>
+            <a:ext cx="9372600" cy="553998"/>
           </a:xfrm>
           <a:prstGeom prst="rect">
             <a:avLst/>
@@ -5419,6 +5774,13 @@
           <a:lstStyle/>
           <a:p>
             <a:r>
+              <a:rPr lang="en-US" altLang="ko-KR" sz="3000">
+                <a:latin typeface="나눔스퀘어" panose="020B0600000101010101" pitchFamily="50" charset="-127"/>
+                <a:ea typeface="나눔스퀘어" panose="020B0600000101010101" pitchFamily="50" charset="-127"/>
+              </a:rPr>
+              <a:t>But </a:t>
+            </a:r>
+            <a:r>
               <a:rPr lang="ko-KR" altLang="en-US" sz="3000">
                 <a:latin typeface="나눔스퀘어" panose="020B0600000101010101" pitchFamily="50" charset="-127"/>
                 <a:ea typeface="나눔스퀘어" panose="020B0600000101010101" pitchFamily="50" charset="-127"/>
@@ -5464,59 +5826,6 @@
               <a:latin typeface="나눔스퀘어" panose="020B0600000101010101" pitchFamily="50" charset="-127"/>
               <a:ea typeface="나눔스퀘어" panose="020B0600000101010101" pitchFamily="50" charset="-127"/>
             </a:endParaRPr>
-          </a:p>
-        </p:txBody>
-      </p:sp>
-      <p:sp>
-        <p:nvSpPr>
-          <p:cNvPr id="9" name="TextBox 8"/>
-          <p:cNvSpPr txBox="1"/>
-          <p:nvPr/>
-        </p:nvSpPr>
-        <p:spPr>
-          <a:xfrm>
-            <a:off x="1878496" y="3711077"/>
-            <a:ext cx="13868400" cy="553998"/>
-          </a:xfrm>
-          <a:prstGeom prst="rect">
-            <a:avLst/>
-          </a:prstGeom>
-          <a:noFill/>
-        </p:spPr>
-        <p:txBody>
-          <a:bodyPr wrap="square" rtlCol="0">
-            <a:spAutoFit/>
-          </a:bodyPr>
-          <a:lstStyle/>
-          <a:p>
-            <a:r>
-              <a:rPr lang="en-US" altLang="ko-KR" sz="3000" dirty="0">
-                <a:latin typeface="나눔스퀘어" panose="020B0600000101010101" pitchFamily="50" charset="-127"/>
-                <a:ea typeface="나눔스퀘어" panose="020B0600000101010101" pitchFamily="50" charset="-127"/>
-              </a:rPr>
-              <a:t>+ </a:t>
-            </a:r>
-            <a:r>
-              <a:rPr lang="ko-KR" altLang="en-US" sz="3000" dirty="0">
-                <a:latin typeface="나눔스퀘어" panose="020B0600000101010101" pitchFamily="50" charset="-127"/>
-                <a:ea typeface="나눔스퀘어" panose="020B0600000101010101" pitchFamily="50" charset="-127"/>
-              </a:rPr>
-              <a:t>라이프 </a:t>
-            </a:r>
-            <a:r>
-              <a:rPr lang="ko-KR" altLang="en-US" sz="3000" dirty="0" err="1">
-                <a:latin typeface="나눔스퀘어" panose="020B0600000101010101" pitchFamily="50" charset="-127"/>
-                <a:ea typeface="나눔스퀘어" panose="020B0600000101010101" pitchFamily="50" charset="-127"/>
-              </a:rPr>
-              <a:t>월릿과</a:t>
-            </a:r>
-            <a:r>
-              <a:rPr lang="ko-KR" altLang="en-US" sz="3000" dirty="0">
-                <a:latin typeface="나눔스퀘어" panose="020B0600000101010101" pitchFamily="50" charset="-127"/>
-                <a:ea typeface="나눔스퀘어" panose="020B0600000101010101" pitchFamily="50" charset="-127"/>
-              </a:rPr>
-              <a:t> 같은 통합의료정보체계 구축 경험 有  </a:t>
-            </a:r>
           </a:p>
         </p:txBody>
       </p:sp>
@@ -5534,8 +5843,8 @@
         </p:nvSpPr>
         <p:spPr>
           <a:xfrm>
-            <a:off x="2286000" y="8324385"/>
-            <a:ext cx="12167419" cy="553998"/>
+            <a:off x="4508090" y="8399502"/>
+            <a:ext cx="12713110" cy="553998"/>
           </a:xfrm>
           <a:prstGeom prst="rect">
             <a:avLst/>
@@ -5553,19 +5862,487 @@
                 <a:latin typeface="나눔스퀘어" panose="020B0600000101010101" pitchFamily="50" charset="-127"/>
                 <a:ea typeface="나눔스퀘어" panose="020B0600000101010101" pitchFamily="50" charset="-127"/>
               </a:rPr>
-              <a:t>원격 의료 서비스에 대한 준비를 통해 다른 경쟁기업 보다 앞서나갈 수 있을 것</a:t>
-            </a:r>
+              <a:t>원격 의료 서비스에 대한 준비를 통해 새로운 사업에서 </a:t>
+            </a:r>
+            <a:r>
+              <a:rPr lang="ko-KR" altLang="en-US" sz="3000">
+                <a:solidFill>
+                  <a:srgbClr val="FF0000"/>
+                </a:solidFill>
+                <a:latin typeface="나눔스퀘어" panose="020B0600000101010101" pitchFamily="50" charset="-127"/>
+                <a:ea typeface="나눔스퀘어" panose="020B0600000101010101" pitchFamily="50" charset="-127"/>
+              </a:rPr>
+              <a:t>경쟁력을 갖출 수 있을 것</a:t>
+            </a:r>
+            <a:endParaRPr lang="ko-KR" altLang="en-US" sz="3000">
+              <a:solidFill>
+                <a:srgbClr val="FF0000"/>
+              </a:solidFill>
+            </a:endParaRPr>
+          </a:p>
+        </p:txBody>
+      </p:sp>
+      <p:grpSp>
+        <p:nvGrpSpPr>
+          <p:cNvPr id="6" name="그룹 5">
+            <a:extLst>
+              <a:ext uri="{FF2B5EF4-FFF2-40B4-BE49-F238E27FC236}">
+                <a16:creationId xmlns:a16="http://schemas.microsoft.com/office/drawing/2014/main" id="{EED1D4ED-F72C-403C-A5E2-1EC39D7D8ED7}"/>
+              </a:ext>
+            </a:extLst>
+          </p:cNvPr>
+          <p:cNvGrpSpPr/>
+          <p:nvPr/>
+        </p:nvGrpSpPr>
+        <p:grpSpPr>
+          <a:xfrm>
+            <a:off x="1524000" y="3619500"/>
+            <a:ext cx="13308496" cy="1305243"/>
+            <a:chOff x="2286000" y="3745226"/>
+            <a:chExt cx="13308496" cy="1305243"/>
+          </a:xfrm>
+        </p:grpSpPr>
+        <p:pic>
+          <p:nvPicPr>
+            <p:cNvPr id="1026" name="Picture 2" descr="삼육서울병원 일요일 정상진료 – 삼육서울병원은 따뜻한 미소, 따뜻한 손길, 따뜻한 친절이 있습니다">
+              <a:extLst>
+                <a:ext uri="{FF2B5EF4-FFF2-40B4-BE49-F238E27FC236}">
+                  <a16:creationId xmlns:a16="http://schemas.microsoft.com/office/drawing/2014/main" id="{638D5153-D8B1-4458-A1F0-64A93801582B}"/>
+                </a:ext>
+              </a:extLst>
+            </p:cNvPr>
+            <p:cNvPicPr>
+              <a:picLocks noChangeAspect="1" noChangeArrowheads="1"/>
+            </p:cNvPicPr>
+            <p:nvPr/>
+          </p:nvPicPr>
+          <p:blipFill>
+            <a:blip r:embed="rId6">
+              <a:extLst>
+                <a:ext uri="{28A0092B-C50C-407E-A947-70E740481C1C}">
+                  <a14:useLocalDpi xmlns:a14="http://schemas.microsoft.com/office/drawing/2010/main" val="0"/>
+                </a:ext>
+              </a:extLst>
+            </a:blip>
+            <a:srcRect/>
+            <a:stretch>
+              <a:fillRect/>
+            </a:stretch>
+          </p:blipFill>
+          <p:spPr bwMode="auto">
+            <a:xfrm>
+              <a:off x="2540994" y="3771253"/>
+              <a:ext cx="3233427" cy="1224783"/>
+            </a:xfrm>
+            <a:prstGeom prst="rect">
+              <a:avLst/>
+            </a:prstGeom>
+            <a:noFill/>
+            <a:extLst>
+              <a:ext uri="{909E8E84-426E-40DD-AFC4-6F175D3DCCD1}">
+                <a14:hiddenFill xmlns:a14="http://schemas.microsoft.com/office/drawing/2010/main">
+                  <a:solidFill>
+                    <a:srgbClr val="FFFFFF"/>
+                  </a:solidFill>
+                </a14:hiddenFill>
+              </a:ext>
+            </a:extLst>
+          </p:spPr>
+        </p:pic>
+        <p:pic>
+          <p:nvPicPr>
+            <p:cNvPr id="1028" name="Picture 4" descr="연세대학교 원주연세의료원 채용">
+              <a:extLst>
+                <a:ext uri="{FF2B5EF4-FFF2-40B4-BE49-F238E27FC236}">
+                  <a16:creationId xmlns:a16="http://schemas.microsoft.com/office/drawing/2014/main" id="{0A78AABD-7861-46BD-A3F0-832C6F8FC857}"/>
+                </a:ext>
+              </a:extLst>
+            </p:cNvPr>
+            <p:cNvPicPr>
+              <a:picLocks noChangeAspect="1" noChangeArrowheads="1"/>
+            </p:cNvPicPr>
+            <p:nvPr/>
+          </p:nvPicPr>
+          <p:blipFill>
+            <a:blip r:embed="rId7" cstate="print">
+              <a:extLst>
+                <a:ext uri="{28A0092B-C50C-407E-A947-70E740481C1C}">
+                  <a14:useLocalDpi xmlns:a14="http://schemas.microsoft.com/office/drawing/2010/main" val="0"/>
+                </a:ext>
+              </a:extLst>
+            </a:blip>
+            <a:srcRect/>
+            <a:stretch>
+              <a:fillRect/>
+            </a:stretch>
+          </p:blipFill>
+          <p:spPr bwMode="auto">
+            <a:xfrm>
+              <a:off x="11582400" y="3745226"/>
+              <a:ext cx="3846073" cy="1282024"/>
+            </a:xfrm>
+            <a:prstGeom prst="rect">
+              <a:avLst/>
+            </a:prstGeom>
+            <a:noFill/>
+            <a:extLst>
+              <a:ext uri="{909E8E84-426E-40DD-AFC4-6F175D3DCCD1}">
+                <a14:hiddenFill xmlns:a14="http://schemas.microsoft.com/office/drawing/2010/main">
+                  <a:solidFill>
+                    <a:srgbClr val="FFFFFF"/>
+                  </a:solidFill>
+                </a14:hiddenFill>
+              </a:ext>
+            </a:extLst>
+          </p:spPr>
+        </p:pic>
+        <p:pic>
+          <p:nvPicPr>
+            <p:cNvPr id="1030" name="Picture 6" descr="심볼&amp;amp;로고 | 병원소개 | 병원소개 | 포항성모병원">
+              <a:extLst>
+                <a:ext uri="{FF2B5EF4-FFF2-40B4-BE49-F238E27FC236}">
+                  <a16:creationId xmlns:a16="http://schemas.microsoft.com/office/drawing/2014/main" id="{97E3F651-53D3-4F46-981E-4A95DBAD2876}"/>
+                </a:ext>
+              </a:extLst>
+            </p:cNvPr>
+            <p:cNvPicPr>
+              <a:picLocks noChangeAspect="1" noChangeArrowheads="1"/>
+            </p:cNvPicPr>
+            <p:nvPr/>
+          </p:nvPicPr>
+          <p:blipFill rotWithShape="1">
+            <a:blip r:embed="rId8">
+              <a:extLst>
+                <a:ext uri="{28A0092B-C50C-407E-A947-70E740481C1C}">
+                  <a14:useLocalDpi xmlns:a14="http://schemas.microsoft.com/office/drawing/2010/main" val="0"/>
+                </a:ext>
+              </a:extLst>
+            </a:blip>
+            <a:srcRect b="62798"/>
+            <a:stretch/>
+          </p:blipFill>
+          <p:spPr bwMode="auto">
+            <a:xfrm>
+              <a:off x="5960648" y="3815585"/>
+              <a:ext cx="3030952" cy="1009779"/>
+            </a:xfrm>
+            <a:prstGeom prst="rect">
+              <a:avLst/>
+            </a:prstGeom>
+            <a:noFill/>
+            <a:extLst>
+              <a:ext uri="{909E8E84-426E-40DD-AFC4-6F175D3DCCD1}">
+                <a14:hiddenFill xmlns:a14="http://schemas.microsoft.com/office/drawing/2010/main">
+                  <a:solidFill>
+                    <a:srgbClr val="FFFFFF"/>
+                  </a:solidFill>
+                </a14:hiddenFill>
+              </a:ext>
+            </a:extLst>
+          </p:spPr>
+        </p:pic>
+        <p:pic>
+          <p:nvPicPr>
+            <p:cNvPr id="3" name="그림 2">
+              <a:extLst>
+                <a:ext uri="{FF2B5EF4-FFF2-40B4-BE49-F238E27FC236}">
+                  <a16:creationId xmlns:a16="http://schemas.microsoft.com/office/drawing/2014/main" id="{FE5C0919-8C4A-4759-A28E-5E5A2CF3784A}"/>
+                </a:ext>
+              </a:extLst>
+            </p:cNvPr>
+            <p:cNvPicPr>
+              <a:picLocks noChangeAspect="1"/>
+            </p:cNvPicPr>
+            <p:nvPr/>
+          </p:nvPicPr>
+          <p:blipFill rotWithShape="1">
+            <a:blip r:embed="rId9"/>
+            <a:srcRect r="6143"/>
+            <a:stretch/>
+          </p:blipFill>
+          <p:spPr>
+            <a:xfrm>
+              <a:off x="9177827" y="3891785"/>
+              <a:ext cx="2328373" cy="1158684"/>
+            </a:xfrm>
+            <a:prstGeom prst="rect">
+              <a:avLst/>
+            </a:prstGeom>
+          </p:spPr>
+        </p:pic>
+        <p:sp>
+          <p:nvSpPr>
+            <p:cNvPr id="4" name="사각형: 둥근 모서리 3">
+              <a:extLst>
+                <a:ext uri="{FF2B5EF4-FFF2-40B4-BE49-F238E27FC236}">
+                  <a16:creationId xmlns:a16="http://schemas.microsoft.com/office/drawing/2014/main" id="{2D87ACE4-4349-48AA-9C6B-3AF9C4D006C9}"/>
+                </a:ext>
+              </a:extLst>
+            </p:cNvPr>
+            <p:cNvSpPr/>
+            <p:nvPr/>
+          </p:nvSpPr>
+          <p:spPr>
+            <a:xfrm>
+              <a:off x="2286000" y="3745226"/>
+              <a:ext cx="13308496" cy="1224783"/>
+            </a:xfrm>
+            <a:prstGeom prst="roundRect">
+              <a:avLst/>
+            </a:prstGeom>
+            <a:noFill/>
+            <a:ln>
+              <a:solidFill>
+                <a:schemeClr val="tx1">
+                  <a:lumMod val="65000"/>
+                  <a:lumOff val="35000"/>
+                </a:schemeClr>
+              </a:solidFill>
+            </a:ln>
+          </p:spPr>
+          <p:style>
+            <a:lnRef idx="2">
+              <a:schemeClr val="accent1">
+                <a:shade val="50000"/>
+              </a:schemeClr>
+            </a:lnRef>
+            <a:fillRef idx="1">
+              <a:schemeClr val="accent1"/>
+            </a:fillRef>
+            <a:effectRef idx="0">
+              <a:schemeClr val="accent1"/>
+            </a:effectRef>
+            <a:fontRef idx="minor">
+              <a:schemeClr val="lt1"/>
+            </a:fontRef>
+          </p:style>
+          <p:txBody>
+            <a:bodyPr rtlCol="0" anchor="ctr"/>
+            <a:lstStyle/>
+            <a:p>
+              <a:pPr algn="ctr"/>
+              <a:endParaRPr lang="ko-KR" altLang="en-US"/>
+            </a:p>
+          </p:txBody>
+        </p:sp>
+      </p:grpSp>
+      <p:cxnSp>
+        <p:nvCxnSpPr>
+          <p:cNvPr id="15" name="직선 연결선 14">
+            <a:extLst>
+              <a:ext uri="{FF2B5EF4-FFF2-40B4-BE49-F238E27FC236}">
+                <a16:creationId xmlns:a16="http://schemas.microsoft.com/office/drawing/2014/main" id="{0E06353C-FAA6-4665-9500-F36E3A6524E2}"/>
+              </a:ext>
+            </a:extLst>
+          </p:cNvPr>
+          <p:cNvCxnSpPr>
+            <a:cxnSpLocks/>
+          </p:cNvCxnSpPr>
+          <p:nvPr/>
+        </p:nvCxnSpPr>
+        <p:spPr>
+          <a:xfrm flipV="1">
+            <a:off x="810" y="6175429"/>
+            <a:ext cx="18286380" cy="34871"/>
+          </a:xfrm>
+          <a:prstGeom prst="line">
+            <a:avLst/>
+          </a:prstGeom>
+          <a:ln>
+            <a:solidFill>
+              <a:schemeClr val="bg1">
+                <a:lumMod val="50000"/>
+              </a:schemeClr>
+            </a:solidFill>
+            <a:prstDash val="dash"/>
+          </a:ln>
+        </p:spPr>
+        <p:style>
+          <a:lnRef idx="1">
+            <a:schemeClr val="accent1"/>
+          </a:lnRef>
+          <a:fillRef idx="0">
+            <a:schemeClr val="accent1"/>
+          </a:fillRef>
+          <a:effectRef idx="0">
+            <a:schemeClr val="accent1"/>
+          </a:effectRef>
+          <a:fontRef idx="minor">
+            <a:schemeClr val="tx1"/>
+          </a:fontRef>
+        </p:style>
+      </p:cxnSp>
+      <p:sp>
+        <p:nvSpPr>
+          <p:cNvPr id="24" name="TextBox 23">
+            <a:extLst>
+              <a:ext uri="{FF2B5EF4-FFF2-40B4-BE49-F238E27FC236}">
+                <a16:creationId xmlns:a16="http://schemas.microsoft.com/office/drawing/2014/main" id="{997289A3-6578-498F-ACC4-172244D2E403}"/>
+              </a:ext>
+            </a:extLst>
+          </p:cNvPr>
+          <p:cNvSpPr txBox="1"/>
+          <p:nvPr/>
+        </p:nvSpPr>
+        <p:spPr>
+          <a:xfrm>
+            <a:off x="3543300" y="5219700"/>
+            <a:ext cx="12153900" cy="553998"/>
+          </a:xfrm>
+          <a:prstGeom prst="rect">
+            <a:avLst/>
+          </a:prstGeom>
+          <a:noFill/>
+        </p:spPr>
+        <p:txBody>
+          <a:bodyPr wrap="square" rtlCol="0">
+            <a:spAutoFit/>
+          </a:bodyPr>
+          <a:lstStyle/>
+          <a:p>
             <a:r>
               <a:rPr lang="en-US" altLang="ko-KR" sz="3000">
                 <a:latin typeface="나눔스퀘어" panose="020B0600000101010101" pitchFamily="50" charset="-127"/>
                 <a:ea typeface="나눔스퀘어" panose="020B0600000101010101" pitchFamily="50" charset="-127"/>
               </a:rPr>
-              <a:t>.</a:t>
-            </a:r>
-            <a:endParaRPr lang="ko-KR" altLang="en-US" sz="3000"/>
-          </a:p>
-        </p:txBody>
-      </p:sp>
+              <a:t>NDS</a:t>
+            </a:r>
+            <a:r>
+              <a:rPr lang="ko-KR" altLang="en-US" sz="3000">
+                <a:latin typeface="나눔스퀘어" panose="020B0600000101010101" pitchFamily="50" charset="-127"/>
+                <a:ea typeface="나눔스퀘어" panose="020B0600000101010101" pitchFamily="50" charset="-127"/>
+              </a:rPr>
+              <a:t>의 경험을 활용</a:t>
+            </a:r>
+            <a:r>
+              <a:rPr lang="en-US" altLang="ko-KR" sz="3000">
+                <a:latin typeface="나눔스퀘어" panose="020B0600000101010101" pitchFamily="50" charset="-127"/>
+                <a:ea typeface="나눔스퀘어" panose="020B0600000101010101" pitchFamily="50" charset="-127"/>
+              </a:rPr>
+              <a:t>,</a:t>
+            </a:r>
+            <a:r>
+              <a:rPr lang="ko-KR" altLang="en-US" sz="3000">
+                <a:latin typeface="나눔스퀘어" panose="020B0600000101010101" pitchFamily="50" charset="-127"/>
+                <a:ea typeface="나눔스퀘어" panose="020B0600000101010101" pitchFamily="50" charset="-127"/>
+              </a:rPr>
+              <a:t> 원격 의료 서비스에 </a:t>
+            </a:r>
+            <a:r>
+              <a:rPr lang="en-US" altLang="ko-KR" sz="3000">
+                <a:latin typeface="나눔스퀘어" panose="020B0600000101010101" pitchFamily="50" charset="-127"/>
+                <a:ea typeface="나눔스퀘어" panose="020B0600000101010101" pitchFamily="50" charset="-127"/>
+              </a:rPr>
+              <a:t>NDS</a:t>
+            </a:r>
+            <a:r>
+              <a:rPr lang="ko-KR" altLang="en-US" sz="3000">
+                <a:latin typeface="나눔스퀘어" panose="020B0600000101010101" pitchFamily="50" charset="-127"/>
+                <a:ea typeface="나눔스퀘어" panose="020B0600000101010101" pitchFamily="50" charset="-127"/>
+              </a:rPr>
+              <a:t>의 </a:t>
+            </a:r>
+            <a:r>
+              <a:rPr lang="en-US" altLang="ko-KR" sz="3000">
+                <a:latin typeface="나눔스퀘어" panose="020B0600000101010101" pitchFamily="50" charset="-127"/>
+                <a:ea typeface="나눔스퀘어" panose="020B0600000101010101" pitchFamily="50" charset="-127"/>
+              </a:rPr>
+              <a:t>IT</a:t>
+            </a:r>
+            <a:r>
+              <a:rPr lang="ko-KR" altLang="en-US" sz="3000">
+                <a:latin typeface="나눔스퀘어" panose="020B0600000101010101" pitchFamily="50" charset="-127"/>
+                <a:ea typeface="나눔스퀘어" panose="020B0600000101010101" pitchFamily="50" charset="-127"/>
+              </a:rPr>
+              <a:t>서비스를 </a:t>
+            </a:r>
+            <a:r>
+              <a:rPr lang="ko-KR" altLang="en-US" sz="3000">
+                <a:solidFill>
+                  <a:srgbClr val="FF0000"/>
+                </a:solidFill>
+                <a:latin typeface="나눔스퀘어" panose="020B0600000101010101" pitchFamily="50" charset="-127"/>
+                <a:ea typeface="나눔스퀘어" panose="020B0600000101010101" pitchFamily="50" charset="-127"/>
+              </a:rPr>
+              <a:t>적용 가능</a:t>
+            </a:r>
+            <a:endParaRPr lang="ko-KR" altLang="en-US" sz="3000" dirty="0">
+              <a:solidFill>
+                <a:srgbClr val="FF0000"/>
+              </a:solidFill>
+              <a:latin typeface="나눔스퀘어" panose="020B0600000101010101" pitchFamily="50" charset="-127"/>
+              <a:ea typeface="나눔스퀘어" panose="020B0600000101010101" pitchFamily="50" charset="-127"/>
+            </a:endParaRPr>
+          </a:p>
+        </p:txBody>
+      </p:sp>
+      <p:pic>
+        <p:nvPicPr>
+          <p:cNvPr id="27" name="Picture 2" descr="화살표 빨간화살표">
+            <a:extLst>
+              <a:ext uri="{FF2B5EF4-FFF2-40B4-BE49-F238E27FC236}">
+                <a16:creationId xmlns:a16="http://schemas.microsoft.com/office/drawing/2014/main" id="{080DD6A7-F530-4695-B42E-3B149BF789C2}"/>
+              </a:ext>
+            </a:extLst>
+          </p:cNvPr>
+          <p:cNvPicPr>
+            <a:picLocks noChangeAspect="1" noChangeArrowheads="1"/>
+          </p:cNvPicPr>
+          <p:nvPr/>
+        </p:nvPicPr>
+        <p:blipFill>
+          <a:blip r:embed="rId10">
+            <a:extLst>
+              <a:ext uri="{BEBA8EAE-BF5A-486C-A8C5-ECC9F3942E4B}">
+                <a14:imgProps xmlns:a14="http://schemas.microsoft.com/office/drawing/2010/main">
+                  <a14:imgLayer r:embed="rId11">
+                    <a14:imgEffect>
+                      <a14:backgroundRemoval t="9794" b="90206" l="8880" r="89961">
+                        <a14:foregroundMark x1="90347" y1="14948" x2="90347" y2="14948"/>
+                        <a14:foregroundMark x1="90347" y1="14948" x2="90347" y2="14948"/>
+                        <a14:foregroundMark x1="11197" y1="86082" x2="11197" y2="86082"/>
+                        <a14:foregroundMark x1="11197" y1="86082" x2="8880" y2="90206"/>
+                      </a14:backgroundRemoval>
+                    </a14:imgEffect>
+                  </a14:imgLayer>
+                </a14:imgProps>
+              </a:ext>
+              <a:ext uri="{28A0092B-C50C-407E-A947-70E740481C1C}">
+                <a14:useLocalDpi xmlns:a14="http://schemas.microsoft.com/office/drawing/2010/main" val="0"/>
+              </a:ext>
+            </a:extLst>
+          </a:blip>
+          <a:srcRect/>
+          <a:stretch>
+            <a:fillRect/>
+          </a:stretch>
+        </p:blipFill>
+        <p:spPr bwMode="auto">
+          <a:xfrm rot="9324812">
+            <a:off x="1922777" y="4788535"/>
+            <a:ext cx="1540186" cy="1153653"/>
+          </a:xfrm>
+          <a:prstGeom prst="rect">
+            <a:avLst/>
+          </a:prstGeom>
+          <a:noFill/>
+          <a:scene3d>
+            <a:camera prst="orthographicFront">
+              <a:rot lat="0" lon="10800000" rev="0"/>
+            </a:camera>
+            <a:lightRig rig="threePt" dir="t"/>
+          </a:scene3d>
+          <a:extLst>
+            <a:ext uri="{909E8E84-426E-40DD-AFC4-6F175D3DCCD1}">
+              <a14:hiddenFill xmlns:a14="http://schemas.microsoft.com/office/drawing/2010/main">
+                <a:solidFill>
+                  <a:srgbClr val="FFFFFF"/>
+                </a:solidFill>
+              </a14:hiddenFill>
+            </a:ext>
+          </a:extLst>
+        </p:spPr>
+      </p:pic>
     </p:spTree>
     <p:extLst>
       <p:ext uri="{BB962C8B-B14F-4D97-AF65-F5344CB8AC3E}">

--- a/공채관련_자료/농심 NDS/NDS 임원 면접 초안2.pptx
+++ b/공채관련_자료/농심 NDS/NDS 임원 면접 초안2.pptx
@@ -694,72 +694,190 @@
           <a:lstStyle/>
           <a:p>
             <a:r>
-              <a:rPr lang="ko-KR" altLang="en-US"/>
+              <a:rPr lang="ko-KR" altLang="en-US" dirty="0"/>
               <a:t>원격 의료의 종류</a:t>
             </a:r>
             <a:r>
-              <a:rPr lang="en-US" altLang="ko-KR"/>
+              <a:rPr lang="en-US" altLang="ko-KR" dirty="0"/>
               <a:t>. </a:t>
             </a:r>
             <a:r>
-              <a:rPr lang="ko-KR" altLang="en-US"/>
+              <a:rPr lang="ko-KR" altLang="en-US" dirty="0"/>
               <a:t>단순 진료</a:t>
             </a:r>
             <a:r>
-              <a:rPr lang="en-US" altLang="ko-KR"/>
+              <a:rPr lang="en-US" altLang="ko-KR" dirty="0"/>
               <a:t>, </a:t>
             </a:r>
             <a:r>
-              <a:rPr lang="ko-KR" altLang="en-US"/>
+              <a:rPr lang="ko-KR" altLang="en-US" dirty="0"/>
               <a:t>건강관리 모니터링</a:t>
             </a:r>
             <a:r>
-              <a:rPr lang="en-US" altLang="ko-KR"/>
-              <a:t>(IoT</a:t>
-            </a:r>
-            <a:r>
-              <a:rPr lang="ko-KR" altLang="en-US"/>
-              <a:t>센서 활용하여 심질환 환자 모니터링</a:t>
-            </a:r>
-            <a:r>
-              <a:rPr lang="en-US" altLang="ko-KR"/>
+              <a:rPr lang="en-US" altLang="ko-KR" dirty="0"/>
+              <a:t>(</a:t>
+            </a:r>
+            <a:r>
+              <a:rPr lang="en-US" altLang="ko-KR" dirty="0" err="1"/>
+              <a:t>IoT</a:t>
+            </a:r>
+            <a:r>
+              <a:rPr lang="ko-KR" altLang="en-US" dirty="0"/>
+              <a:t>센서 활용하여 </a:t>
+            </a:r>
+            <a:r>
+              <a:rPr lang="ko-KR" altLang="en-US" dirty="0" err="1"/>
+              <a:t>심질환</a:t>
+            </a:r>
+            <a:r>
+              <a:rPr lang="ko-KR" altLang="en-US" dirty="0"/>
+              <a:t> 환자 모니터링</a:t>
+            </a:r>
+            <a:r>
+              <a:rPr lang="en-US" altLang="ko-KR" dirty="0"/>
               <a:t>), </a:t>
             </a:r>
             <a:r>
-              <a:rPr lang="ko-KR" altLang="en-US"/>
+              <a:rPr lang="ko-KR" altLang="en-US" dirty="0"/>
               <a:t>원격의료기기 등</a:t>
             </a:r>
-            <a:endParaRPr lang="en-US" altLang="ko-KR"/>
-          </a:p>
-          <a:p>
-            <a:r>
-              <a:rPr lang="ko-KR" altLang="en-US"/>
-              <a:t>단순진료 </a:t>
-            </a:r>
-            <a:r>
-              <a:rPr lang="en-US" altLang="ko-KR"/>
+            <a:endParaRPr lang="en-US" altLang="ko-KR" dirty="0"/>
+          </a:p>
+          <a:p>
+            <a:r>
+              <a:rPr lang="ko-KR" altLang="en-US" dirty="0" err="1"/>
+              <a:t>단순진료</a:t>
+            </a:r>
+            <a:r>
+              <a:rPr lang="ko-KR" altLang="en-US" dirty="0"/>
+              <a:t> </a:t>
+            </a:r>
+            <a:r>
+              <a:rPr lang="en-US" altLang="ko-KR" dirty="0"/>
               <a:t>: </a:t>
             </a:r>
             <a:r>
-              <a:rPr lang="ko-KR" altLang="en-US"/>
+              <a:rPr lang="ko-KR" altLang="en-US" dirty="0"/>
               <a:t>전화</a:t>
             </a:r>
             <a:r>
-              <a:rPr lang="en-US" altLang="ko-KR"/>
+              <a:rPr lang="en-US" altLang="ko-KR" dirty="0"/>
               <a:t>, </a:t>
             </a:r>
             <a:r>
-              <a:rPr lang="ko-KR" altLang="en-US"/>
+              <a:rPr lang="ko-KR" altLang="en-US" dirty="0"/>
               <a:t>문자</a:t>
             </a:r>
             <a:r>
-              <a:rPr lang="en-US" altLang="ko-KR"/>
+              <a:rPr lang="en-US" altLang="ko-KR" dirty="0"/>
               <a:t>, </a:t>
             </a:r>
             <a:r>
-              <a:rPr lang="ko-KR" altLang="en-US"/>
-              <a:t>영상통화 등</a:t>
-            </a:r>
+              <a:rPr lang="ko-KR" altLang="en-US" dirty="0"/>
+              <a:t>영상통화 </a:t>
+            </a:r>
+            <a:r>
+              <a:rPr lang="ko-KR" altLang="en-US" dirty="0" smtClean="0"/>
+              <a:t>등</a:t>
+            </a:r>
+            <a:endParaRPr lang="en-US" altLang="ko-KR" dirty="0" smtClean="0"/>
+          </a:p>
+          <a:p>
+            <a:endParaRPr lang="en-US" altLang="ko-KR" dirty="0" smtClean="0"/>
+          </a:p>
+          <a:p>
+            <a:r>
+              <a:rPr lang="ko-KR" altLang="en-US" sz="1200" dirty="0" smtClean="0">
+                <a:solidFill>
+                  <a:srgbClr val="222222"/>
+                </a:solidFill>
+                <a:latin typeface="나눔스퀘어" panose="020B0600000101010101" pitchFamily="50" charset="-127"/>
+                <a:ea typeface="나눔스퀘어" panose="020B0600000101010101" pitchFamily="50" charset="-127"/>
+              </a:rPr>
+              <a:t>고혈압</a:t>
+            </a:r>
+            <a:r>
+              <a:rPr lang="en-US" altLang="ko-KR" sz="1200" dirty="0" smtClean="0">
+                <a:solidFill>
+                  <a:srgbClr val="222222"/>
+                </a:solidFill>
+                <a:latin typeface="나눔스퀘어" panose="020B0600000101010101" pitchFamily="50" charset="-127"/>
+                <a:ea typeface="나눔스퀘어" panose="020B0600000101010101" pitchFamily="50" charset="-127"/>
+              </a:rPr>
+              <a:t>, </a:t>
+            </a:r>
+            <a:r>
+              <a:rPr lang="ko-KR" altLang="en-US" sz="1200" dirty="0" smtClean="0">
+                <a:solidFill>
+                  <a:srgbClr val="222222"/>
+                </a:solidFill>
+                <a:latin typeface="나눔스퀘어" panose="020B0600000101010101" pitchFamily="50" charset="-127"/>
+                <a:ea typeface="나눔스퀘어" panose="020B0600000101010101" pitchFamily="50" charset="-127"/>
+              </a:rPr>
+              <a:t>당뇨 등 만성질환관리 등은 현재 한시적으로 허용된 사례가 있음</a:t>
+            </a:r>
+            <a:r>
+              <a:rPr lang="en-US" altLang="ko-KR" sz="1200" dirty="0" smtClean="0">
+                <a:solidFill>
+                  <a:srgbClr val="222222"/>
+                </a:solidFill>
+                <a:latin typeface="나눔스퀘어" panose="020B0600000101010101" pitchFamily="50" charset="-127"/>
+                <a:ea typeface="나눔스퀘어" panose="020B0600000101010101" pitchFamily="50" charset="-127"/>
+              </a:rPr>
+              <a:t>.  &gt;https://www.hani.co.kr/arti/society/health/947429.html </a:t>
+            </a:r>
+          </a:p>
+          <a:p>
+            <a:r>
+              <a:rPr lang="ko-KR" altLang="en-US" sz="1200" dirty="0" smtClean="0">
+                <a:solidFill>
+                  <a:srgbClr val="222222"/>
+                </a:solidFill>
+                <a:latin typeface="나눔스퀘어" panose="020B0600000101010101" pitchFamily="50" charset="-127"/>
+                <a:ea typeface="나눔스퀘어" panose="020B0600000101010101" pitchFamily="50" charset="-127"/>
+              </a:rPr>
+              <a:t>의료수요자가 가지고 있는 </a:t>
+            </a:r>
+            <a:r>
+              <a:rPr lang="ko-KR" altLang="en-US" sz="1200" dirty="0" err="1" smtClean="0">
+                <a:solidFill>
+                  <a:srgbClr val="222222"/>
+                </a:solidFill>
+                <a:latin typeface="나눔스퀘어" panose="020B0600000101010101" pitchFamily="50" charset="-127"/>
+                <a:ea typeface="나눔스퀘어" panose="020B0600000101010101" pitchFamily="50" charset="-127"/>
+              </a:rPr>
+              <a:t>웨어러블기기</a:t>
+            </a:r>
+            <a:r>
+              <a:rPr lang="en-US" altLang="ko-KR" sz="1200" dirty="0" smtClean="0">
+                <a:solidFill>
+                  <a:srgbClr val="222222"/>
+                </a:solidFill>
+                <a:latin typeface="나눔스퀘어" panose="020B0600000101010101" pitchFamily="50" charset="-127"/>
+                <a:ea typeface="나눔스퀘어" panose="020B0600000101010101" pitchFamily="50" charset="-127"/>
+              </a:rPr>
+              <a:t>, IOT </a:t>
+            </a:r>
+            <a:r>
+              <a:rPr lang="ko-KR" altLang="en-US" sz="1200" dirty="0" smtClean="0">
+                <a:solidFill>
+                  <a:srgbClr val="222222"/>
+                </a:solidFill>
+                <a:latin typeface="나눔스퀘어" panose="020B0600000101010101" pitchFamily="50" charset="-127"/>
+                <a:ea typeface="나눔스퀘어" panose="020B0600000101010101" pitchFamily="50" charset="-127"/>
+              </a:rPr>
+              <a:t>서비스와 의료공급자 사이를 연결하는 서비스 구축</a:t>
+            </a:r>
+            <a:endParaRPr lang="en-US" altLang="ko-KR" sz="1200" dirty="0" smtClean="0">
+              <a:solidFill>
+                <a:srgbClr val="222222"/>
+              </a:solidFill>
+              <a:latin typeface="나눔스퀘어" panose="020B0600000101010101" pitchFamily="50" charset="-127"/>
+              <a:ea typeface="나눔스퀘어" panose="020B0600000101010101" pitchFamily="50" charset="-127"/>
+            </a:endParaRPr>
+          </a:p>
+          <a:p>
+            <a:endParaRPr lang="ko-KR" altLang="en-US" dirty="0"/>
           </a:p>
         </p:txBody>
       </p:sp>
@@ -844,24 +962,36 @@
           <a:lstStyle/>
           <a:p>
             <a:r>
-              <a:rPr lang="ko-KR" altLang="en-US"/>
-              <a:t>라이프 월릿과 같은 통합의료정보체계 구축 경험이 존재함 </a:t>
-            </a:r>
-            <a:r>
-              <a:rPr lang="en-US" altLang="ko-KR"/>
+              <a:rPr lang="ko-KR" altLang="en-US" dirty="0"/>
+              <a:t>라이프 </a:t>
+            </a:r>
+            <a:r>
+              <a:rPr lang="ko-KR" altLang="en-US" dirty="0" err="1"/>
+              <a:t>월릿과</a:t>
+            </a:r>
+            <a:r>
+              <a:rPr lang="ko-KR" altLang="en-US" dirty="0"/>
+              <a:t> 같은 통합의료정보체계 구축 경험이 존재함 </a:t>
+            </a:r>
+            <a:r>
+              <a:rPr lang="en-US" altLang="ko-KR" dirty="0"/>
               <a:t>+ </a:t>
             </a:r>
             <a:r>
-              <a:rPr lang="ko-KR" altLang="en-US"/>
+              <a:rPr lang="ko-KR" altLang="en-US" dirty="0" err="1"/>
               <a:t>블록체인</a:t>
             </a:r>
             <a:r>
-              <a:rPr lang="en-US" altLang="ko-KR"/>
+              <a:rPr lang="en-US" altLang="ko-KR" dirty="0"/>
               <a:t>, </a:t>
             </a:r>
             <a:r>
-              <a:rPr lang="ko-KR" altLang="en-US"/>
-              <a:t>클라우드와 같은 기술을 원격 의료 모델에 적용가능</a:t>
+              <a:rPr lang="ko-KR" altLang="en-US" dirty="0" err="1"/>
+              <a:t>클라우드와</a:t>
+            </a:r>
+            <a:r>
+              <a:rPr lang="ko-KR" altLang="en-US" dirty="0"/>
+              <a:t> 같은 기술을 원격 의료 모델에 적용가능</a:t>
             </a:r>
           </a:p>
         </p:txBody>
@@ -4025,9 +4155,9 @@
               <a:t>: </a:t>
             </a:r>
             <a:r>
-              <a:rPr lang="ko-KR" altLang="en-US" sz="5400" dirty="0">
-                <a:solidFill>
-                  <a:srgbClr val="FF0000"/>
+              <a:rPr lang="ko-KR" altLang="en-US" sz="5400" b="1" dirty="0">
+                <a:solidFill>
+                  <a:srgbClr val="C00000"/>
                 </a:solidFill>
                 <a:latin typeface="경기천년제목 Light" panose="02020403020101020101" pitchFamily="18" charset="-127"/>
                 <a:ea typeface="경기천년제목 Light" panose="02020403020101020101" pitchFamily="18" charset="-127"/>
@@ -4045,8 +4175,8 @@
         </p:nvSpPr>
         <p:spPr>
           <a:xfrm>
-            <a:off x="14859000" y="8496300"/>
-            <a:ext cx="4191000" cy="1323439"/>
+            <a:off x="14630400" y="8377416"/>
+            <a:ext cx="3429000" cy="1261884"/>
           </a:xfrm>
           <a:prstGeom prst="rect">
             <a:avLst/>
@@ -4060,33 +4190,40 @@
           <a:lstStyle/>
           <a:p>
             <a:r>
-              <a:rPr lang="en-US" altLang="ko-KR" sz="4000" dirty="0">
+              <a:rPr lang="en-US" altLang="ko-KR" sz="3600" dirty="0">
                 <a:latin typeface="나눔스퀘어" panose="020B0600000101010101" pitchFamily="50" charset="-127"/>
                 <a:ea typeface="나눔스퀘어" panose="020B0600000101010101" pitchFamily="50" charset="-127"/>
               </a:rPr>
               <a:t>SI</a:t>
             </a:r>
             <a:r>
-              <a:rPr lang="ko-KR" altLang="en-US" sz="4000" dirty="0">
+              <a:rPr lang="ko-KR" altLang="en-US" sz="3600" dirty="0">
                 <a:latin typeface="나눔스퀘어" panose="020B0600000101010101" pitchFamily="50" charset="-127"/>
                 <a:ea typeface="나눔스퀘어" panose="020B0600000101010101" pitchFamily="50" charset="-127"/>
               </a:rPr>
               <a:t>개발 직무</a:t>
             </a:r>
-            <a:endParaRPr lang="en-US" altLang="ko-KR" sz="4000" dirty="0">
+            <a:endParaRPr lang="en-US" altLang="ko-KR" sz="3600" dirty="0">
               <a:latin typeface="나눔스퀘어" panose="020B0600000101010101" pitchFamily="50" charset="-127"/>
               <a:ea typeface="나눔스퀘어" panose="020B0600000101010101" pitchFamily="50" charset="-127"/>
             </a:endParaRPr>
           </a:p>
           <a:p>
             <a:r>
-              <a:rPr lang="ko-KR" altLang="en-US" sz="4000" dirty="0">
-                <a:latin typeface="나눔스퀘어" panose="020B0600000101010101" pitchFamily="50" charset="-127"/>
-                <a:ea typeface="나눔스퀘어" panose="020B0600000101010101" pitchFamily="50" charset="-127"/>
-              </a:rPr>
-              <a:t>지원자 이호성</a:t>
-            </a:r>
-            <a:endParaRPr lang="en-US" altLang="ko-KR" sz="4000" dirty="0">
+              <a:rPr lang="ko-KR" altLang="en-US" sz="4000" dirty="0" smtClean="0">
+                <a:latin typeface="나눔스퀘어" panose="020B0600000101010101" pitchFamily="50" charset="-127"/>
+                <a:ea typeface="나눔스퀘어" panose="020B0600000101010101" pitchFamily="50" charset="-127"/>
+              </a:rPr>
+              <a:t>지원자 </a:t>
+            </a:r>
+            <a:r>
+              <a:rPr lang="ko-KR" altLang="en-US" sz="4000" b="1" dirty="0" smtClean="0">
+                <a:latin typeface="나눔스퀘어" panose="020B0600000101010101" pitchFamily="50" charset="-127"/>
+                <a:ea typeface="나눔스퀘어" panose="020B0600000101010101" pitchFamily="50" charset="-127"/>
+              </a:rPr>
+              <a:t>이 호 성</a:t>
+            </a:r>
+            <a:endParaRPr lang="en-US" altLang="ko-KR" sz="4000" b="1" dirty="0">
               <a:latin typeface="나눔스퀘어" panose="020B0600000101010101" pitchFamily="50" charset="-127"/>
               <a:ea typeface="나눔스퀘어" panose="020B0600000101010101" pitchFamily="50" charset="-127"/>
             </a:endParaRPr>
@@ -4107,7 +4244,7 @@
         </p:nvSpPr>
         <p:spPr>
           <a:xfrm>
-            <a:off x="14931887" y="9867900"/>
+            <a:off x="14782800" y="9620935"/>
             <a:ext cx="2971800" cy="323165"/>
           </a:xfrm>
           <a:prstGeom prst="rect">
@@ -4122,31 +4259,75 @@
           <a:lstStyle/>
           <a:p>
             <a:r>
-              <a:rPr lang="ko-KR" altLang="en-US" sz="1500">
+              <a:rPr lang="ko-KR" altLang="en-US" sz="1500" dirty="0">
                 <a:latin typeface="나눔스퀘어" panose="020B0600000101010101" pitchFamily="50" charset="-127"/>
                 <a:ea typeface="나눔스퀘어" panose="020B0600000101010101" pitchFamily="50" charset="-127"/>
               </a:rPr>
               <a:t>이메일 </a:t>
             </a:r>
             <a:r>
-              <a:rPr lang="en-US" altLang="ko-KR" sz="1500">
+              <a:rPr lang="en-US" altLang="ko-KR" sz="1500" dirty="0">
                 <a:latin typeface="나눔스퀘어" panose="020B0600000101010101" pitchFamily="50" charset="-127"/>
                 <a:ea typeface="나눔스퀘어" panose="020B0600000101010101" pitchFamily="50" charset="-127"/>
               </a:rPr>
               <a:t>: zdlghtjdz@naver.com</a:t>
             </a:r>
-            <a:endParaRPr lang="en-US" altLang="ko-KR" sz="1500" dirty="0">
-              <a:latin typeface="나눔스퀘어" panose="020B0600000101010101" pitchFamily="50" charset="-127"/>
-              <a:ea typeface="나눔스퀘어" panose="020B0600000101010101" pitchFamily="50" charset="-127"/>
-            </a:endParaRPr>
-          </a:p>
-        </p:txBody>
-      </p:sp>
+          </a:p>
+        </p:txBody>
+      </p:sp>
+      <p:pic>
+        <p:nvPicPr>
+          <p:cNvPr id="2050" name="Picture 2" descr="NDS, 디지털서비스 전문계약제도 &amp;#39;IaaS 공급사&amp;#39; 선정 - CCTV뉴스 - 황민승 기자"/>
+          <p:cNvPicPr>
+            <a:picLocks noChangeAspect="1" noChangeArrowheads="1"/>
+          </p:cNvPicPr>
+          <p:nvPr/>
+        </p:nvPicPr>
+        <p:blipFill>
+          <a:blip r:embed="rId6">
+            <a:extLst>
+              <a:ext uri="{28A0092B-C50C-407E-A947-70E740481C1C}">
+                <a14:useLocalDpi xmlns:a14="http://schemas.microsoft.com/office/drawing/2010/main" val="0"/>
+              </a:ext>
+            </a:extLst>
+          </a:blip>
+          <a:srcRect/>
+          <a:stretch>
+            <a:fillRect/>
+          </a:stretch>
+        </p:blipFill>
+        <p:spPr bwMode="auto">
+          <a:xfrm>
+            <a:off x="259976" y="8801100"/>
+            <a:ext cx="2483224" cy="1481048"/>
+          </a:xfrm>
+          <a:prstGeom prst="rect">
+            <a:avLst/>
+          </a:prstGeom>
+          <a:noFill/>
+          <a:extLst>
+            <a:ext uri="{909E8E84-426E-40DD-AFC4-6F175D3DCCD1}">
+              <a14:hiddenFill xmlns:a14="http://schemas.microsoft.com/office/drawing/2010/main">
+                <a:solidFill>
+                  <a:srgbClr val="FFFFFF"/>
+                </a:solidFill>
+              </a14:hiddenFill>
+            </a:ext>
+          </a:extLst>
+        </p:spPr>
+      </p:pic>
     </p:spTree>
   </p:cSld>
   <p:clrMapOvr>
     <a:masterClrMapping/>
   </p:clrMapOvr>
+  <p:timing>
+    <p:tnLst>
+      <p:par>
+        <p:cTn id="1" dur="indefinite" restart="never" nodeType="tmRoot"/>
+      </p:par>
+    </p:tnLst>
+  </p:timing>
 </p:sld>
 </file>
 
@@ -4268,19 +4449,8 @@
                 <a:latin typeface="나눔스퀘어" panose="020B0600000101010101" pitchFamily="50" charset="-127"/>
                 <a:ea typeface="나눔스퀘어" panose="020B0600000101010101" pitchFamily="50" charset="-127"/>
               </a:rPr>
-              <a:t> 통해 </a:t>
-            </a:r>
-            <a:r>
-              <a:rPr lang="ko-KR" altLang="en-US" sz="3000">
-                <a:latin typeface="나눔스퀘어" panose="020B0600000101010101" pitchFamily="50" charset="-127"/>
-                <a:ea typeface="나눔스퀘어" panose="020B0600000101010101" pitchFamily="50" charset="-127"/>
-              </a:rPr>
-              <a:t>비대면 수요가 폭발적으로 증가</a:t>
-            </a:r>
-            <a:endParaRPr lang="ko-KR" altLang="en-US" sz="3000" dirty="0">
-              <a:latin typeface="나눔스퀘어" panose="020B0600000101010101" pitchFamily="50" charset="-127"/>
-              <a:ea typeface="나눔스퀘어" panose="020B0600000101010101" pitchFamily="50" charset="-127"/>
-            </a:endParaRPr>
+              <a:t> 통해 비대면 수요가 폭발적으로 증가</a:t>
+            </a:r>
           </a:p>
         </p:txBody>
       </p:sp>
@@ -4307,7 +4477,7 @@
           <a:lstStyle/>
           <a:p>
             <a:r>
-              <a:rPr lang="en-US" altLang="ko-KR" sz="5000">
+              <a:rPr lang="en-US" altLang="ko-KR" sz="5000" dirty="0">
                 <a:latin typeface="나눔스퀘어" panose="020B0600000101010101" pitchFamily="50" charset="-127"/>
                 <a:ea typeface="나눔스퀘어" panose="020B0600000101010101" pitchFamily="50" charset="-127"/>
               </a:rPr>
@@ -4318,19 +4488,8 @@
                 <a:latin typeface="나눔스퀘어" panose="020B0600000101010101" pitchFamily="50" charset="-127"/>
                 <a:ea typeface="나눔스퀘어" panose="020B0600000101010101" pitchFamily="50" charset="-127"/>
               </a:rPr>
-              <a:t>의 영향을 통한 헬스케어 </a:t>
-            </a:r>
-            <a:r>
-              <a:rPr lang="ko-KR" altLang="en-US" sz="5000">
-                <a:latin typeface="나눔스퀘어" panose="020B0600000101010101" pitchFamily="50" charset="-127"/>
-                <a:ea typeface="나눔스퀘어" panose="020B0600000101010101" pitchFamily="50" charset="-127"/>
-              </a:rPr>
-              <a:t>서비스 전망</a:t>
-            </a:r>
-            <a:endParaRPr lang="ko-KR" altLang="en-US" sz="5000" dirty="0">
-              <a:latin typeface="나눔스퀘어" panose="020B0600000101010101" pitchFamily="50" charset="-127"/>
-              <a:ea typeface="나눔스퀘어" panose="020B0600000101010101" pitchFamily="50" charset="-127"/>
-            </a:endParaRPr>
+              <a:t>의 영향을 통한 헬스케어 서비스 전망</a:t>
+            </a:r>
           </a:p>
         </p:txBody>
       </p:sp>
@@ -4414,18 +4573,11 @@
           <a:lstStyle/>
           <a:p>
             <a:r>
-              <a:rPr lang="ko-KR" altLang="en-US" sz="3000">
-                <a:latin typeface="나눔스퀘어" panose="020B0600000101010101" pitchFamily="50" charset="-127"/>
-                <a:ea typeface="나눔스퀘어" panose="020B0600000101010101" pitchFamily="50" charset="-127"/>
-              </a:rPr>
-              <a:t>의료 </a:t>
-            </a:r>
-            <a:r>
               <a:rPr lang="ko-KR" altLang="en-US" sz="3000" dirty="0">
                 <a:latin typeface="나눔스퀘어" panose="020B0600000101010101" pitchFamily="50" charset="-127"/>
                 <a:ea typeface="나눔스퀘어" panose="020B0600000101010101" pitchFamily="50" charset="-127"/>
               </a:rPr>
-              <a:t>서비스에서도 </a:t>
+              <a:t>의료 서비스에서도 </a:t>
             </a:r>
             <a:r>
               <a:rPr lang="en-US" altLang="ko-KR" sz="3000" dirty="0">
@@ -4448,7 +4600,7 @@
               <a:t>언택트</a:t>
             </a:r>
             <a:r>
-              <a:rPr lang="en-US" altLang="ko-KR" sz="3000">
+              <a:rPr lang="en-US" altLang="ko-KR" sz="3000" dirty="0">
                 <a:solidFill>
                   <a:srgbClr val="FF0000"/>
                 </a:solidFill>
@@ -4458,7 +4610,7 @@
               <a:t>“ </a:t>
             </a:r>
             <a:r>
-              <a:rPr lang="ko-KR" altLang="en-US" sz="3000">
+              <a:rPr lang="ko-KR" altLang="en-US" sz="3000" dirty="0">
                 <a:solidFill>
                   <a:srgbClr val="FF0000"/>
                 </a:solidFill>
@@ -4468,7 +4620,7 @@
               <a:t>서비스</a:t>
             </a:r>
             <a:r>
-              <a:rPr lang="en-US" altLang="ko-KR" sz="3000">
+              <a:rPr lang="en-US" altLang="ko-KR" sz="3000" dirty="0">
                 <a:solidFill>
                   <a:srgbClr val="FF0000"/>
                 </a:solidFill>
@@ -4478,7 +4630,7 @@
               <a:t>(</a:t>
             </a:r>
             <a:r>
-              <a:rPr lang="ko-KR" altLang="en-US" sz="3000">
+              <a:rPr lang="ko-KR" altLang="en-US" sz="3000" dirty="0">
                 <a:solidFill>
                   <a:srgbClr val="FF0000"/>
                 </a:solidFill>
@@ -4488,7 +4640,7 @@
               <a:t>원격 의료</a:t>
             </a:r>
             <a:r>
-              <a:rPr lang="en-US" altLang="ko-KR" sz="3000">
+              <a:rPr lang="en-US" altLang="ko-KR" sz="3000" dirty="0">
                 <a:solidFill>
                   <a:srgbClr val="FF0000"/>
                 </a:solidFill>
@@ -4498,7 +4650,7 @@
               <a:t>)</a:t>
             </a:r>
             <a:r>
-              <a:rPr lang="ko-KR" altLang="en-US" sz="3000">
+              <a:rPr lang="ko-KR" altLang="en-US" sz="3000" dirty="0">
                 <a:solidFill>
                   <a:srgbClr val="FF0000"/>
                 </a:solidFill>
@@ -4507,13 +4659,6 @@
               </a:rPr>
               <a:t> 수요 ↑</a:t>
             </a:r>
-            <a:endParaRPr lang="ko-KR" altLang="en-US" sz="3000" dirty="0">
-              <a:solidFill>
-                <a:srgbClr val="FF0000"/>
-              </a:solidFill>
-              <a:latin typeface="나눔스퀘어" panose="020B0600000101010101" pitchFamily="50" charset="-127"/>
-              <a:ea typeface="나눔스퀘어" panose="020B0600000101010101" pitchFamily="50" charset="-127"/>
-            </a:endParaRPr>
           </a:p>
         </p:txBody>
       </p:sp>
@@ -5070,6 +5215,13 @@
   <p:clrMapOvr>
     <a:masterClrMapping/>
   </p:clrMapOvr>
+  <p:timing>
+    <p:tnLst>
+      <p:par>
+        <p:cTn id="1" dur="indefinite" restart="never" nodeType="tmRoot"/>
+      </p:par>
+    </p:tnLst>
+  </p:timing>
 </p:sld>
 </file>
 
@@ -5090,6 +5242,73 @@
           <a:chExt cx="0" cy="0"/>
         </a:xfrm>
       </p:grpSpPr>
+      <p:pic>
+        <p:nvPicPr>
+          <p:cNvPr id="28" name="Picture 2" descr="화살표 빨간화살표">
+            <a:extLst>
+              <a:ext uri="{FF2B5EF4-FFF2-40B4-BE49-F238E27FC236}">
+                <a16:creationId xmlns:a16="http://schemas.microsoft.com/office/drawing/2014/main" id="{9713A522-913B-4538-80CE-B5FEC455845B}"/>
+              </a:ext>
+            </a:extLst>
+          </p:cNvPr>
+          <p:cNvPicPr>
+            <a:picLocks noChangeAspect="1" noChangeArrowheads="1"/>
+          </p:cNvPicPr>
+          <p:nvPr/>
+        </p:nvPicPr>
+        <p:blipFill>
+          <a:blip r:embed="rId3">
+            <a:extLst>
+              <a:ext uri="{BEBA8EAE-BF5A-486C-A8C5-ECC9F3942E4B}">
+                <a14:imgProps xmlns:a14="http://schemas.microsoft.com/office/drawing/2010/main">
+                  <a14:imgLayer r:embed="rId4">
+                    <a14:imgEffect>
+                      <a14:backgroundRemoval t="9794" b="90206" l="8880" r="89961">
+                        <a14:foregroundMark x1="90347" y1="14948" x2="90347" y2="14948"/>
+                        <a14:foregroundMark x1="90347" y1="14948" x2="90347" y2="14948"/>
+                        <a14:foregroundMark x1="11197" y1="86082" x2="11197" y2="86082"/>
+                        <a14:foregroundMark x1="11197" y1="86082" x2="8880" y2="90206"/>
+                      </a14:backgroundRemoval>
+                    </a14:imgEffect>
+                  </a14:imgLayer>
+                </a14:imgProps>
+              </a:ext>
+              <a:ext uri="{28A0092B-C50C-407E-A947-70E740481C1C}">
+                <a14:useLocalDpi xmlns:a14="http://schemas.microsoft.com/office/drawing/2010/main" val="0"/>
+              </a:ext>
+            </a:extLst>
+          </a:blip>
+          <a:srcRect/>
+          <a:stretch>
+            <a:fillRect/>
+          </a:stretch>
+        </p:blipFill>
+        <p:spPr bwMode="auto">
+          <a:xfrm>
+            <a:off x="9832913" y="6002298"/>
+            <a:ext cx="4035487" cy="2549552"/>
+          </a:xfrm>
+          <a:prstGeom prst="rect">
+            <a:avLst/>
+          </a:prstGeom>
+          <a:noFill/>
+          <a:scene3d>
+            <a:camera prst="orthographicFront">
+              <a:rot lat="0" lon="0" rev="0"/>
+            </a:camera>
+            <a:lightRig rig="threePt" dir="t"/>
+          </a:scene3d>
+          <a:extLst>
+            <a:ext uri="{909E8E84-426E-40DD-AFC4-6F175D3DCCD1}">
+              <a14:hiddenFill xmlns:a14="http://schemas.microsoft.com/office/drawing/2010/main">
+                <a:solidFill>
+                  <a:srgbClr val="FFFFFF"/>
+                </a:solidFill>
+              </a14:hiddenFill>
+            </a:ext>
+          </a:extLst>
+        </p:spPr>
+      </p:pic>
       <p:grpSp>
         <p:nvGrpSpPr>
           <p:cNvPr id="11" name="그룹 1001"/>
@@ -5113,7 +5332,7 @@
             <p:nvPr/>
           </p:nvPicPr>
           <p:blipFill>
-            <a:blip r:embed="rId3" cstate="print"/>
+            <a:blip r:embed="rId5" cstate="print"/>
             <a:stretch>
               <a:fillRect/>
             </a:stretch>
@@ -5152,18 +5371,32 @@
           <a:lstStyle/>
           <a:p>
             <a:r>
-              <a:rPr lang="en-US" altLang="ko-KR" sz="5000">
-                <a:latin typeface="나눔스퀘어" panose="020B0600000101010101" pitchFamily="50" charset="-127"/>
-                <a:ea typeface="나눔스퀘어" panose="020B0600000101010101" pitchFamily="50" charset="-127"/>
-              </a:rPr>
-              <a:t>HOW : </a:t>
-            </a:r>
-            <a:r>
-              <a:rPr lang="ko-KR" altLang="en-US" sz="5000">
-                <a:latin typeface="나눔스퀘어" panose="020B0600000101010101" pitchFamily="50" charset="-127"/>
-                <a:ea typeface="나눔스퀘어" panose="020B0600000101010101" pitchFamily="50" charset="-127"/>
-              </a:rPr>
-              <a:t>원격의료의 정의 및 </a:t>
+              <a:rPr lang="en-US" altLang="ko-KR" sz="5000" dirty="0" smtClean="0">
+                <a:latin typeface="나눔스퀘어" panose="020B0600000101010101" pitchFamily="50" charset="-127"/>
+                <a:ea typeface="나눔스퀘어" panose="020B0600000101010101" pitchFamily="50" charset="-127"/>
+              </a:rPr>
+              <a:t>HOW </a:t>
+            </a:r>
+            <a:r>
+              <a:rPr lang="en-US" altLang="ko-KR" sz="5000" dirty="0">
+                <a:latin typeface="나눔스퀘어" panose="020B0600000101010101" pitchFamily="50" charset="-127"/>
+                <a:ea typeface="나눔스퀘어" panose="020B0600000101010101" pitchFamily="50" charset="-127"/>
+              </a:rPr>
+              <a:t>: </a:t>
+            </a:r>
+            <a:r>
+              <a:rPr lang="ko-KR" altLang="en-US" sz="5000" dirty="0">
+                <a:latin typeface="나눔스퀘어" panose="020B0600000101010101" pitchFamily="50" charset="-127"/>
+                <a:ea typeface="나눔스퀘어" panose="020B0600000101010101" pitchFamily="50" charset="-127"/>
+              </a:rPr>
+              <a:t>원격의료의 정의 </a:t>
+            </a:r>
+            <a:r>
+              <a:rPr lang="ko-KR" altLang="en-US" sz="5000" dirty="0" smtClean="0">
+                <a:latin typeface="나눔스퀘어" panose="020B0600000101010101" pitchFamily="50" charset="-127"/>
+                <a:ea typeface="나눔스퀘어" panose="020B0600000101010101" pitchFamily="50" charset="-127"/>
+              </a:rPr>
+              <a:t>및 활용 분야</a:t>
             </a:r>
             <a:endParaRPr lang="ko-KR" altLang="en-US" sz="5000" dirty="0">
               <a:latin typeface="나눔스퀘어" panose="020B0600000101010101" pitchFamily="50" charset="-127"/>
@@ -5180,8 +5413,8 @@
         </p:nvSpPr>
         <p:spPr>
           <a:xfrm>
-            <a:off x="5486400" y="2737400"/>
-            <a:ext cx="6324600" cy="1200329"/>
+            <a:off x="685800" y="2552700"/>
+            <a:ext cx="8229600" cy="1092607"/>
           </a:xfrm>
           <a:prstGeom prst="rect">
             <a:avLst/>
@@ -5194,10 +5427,11 @@
           <a:lstStyle/>
           <a:p>
             <a:r>
-              <a:rPr lang="en-US" altLang="ko-KR" sz="7200" i="1" dirty="0">
-                <a:solidFill>
-                  <a:schemeClr val="bg1">
-                    <a:lumMod val="50000"/>
+              <a:rPr lang="en-US" altLang="ko-KR" sz="6500" b="1" i="1" dirty="0">
+                <a:solidFill>
+                  <a:schemeClr val="tx1">
+                    <a:lumMod val="65000"/>
+                    <a:lumOff val="35000"/>
                   </a:schemeClr>
                 </a:solidFill>
                 <a:ea typeface="문체부 바탕체" panose="02030609000101010101" pitchFamily="17" charset="-127"/>
@@ -5205,31 +5439,58 @@
               <a:t>“</a:t>
             </a:r>
             <a:r>
-              <a:rPr lang="ko-KR" altLang="en-US" sz="7200" i="1">
-                <a:solidFill>
-                  <a:schemeClr val="bg1">
-                    <a:lumMod val="50000"/>
+              <a:rPr lang="ko-KR" altLang="en-US" sz="6500" b="1" i="1" dirty="0">
+                <a:solidFill>
+                  <a:schemeClr val="tx1">
+                    <a:lumMod val="65000"/>
+                    <a:lumOff val="35000"/>
                   </a:schemeClr>
                 </a:solidFill>
                 <a:ea typeface="문체부 바탕체" panose="02030609000101010101" pitchFamily="17" charset="-127"/>
               </a:rPr>
-              <a:t>원격 의료란 </a:t>
-            </a:r>
-            <a:r>
-              <a:rPr lang="en-US" altLang="ko-KR" sz="7200" i="1">
-                <a:solidFill>
-                  <a:schemeClr val="bg1">
-                    <a:lumMod val="50000"/>
+              <a:t>원격 </a:t>
+            </a:r>
+            <a:r>
+              <a:rPr lang="ko-KR" altLang="en-US" sz="6500" b="1" i="1" dirty="0" err="1">
+                <a:solidFill>
+                  <a:schemeClr val="tx1">
+                    <a:lumMod val="65000"/>
+                    <a:lumOff val="35000"/>
                   </a:schemeClr>
                 </a:solidFill>
                 <a:ea typeface="문체부 바탕체" panose="02030609000101010101" pitchFamily="17" charset="-127"/>
               </a:rPr>
+              <a:t>의료란</a:t>
+            </a:r>
+            <a:r>
+              <a:rPr lang="ko-KR" altLang="en-US" sz="6500" b="1" i="1" dirty="0">
+                <a:solidFill>
+                  <a:schemeClr val="tx1">
+                    <a:lumMod val="65000"/>
+                    <a:lumOff val="35000"/>
+                  </a:schemeClr>
+                </a:solidFill>
+                <a:ea typeface="문체부 바탕체" panose="02030609000101010101" pitchFamily="17" charset="-127"/>
+              </a:rPr>
+              <a:t> </a:t>
+            </a:r>
+            <a:r>
+              <a:rPr lang="en-US" altLang="ko-KR" sz="6500" b="1" i="1" dirty="0">
+                <a:solidFill>
+                  <a:schemeClr val="tx1">
+                    <a:lumMod val="65000"/>
+                    <a:lumOff val="35000"/>
+                  </a:schemeClr>
+                </a:solidFill>
+                <a:ea typeface="문체부 바탕체" panose="02030609000101010101" pitchFamily="17" charset="-127"/>
+              </a:rPr>
               <a:t>”</a:t>
             </a:r>
-            <a:endParaRPr lang="ko-KR" altLang="en-US" sz="7200" i="1" dirty="0">
+            <a:endParaRPr lang="ko-KR" altLang="en-US" sz="6500" b="1" i="1" dirty="0">
               <a:solidFill>
-                <a:schemeClr val="bg1">
-                  <a:lumMod val="50000"/>
+                <a:schemeClr val="tx1">
+                  <a:lumMod val="65000"/>
+                  <a:lumOff val="35000"/>
                 </a:schemeClr>
               </a:solidFill>
               <a:ea typeface="문체부 바탕체" panose="02030609000101010101" pitchFamily="17" charset="-127"/>
@@ -5245,8 +5506,8 @@
         </p:nvSpPr>
         <p:spPr>
           <a:xfrm>
-            <a:off x="1671638" y="4168411"/>
-            <a:ext cx="15468600" cy="553998"/>
+            <a:off x="1370227" y="3612993"/>
+            <a:ext cx="16002000" cy="553998"/>
           </a:xfrm>
           <a:prstGeom prst="rect">
             <a:avLst/>
@@ -5259,6 +5520,26 @@
           <a:lstStyle/>
           <a:p>
             <a:r>
+              <a:rPr lang="en-US" altLang="ko-KR" sz="3000" dirty="0" smtClean="0">
+                <a:solidFill>
+                  <a:srgbClr val="222222"/>
+                </a:solidFill>
+                <a:latin typeface="나눔스퀘어" panose="020B0600000101010101" pitchFamily="50" charset="-127"/>
+                <a:ea typeface="나눔스퀘어" panose="020B0600000101010101" pitchFamily="50" charset="-127"/>
+              </a:rPr>
+              <a:t>: </a:t>
+            </a:r>
+            <a:r>
+              <a:rPr lang="ko-KR" altLang="en-US" sz="3000" dirty="0" smtClean="0">
+                <a:solidFill>
+                  <a:srgbClr val="222222"/>
+                </a:solidFill>
+                <a:latin typeface="나눔스퀘어" panose="020B0600000101010101" pitchFamily="50" charset="-127"/>
+                <a:ea typeface="나눔스퀘어" panose="020B0600000101010101" pitchFamily="50" charset="-127"/>
+              </a:rPr>
+              <a:t>원거리에 </a:t>
+            </a:r>
+            <a:r>
               <a:rPr lang="ko-KR" altLang="en-US" sz="3000" dirty="0">
                 <a:solidFill>
                   <a:srgbClr val="222222"/>
@@ -5266,7 +5547,7 @@
                 <a:latin typeface="나눔스퀘어" panose="020B0600000101010101" pitchFamily="50" charset="-127"/>
                 <a:ea typeface="나눔스퀘어" panose="020B0600000101010101" pitchFamily="50" charset="-127"/>
               </a:rPr>
-              <a:t>원거리에 있는 의료수요자와 의료 공급자 사이에 </a:t>
+              <a:t>있는 의료수요자와 의료 공급자 사이에 </a:t>
             </a:r>
             <a:r>
               <a:rPr lang="ko-KR" altLang="en-US" sz="3000" u="sng" dirty="0">
@@ -5303,7 +5584,7 @@
         </p:nvSpPr>
         <p:spPr>
           <a:xfrm>
-            <a:off x="3429000" y="4902795"/>
+            <a:off x="838200" y="4818102"/>
             <a:ext cx="12115800" cy="553998"/>
           </a:xfrm>
           <a:prstGeom prst="rect">
@@ -5324,17 +5605,27 @@
                 <a:latin typeface="나눔스퀘어" panose="020B0600000101010101" pitchFamily="50" charset="-127"/>
                 <a:ea typeface="나눔스퀘어" panose="020B0600000101010101" pitchFamily="50" charset="-127"/>
               </a:rPr>
-              <a:t>기존의 의료 서비스 모델에서의 원격 의료 모델의 전환 가능성이 </a:t>
-            </a:r>
-            <a:r>
-              <a:rPr lang="ko-KR" altLang="en-US" sz="3000">
+              <a:t>기존의 의료 서비스 모델에서의 원격 의료 모델의 전환 </a:t>
+            </a:r>
+            <a:r>
+              <a:rPr lang="ko-KR" altLang="en-US" sz="3000" dirty="0" smtClean="0">
                 <a:solidFill>
                   <a:srgbClr val="222222"/>
                 </a:solidFill>
                 <a:latin typeface="나눔스퀘어" panose="020B0600000101010101" pitchFamily="50" charset="-127"/>
                 <a:ea typeface="나눔스퀘어" panose="020B0600000101010101" pitchFamily="50" charset="-127"/>
               </a:rPr>
-              <a:t>매우 높아짐</a:t>
+              <a:t>가능성이 </a:t>
+            </a:r>
+            <a:r>
+              <a:rPr lang="ko-KR" altLang="en-US" sz="3000" dirty="0" smtClean="0">
+                <a:solidFill>
+                  <a:srgbClr val="222222"/>
+                </a:solidFill>
+                <a:latin typeface="나눔스퀘어" panose="020B0600000101010101" pitchFamily="50" charset="-127"/>
+                <a:ea typeface="나눔스퀘어" panose="020B0600000101010101" pitchFamily="50" charset="-127"/>
+              </a:rPr>
+              <a:t>↑</a:t>
             </a:r>
             <a:endParaRPr lang="ko-KR" altLang="en-US" sz="3000" dirty="0">
               <a:latin typeface="나눔스퀘어" panose="020B0600000101010101" pitchFamily="50" charset="-127"/>
@@ -5345,14 +5636,14 @@
       </p:sp>
       <p:sp>
         <p:nvSpPr>
-          <p:cNvPr id="14" name="직사각형 13"/>
+          <p:cNvPr id="4" name="직사각형 3"/>
           <p:cNvSpPr/>
           <p:nvPr/>
         </p:nvSpPr>
         <p:spPr>
           <a:xfrm>
-            <a:off x="1752600" y="5995112"/>
-            <a:ext cx="9601200" cy="553998"/>
+            <a:off x="838200" y="5448300"/>
+            <a:ext cx="12058073" cy="553998"/>
           </a:xfrm>
           <a:prstGeom prst="rect">
             <a:avLst/>
@@ -5365,17 +5656,17 @@
           <a:lstStyle/>
           <a:p>
             <a:r>
-              <a:rPr lang="ko-KR" altLang="en-US" sz="3000">
+              <a:rPr lang="ko-KR" altLang="en-US" sz="3000" dirty="0" smtClean="0">
                 <a:solidFill>
                   <a:srgbClr val="222222"/>
                 </a:solidFill>
                 <a:latin typeface="나눔스퀘어" panose="020B0600000101010101" pitchFamily="50" charset="-127"/>
                 <a:ea typeface="나눔스퀘어" panose="020B0600000101010101" pitchFamily="50" charset="-127"/>
               </a:rPr>
-              <a:t>단순 진료</a:t>
-            </a:r>
-            <a:r>
-              <a:rPr lang="en-US" altLang="ko-KR" sz="3000">
+              <a:t>원격 의료의 방식은 비대면 진료</a:t>
+            </a:r>
+            <a:r>
+              <a:rPr lang="en-US" altLang="ko-KR" sz="3000" dirty="0" smtClean="0">
                 <a:solidFill>
                   <a:srgbClr val="222222"/>
                 </a:solidFill>
@@ -5385,7 +5676,7 @@
               <a:t>, </a:t>
             </a:r>
             <a:r>
-              <a:rPr lang="ko-KR" altLang="en-US" sz="3000">
+              <a:rPr lang="ko-KR" altLang="en-US" sz="3000" dirty="0" smtClean="0">
                 <a:solidFill>
                   <a:srgbClr val="222222"/>
                 </a:solidFill>
@@ -5395,7 +5686,7 @@
               <a:t>건강관리 모니터링</a:t>
             </a:r>
             <a:r>
-              <a:rPr lang="en-US" altLang="ko-KR" sz="3000">
+              <a:rPr lang="en-US" altLang="ko-KR" sz="3000" dirty="0" smtClean="0">
                 <a:solidFill>
                   <a:srgbClr val="222222"/>
                 </a:solidFill>
@@ -5405,18 +5696,612 @@
               <a:t>, </a:t>
             </a:r>
             <a:r>
-              <a:rPr lang="ko-KR" altLang="en-US" sz="3000">
+              <a:rPr lang="ko-KR" altLang="en-US" sz="3000" dirty="0" smtClean="0">
                 <a:solidFill>
                   <a:srgbClr val="222222"/>
                 </a:solidFill>
                 <a:latin typeface="나눔스퀘어" panose="020B0600000101010101" pitchFamily="50" charset="-127"/>
                 <a:ea typeface="나눔스퀘어" panose="020B0600000101010101" pitchFamily="50" charset="-127"/>
               </a:rPr>
-              <a:t>원격의료기기 등</a:t>
-            </a:r>
-            <a:endParaRPr lang="ko-KR" altLang="en-US" sz="3000" dirty="0">
+              <a:t>원격의료기기 등 다양</a:t>
+            </a:r>
+            <a:endParaRPr lang="en-US" altLang="ko-KR" sz="3000" dirty="0">
+              <a:solidFill>
+                <a:srgbClr val="222222"/>
+              </a:solidFill>
               <a:latin typeface="나눔스퀘어" panose="020B0600000101010101" pitchFamily="50" charset="-127"/>
               <a:ea typeface="나눔스퀘어" panose="020B0600000101010101" pitchFamily="50" charset="-127"/>
+            </a:endParaRPr>
+          </a:p>
+        </p:txBody>
+      </p:sp>
+      <p:pic>
+        <p:nvPicPr>
+          <p:cNvPr id="1030" name="Picture 6" descr="무료 화살표이미지 : ppt에 유용하게 쓰이는 이미지 모음 (PNG/PSD) : 네이버 블로그"/>
+          <p:cNvPicPr>
+            <a:picLocks noChangeAspect="1" noChangeArrowheads="1"/>
+          </p:cNvPicPr>
+          <p:nvPr/>
+        </p:nvPicPr>
+        <p:blipFill>
+          <a:blip r:embed="rId6" cstate="print">
+            <a:extLst>
+              <a:ext uri="{28A0092B-C50C-407E-A947-70E740481C1C}">
+                <a14:useLocalDpi xmlns:a14="http://schemas.microsoft.com/office/drawing/2010/main" val="0"/>
+              </a:ext>
+            </a:extLst>
+          </a:blip>
+          <a:srcRect/>
+          <a:stretch>
+            <a:fillRect/>
+          </a:stretch>
+        </p:blipFill>
+        <p:spPr bwMode="auto">
+          <a:xfrm>
+            <a:off x="987855" y="6057900"/>
+            <a:ext cx="764745" cy="764745"/>
+          </a:xfrm>
+          <a:prstGeom prst="rect">
+            <a:avLst/>
+          </a:prstGeom>
+          <a:noFill/>
+          <a:extLst>
+            <a:ext uri="{909E8E84-426E-40DD-AFC4-6F175D3DCCD1}">
+              <a14:hiddenFill xmlns:a14="http://schemas.microsoft.com/office/drawing/2010/main">
+                <a:solidFill>
+                  <a:srgbClr val="FFFFFF"/>
+                </a:solidFill>
+              </a14:hiddenFill>
+            </a:ext>
+          </a:extLst>
+        </p:spPr>
+      </p:pic>
+      <p:sp>
+        <p:nvSpPr>
+          <p:cNvPr id="15" name="직사각형 14"/>
+          <p:cNvSpPr/>
+          <p:nvPr/>
+        </p:nvSpPr>
+        <p:spPr>
+          <a:xfrm>
+            <a:off x="1828801" y="6186765"/>
+            <a:ext cx="9677400" cy="553998"/>
+          </a:xfrm>
+          <a:prstGeom prst="rect">
+            <a:avLst/>
+          </a:prstGeom>
+        </p:spPr>
+        <p:txBody>
+          <a:bodyPr wrap="square">
+            <a:spAutoFit/>
+          </a:bodyPr>
+          <a:lstStyle/>
+          <a:p>
+            <a:r>
+              <a:rPr lang="ko-KR" altLang="en-US" sz="3000" dirty="0" smtClean="0">
+                <a:solidFill>
+                  <a:srgbClr val="222222"/>
+                </a:solidFill>
+                <a:latin typeface="나눔스퀘어" panose="020B0600000101010101" pitchFamily="50" charset="-127"/>
+                <a:ea typeface="나눔스퀘어" panose="020B0600000101010101" pitchFamily="50" charset="-127"/>
+              </a:rPr>
+              <a:t>병원의 기존 시스템 </a:t>
+            </a:r>
+            <a:r>
+              <a:rPr lang="en-US" altLang="ko-KR" sz="3000" dirty="0" smtClean="0">
+                <a:solidFill>
+                  <a:srgbClr val="222222"/>
+                </a:solidFill>
+                <a:latin typeface="나눔스퀘어" panose="020B0600000101010101" pitchFamily="50" charset="-127"/>
+                <a:ea typeface="나눔스퀘어" panose="020B0600000101010101" pitchFamily="50" charset="-127"/>
+              </a:rPr>
+              <a:t>+</a:t>
+            </a:r>
+            <a:r>
+              <a:rPr lang="ko-KR" altLang="en-US" sz="3000" dirty="0" smtClean="0">
+                <a:solidFill>
+                  <a:srgbClr val="222222"/>
+                </a:solidFill>
+                <a:latin typeface="나눔스퀘어" panose="020B0600000101010101" pitchFamily="50" charset="-127"/>
+                <a:ea typeface="나눔스퀘어" panose="020B0600000101010101" pitchFamily="50" charset="-127"/>
+              </a:rPr>
+              <a:t> 원격 의료의 시스템 통합 솔루션이 </a:t>
+            </a:r>
+            <a:r>
+              <a:rPr lang="ko-KR" altLang="en-US" sz="3000" dirty="0" smtClean="0">
+                <a:solidFill>
+                  <a:srgbClr val="FF0000"/>
+                </a:solidFill>
+                <a:latin typeface="나눔스퀘어" panose="020B0600000101010101" pitchFamily="50" charset="-127"/>
+                <a:ea typeface="나눔스퀘어" panose="020B0600000101010101" pitchFamily="50" charset="-127"/>
+              </a:rPr>
+              <a:t>必 </a:t>
+            </a:r>
+            <a:endParaRPr lang="en-US" altLang="ko-KR" sz="3000" dirty="0">
+              <a:solidFill>
+                <a:srgbClr val="FF0000"/>
+              </a:solidFill>
+              <a:latin typeface="나눔스퀘어" panose="020B0600000101010101" pitchFamily="50" charset="-127"/>
+              <a:ea typeface="나눔스퀘어" panose="020B0600000101010101" pitchFamily="50" charset="-127"/>
+            </a:endParaRPr>
+          </a:p>
+        </p:txBody>
+      </p:sp>
+      <p:pic>
+        <p:nvPicPr>
+          <p:cNvPr id="1032" name="Picture 8" descr="의협 “화상진료장비 지원사업, 원격의료 악용 소지 커” &amp;gt; 뉴스 | 한의신문"/>
+          <p:cNvPicPr>
+            <a:picLocks noChangeAspect="1" noChangeArrowheads="1"/>
+          </p:cNvPicPr>
+          <p:nvPr/>
+        </p:nvPicPr>
+        <p:blipFill>
+          <a:blip r:embed="rId7">
+            <a:extLst>
+              <a:ext uri="{28A0092B-C50C-407E-A947-70E740481C1C}">
+                <a14:useLocalDpi xmlns:a14="http://schemas.microsoft.com/office/drawing/2010/main" val="0"/>
+              </a:ext>
+            </a:extLst>
+          </a:blip>
+          <a:srcRect/>
+          <a:stretch>
+            <a:fillRect/>
+          </a:stretch>
+        </p:blipFill>
+        <p:spPr bwMode="auto">
+          <a:xfrm>
+            <a:off x="1828801" y="7429500"/>
+            <a:ext cx="3597880" cy="2400300"/>
+          </a:xfrm>
+          <a:prstGeom prst="rect">
+            <a:avLst/>
+          </a:prstGeom>
+          <a:noFill/>
+          <a:extLst>
+            <a:ext uri="{909E8E84-426E-40DD-AFC4-6F175D3DCCD1}">
+              <a14:hiddenFill xmlns:a14="http://schemas.microsoft.com/office/drawing/2010/main">
+                <a:solidFill>
+                  <a:srgbClr val="FFFFFF"/>
+                </a:solidFill>
+              </a14:hiddenFill>
+            </a:ext>
+          </a:extLst>
+        </p:spPr>
+      </p:pic>
+      <p:sp>
+        <p:nvSpPr>
+          <p:cNvPr id="5" name="직사각형 4"/>
+          <p:cNvSpPr/>
+          <p:nvPr/>
+        </p:nvSpPr>
+        <p:spPr>
+          <a:xfrm>
+            <a:off x="990600" y="7486590"/>
+            <a:ext cx="547586" cy="400110"/>
+          </a:xfrm>
+          <a:prstGeom prst="rect">
+            <a:avLst/>
+          </a:prstGeom>
+        </p:spPr>
+        <p:txBody>
+          <a:bodyPr wrap="none">
+            <a:spAutoFit/>
+          </a:bodyPr>
+          <a:lstStyle/>
+          <a:p>
+            <a:r>
+              <a:rPr lang="en-US" altLang="ko-KR" sz="2000" dirty="0" smtClean="0">
+                <a:latin typeface="나눔스퀘어 Bold" panose="020B0600000101010101" pitchFamily="50" charset="-127"/>
+                <a:ea typeface="나눔스퀘어 Bold" panose="020B0600000101010101" pitchFamily="50" charset="-127"/>
+              </a:rPr>
+              <a:t>ex)</a:t>
+            </a:r>
+            <a:endParaRPr lang="ko-KR" altLang="en-US" sz="2000" dirty="0">
+              <a:latin typeface="나눔스퀘어 Bold" panose="020B0600000101010101" pitchFamily="50" charset="-127"/>
+              <a:ea typeface="나눔스퀘어 Bold" panose="020B0600000101010101" pitchFamily="50" charset="-127"/>
+            </a:endParaRPr>
+          </a:p>
+        </p:txBody>
+      </p:sp>
+      <p:pic>
+        <p:nvPicPr>
+          <p:cNvPr id="1042" name="Picture 18" descr="클라우드란"/>
+          <p:cNvPicPr>
+            <a:picLocks noChangeAspect="1" noChangeArrowheads="1"/>
+          </p:cNvPicPr>
+          <p:nvPr/>
+        </p:nvPicPr>
+        <p:blipFill>
+          <a:blip r:embed="rId8">
+            <a:extLst>
+              <a:ext uri="{28A0092B-C50C-407E-A947-70E740481C1C}">
+                <a14:useLocalDpi xmlns:a14="http://schemas.microsoft.com/office/drawing/2010/main" val="0"/>
+              </a:ext>
+            </a:extLst>
+          </a:blip>
+          <a:srcRect/>
+          <a:stretch>
+            <a:fillRect/>
+          </a:stretch>
+        </p:blipFill>
+        <p:spPr bwMode="auto">
+          <a:xfrm>
+            <a:off x="6677025" y="7606794"/>
+            <a:ext cx="3608911" cy="2394457"/>
+          </a:xfrm>
+          <a:prstGeom prst="rect">
+            <a:avLst/>
+          </a:prstGeom>
+          <a:noFill/>
+          <a:extLst>
+            <a:ext uri="{909E8E84-426E-40DD-AFC4-6F175D3DCCD1}">
+              <a14:hiddenFill xmlns:a14="http://schemas.microsoft.com/office/drawing/2010/main">
+                <a:solidFill>
+                  <a:srgbClr val="FFFFFF"/>
+                </a:solidFill>
+              </a14:hiddenFill>
+            </a:ext>
+          </a:extLst>
+        </p:spPr>
+      </p:pic>
+      <p:pic>
+        <p:nvPicPr>
+          <p:cNvPr id="1044" name="Picture 20" descr="아트인사이트 – [Opinion] 4차 산업혁명을 이끄는 웨어러블 디바이스 [문화 전반]"/>
+          <p:cNvPicPr>
+            <a:picLocks noChangeAspect="1" noChangeArrowheads="1"/>
+          </p:cNvPicPr>
+          <p:nvPr/>
+        </p:nvPicPr>
+        <p:blipFill>
+          <a:blip r:embed="rId9">
+            <a:extLst>
+              <a:ext uri="{28A0092B-C50C-407E-A947-70E740481C1C}">
+                <a14:useLocalDpi xmlns:a14="http://schemas.microsoft.com/office/drawing/2010/main" val="0"/>
+              </a:ext>
+            </a:extLst>
+          </a:blip>
+          <a:srcRect/>
+          <a:stretch>
+            <a:fillRect/>
+          </a:stretch>
+        </p:blipFill>
+        <p:spPr bwMode="auto">
+          <a:xfrm>
+            <a:off x="11603940" y="7376826"/>
+            <a:ext cx="4800600" cy="2742161"/>
+          </a:xfrm>
+          <a:prstGeom prst="rect">
+            <a:avLst/>
+          </a:prstGeom>
+          <a:noFill/>
+          <a:extLst>
+            <a:ext uri="{909E8E84-426E-40DD-AFC4-6F175D3DCCD1}">
+              <a14:hiddenFill xmlns:a14="http://schemas.microsoft.com/office/drawing/2010/main">
+                <a:solidFill>
+                  <a:srgbClr val="FFFFFF"/>
+                </a:solidFill>
+              </a14:hiddenFill>
+            </a:ext>
+          </a:extLst>
+        </p:spPr>
+      </p:pic>
+      <p:pic>
+        <p:nvPicPr>
+          <p:cNvPr id="24" name="Picture 6" descr="무료 화살표이미지 : ppt에 유용하게 쓰이는 이미지 모음 (PNG/PSD) : 네이버 블로그"/>
+          <p:cNvPicPr>
+            <a:picLocks noChangeAspect="1" noChangeArrowheads="1"/>
+          </p:cNvPicPr>
+          <p:nvPr/>
+        </p:nvPicPr>
+        <p:blipFill>
+          <a:blip r:embed="rId6" cstate="print">
+            <a:biLevel thresh="75000"/>
+            <a:extLst>
+              <a:ext uri="{28A0092B-C50C-407E-A947-70E740481C1C}">
+                <a14:useLocalDpi xmlns:a14="http://schemas.microsoft.com/office/drawing/2010/main" val="0"/>
+              </a:ext>
+            </a:extLst>
+          </a:blip>
+          <a:srcRect/>
+          <a:stretch>
+            <a:fillRect/>
+          </a:stretch>
+        </p:blipFill>
+        <p:spPr bwMode="auto">
+          <a:xfrm>
+            <a:off x="10741456" y="7983162"/>
+            <a:ext cx="764745" cy="764745"/>
+          </a:xfrm>
+          <a:prstGeom prst="rect">
+            <a:avLst/>
+          </a:prstGeom>
+          <a:noFill/>
+          <a:extLst>
+            <a:ext uri="{909E8E84-426E-40DD-AFC4-6F175D3DCCD1}">
+              <a14:hiddenFill xmlns:a14="http://schemas.microsoft.com/office/drawing/2010/main">
+                <a:solidFill>
+                  <a:srgbClr val="FFFFFF"/>
+                </a:solidFill>
+              </a14:hiddenFill>
+            </a:ext>
+          </a:extLst>
+        </p:spPr>
+      </p:pic>
+      <p:pic>
+        <p:nvPicPr>
+          <p:cNvPr id="25" name="Picture 6" descr="무료 화살표이미지 : ppt에 유용하게 쓰이는 이미지 모음 (PNG/PSD) : 네이버 블로그"/>
+          <p:cNvPicPr>
+            <a:picLocks noChangeAspect="1" noChangeArrowheads="1"/>
+          </p:cNvPicPr>
+          <p:nvPr/>
+        </p:nvPicPr>
+        <p:blipFill>
+          <a:blip r:embed="rId6" cstate="print">
+            <a:biLevel thresh="75000"/>
+            <a:extLst>
+              <a:ext uri="{28A0092B-C50C-407E-A947-70E740481C1C}">
+                <a14:useLocalDpi xmlns:a14="http://schemas.microsoft.com/office/drawing/2010/main" val="0"/>
+              </a:ext>
+            </a:extLst>
+          </a:blip>
+          <a:srcRect/>
+          <a:stretch>
+            <a:fillRect/>
+          </a:stretch>
+        </p:blipFill>
+        <p:spPr bwMode="auto">
+          <a:xfrm rot="10800000">
+            <a:off x="10704196" y="8341154"/>
+            <a:ext cx="764745" cy="764745"/>
+          </a:xfrm>
+          <a:prstGeom prst="rect">
+            <a:avLst/>
+          </a:prstGeom>
+          <a:noFill/>
+          <a:extLst>
+            <a:ext uri="{909E8E84-426E-40DD-AFC4-6F175D3DCCD1}">
+              <a14:hiddenFill xmlns:a14="http://schemas.microsoft.com/office/drawing/2010/main">
+                <a:solidFill>
+                  <a:srgbClr val="FFFFFF"/>
+                </a:solidFill>
+              </a14:hiddenFill>
+            </a:ext>
+          </a:extLst>
+        </p:spPr>
+      </p:pic>
+      <p:pic>
+        <p:nvPicPr>
+          <p:cNvPr id="26" name="Picture 6" descr="무료 화살표이미지 : ppt에 유용하게 쓰이는 이미지 모음 (PNG/PSD) : 네이버 블로그"/>
+          <p:cNvPicPr>
+            <a:picLocks noChangeAspect="1" noChangeArrowheads="1"/>
+          </p:cNvPicPr>
+          <p:nvPr/>
+        </p:nvPicPr>
+        <p:blipFill>
+          <a:blip r:embed="rId6" cstate="print">
+            <a:biLevel thresh="75000"/>
+            <a:extLst>
+              <a:ext uri="{28A0092B-C50C-407E-A947-70E740481C1C}">
+                <a14:useLocalDpi xmlns:a14="http://schemas.microsoft.com/office/drawing/2010/main" val="0"/>
+              </a:ext>
+            </a:extLst>
+          </a:blip>
+          <a:srcRect/>
+          <a:stretch>
+            <a:fillRect/>
+          </a:stretch>
+        </p:blipFill>
+        <p:spPr bwMode="auto">
+          <a:xfrm>
+            <a:off x="5904661" y="7983163"/>
+            <a:ext cx="764745" cy="764745"/>
+          </a:xfrm>
+          <a:prstGeom prst="rect">
+            <a:avLst/>
+          </a:prstGeom>
+          <a:noFill/>
+          <a:extLst>
+            <a:ext uri="{909E8E84-426E-40DD-AFC4-6F175D3DCCD1}">
+              <a14:hiddenFill xmlns:a14="http://schemas.microsoft.com/office/drawing/2010/main">
+                <a:solidFill>
+                  <a:srgbClr val="FFFFFF"/>
+                </a:solidFill>
+              </a14:hiddenFill>
+            </a:ext>
+          </a:extLst>
+        </p:spPr>
+      </p:pic>
+      <p:pic>
+        <p:nvPicPr>
+          <p:cNvPr id="27" name="Picture 6" descr="무료 화살표이미지 : ppt에 유용하게 쓰이는 이미지 모음 (PNG/PSD) : 네이버 블로그"/>
+          <p:cNvPicPr>
+            <a:picLocks noChangeAspect="1" noChangeArrowheads="1"/>
+          </p:cNvPicPr>
+          <p:nvPr/>
+        </p:nvPicPr>
+        <p:blipFill>
+          <a:blip r:embed="rId6" cstate="print">
+            <a:biLevel thresh="75000"/>
+            <a:extLst>
+              <a:ext uri="{28A0092B-C50C-407E-A947-70E740481C1C}">
+                <a14:useLocalDpi xmlns:a14="http://schemas.microsoft.com/office/drawing/2010/main" val="0"/>
+              </a:ext>
+            </a:extLst>
+          </a:blip>
+          <a:srcRect/>
+          <a:stretch>
+            <a:fillRect/>
+          </a:stretch>
+        </p:blipFill>
+        <p:spPr bwMode="auto">
+          <a:xfrm rot="10800000">
+            <a:off x="5867401" y="8341155"/>
+            <a:ext cx="764745" cy="764745"/>
+          </a:xfrm>
+          <a:prstGeom prst="rect">
+            <a:avLst/>
+          </a:prstGeom>
+          <a:noFill/>
+          <a:extLst>
+            <a:ext uri="{909E8E84-426E-40DD-AFC4-6F175D3DCCD1}">
+              <a14:hiddenFill xmlns:a14="http://schemas.microsoft.com/office/drawing/2010/main">
+                <a:solidFill>
+                  <a:srgbClr val="FFFFFF"/>
+                </a:solidFill>
+              </a14:hiddenFill>
+            </a:ext>
+          </a:extLst>
+        </p:spPr>
+      </p:pic>
+      <p:pic>
+        <p:nvPicPr>
+          <p:cNvPr id="1046" name="Picture 22" descr="데이터 분석의 유형 6가지 - 목적에 따라 달라지는 분석 방법 - DODOMIRA"/>
+          <p:cNvPicPr>
+            <a:picLocks noChangeAspect="1" noChangeArrowheads="1"/>
+          </p:cNvPicPr>
+          <p:nvPr/>
+        </p:nvPicPr>
+        <p:blipFill>
+          <a:blip r:embed="rId10">
+            <a:extLst>
+              <a:ext uri="{28A0092B-C50C-407E-A947-70E740481C1C}">
+                <a14:useLocalDpi xmlns:a14="http://schemas.microsoft.com/office/drawing/2010/main" val="0"/>
+              </a:ext>
+            </a:extLst>
+          </a:blip>
+          <a:srcRect/>
+          <a:stretch>
+            <a:fillRect/>
+          </a:stretch>
+        </p:blipFill>
+        <p:spPr bwMode="auto">
+          <a:xfrm>
+            <a:off x="14004240" y="4987521"/>
+            <a:ext cx="2895287" cy="2140758"/>
+          </a:xfrm>
+          <a:prstGeom prst="rect">
+            <a:avLst/>
+          </a:prstGeom>
+          <a:noFill/>
+          <a:extLst>
+            <a:ext uri="{909E8E84-426E-40DD-AFC4-6F175D3DCCD1}">
+              <a14:hiddenFill xmlns:a14="http://schemas.microsoft.com/office/drawing/2010/main">
+                <a:solidFill>
+                  <a:srgbClr val="FFFFFF"/>
+                </a:solidFill>
+              </a14:hiddenFill>
+            </a:ext>
+          </a:extLst>
+        </p:spPr>
+      </p:pic>
+      <p:sp>
+        <p:nvSpPr>
+          <p:cNvPr id="6" name="직사각형 5"/>
+          <p:cNvSpPr/>
+          <p:nvPr/>
+        </p:nvSpPr>
+        <p:spPr>
+          <a:xfrm>
+            <a:off x="2952716" y="9910254"/>
+            <a:ext cx="1292341" cy="369332"/>
+          </a:xfrm>
+          <a:prstGeom prst="rect">
+            <a:avLst/>
+          </a:prstGeom>
+        </p:spPr>
+        <p:txBody>
+          <a:bodyPr wrap="none">
+            <a:spAutoFit/>
+          </a:bodyPr>
+          <a:lstStyle/>
+          <a:p>
+            <a:r>
+              <a:rPr lang="ko-KR" altLang="en-US" dirty="0" smtClean="0">
+                <a:latin typeface="나눔스퀘어 Bold" panose="020B0600000101010101" pitchFamily="50" charset="-127"/>
+                <a:ea typeface="나눔스퀘어 Bold" panose="020B0600000101010101" pitchFamily="50" charset="-127"/>
+              </a:rPr>
+              <a:t>비대면 진료</a:t>
+            </a:r>
+            <a:endParaRPr lang="ko-KR" altLang="en-US" dirty="0">
+              <a:latin typeface="나눔스퀘어 Bold" panose="020B0600000101010101" pitchFamily="50" charset="-127"/>
+              <a:ea typeface="나눔스퀘어 Bold" panose="020B0600000101010101" pitchFamily="50" charset="-127"/>
+            </a:endParaRPr>
+          </a:p>
+        </p:txBody>
+      </p:sp>
+      <p:sp>
+        <p:nvSpPr>
+          <p:cNvPr id="31" name="직사각형 30"/>
+          <p:cNvSpPr/>
+          <p:nvPr/>
+        </p:nvSpPr>
+        <p:spPr>
+          <a:xfrm>
+            <a:off x="7966961" y="9867900"/>
+            <a:ext cx="1024639" cy="369332"/>
+          </a:xfrm>
+          <a:prstGeom prst="rect">
+            <a:avLst/>
+          </a:prstGeom>
+        </p:spPr>
+        <p:txBody>
+          <a:bodyPr wrap="none">
+            <a:spAutoFit/>
+          </a:bodyPr>
+          <a:lstStyle/>
+          <a:p>
+            <a:r>
+              <a:rPr lang="ko-KR" altLang="en-US" dirty="0" err="1" smtClean="0">
+                <a:latin typeface="나눔스퀘어 Bold" panose="020B0600000101010101" pitchFamily="50" charset="-127"/>
+                <a:ea typeface="나눔스퀘어 Bold" panose="020B0600000101010101" pitchFamily="50" charset="-127"/>
+              </a:rPr>
+              <a:t>클라우드</a:t>
+            </a:r>
+            <a:endParaRPr lang="en-US" altLang="ko-KR" dirty="0" smtClean="0">
+              <a:latin typeface="나눔스퀘어 Bold" panose="020B0600000101010101" pitchFamily="50" charset="-127"/>
+              <a:ea typeface="나눔스퀘어 Bold" panose="020B0600000101010101" pitchFamily="50" charset="-127"/>
+            </a:endParaRPr>
+          </a:p>
+        </p:txBody>
+      </p:sp>
+      <p:sp>
+        <p:nvSpPr>
+          <p:cNvPr id="32" name="직사각형 31"/>
+          <p:cNvSpPr/>
+          <p:nvPr/>
+        </p:nvSpPr>
+        <p:spPr>
+          <a:xfrm>
+            <a:off x="13030200" y="9910254"/>
+            <a:ext cx="1922321" cy="369332"/>
+          </a:xfrm>
+          <a:prstGeom prst="rect">
+            <a:avLst/>
+          </a:prstGeom>
+        </p:spPr>
+        <p:txBody>
+          <a:bodyPr wrap="none">
+            <a:spAutoFit/>
+          </a:bodyPr>
+          <a:lstStyle/>
+          <a:p>
+            <a:r>
+              <a:rPr lang="ko-KR" altLang="en-US" err="1" smtClean="0">
+                <a:latin typeface="나눔스퀘어 Bold" panose="020B0600000101010101" pitchFamily="50" charset="-127"/>
+                <a:ea typeface="나눔스퀘어 Bold" panose="020B0600000101010101" pitchFamily="50" charset="-127"/>
+              </a:rPr>
+              <a:t>웨어러블</a:t>
+            </a:r>
+            <a:r>
+              <a:rPr lang="ko-KR" altLang="en-US" dirty="0" smtClean="0">
+                <a:latin typeface="나눔스퀘어 Bold" panose="020B0600000101010101" pitchFamily="50" charset="-127"/>
+                <a:ea typeface="나눔스퀘어 Bold" panose="020B0600000101010101" pitchFamily="50" charset="-127"/>
+              </a:rPr>
+              <a:t> 디바이스</a:t>
+            </a:r>
+            <a:endParaRPr lang="en-US" altLang="ko-KR" dirty="0" smtClean="0">
+              <a:latin typeface="나눔스퀘어 Bold" panose="020B0600000101010101" pitchFamily="50" charset="-127"/>
+              <a:ea typeface="나눔스퀘어 Bold" panose="020B0600000101010101" pitchFamily="50" charset="-127"/>
             </a:endParaRPr>
           </a:p>
         </p:txBody>
@@ -5431,6 +6316,13 @@
   <p:clrMapOvr>
     <a:masterClrMapping/>
   </p:clrMapOvr>
+  <p:timing>
+    <p:tnLst>
+      <p:par>
+        <p:cTn id="1" dur="indefinite" restart="never" nodeType="tmRoot"/>
+      </p:par>
+    </p:tnLst>
+  </p:timing>
 </p:sld>
 </file>
 
@@ -5579,19 +6471,8 @@
                 <a:latin typeface="나눔스퀘어" panose="020B0600000101010101" pitchFamily="50" charset="-127"/>
                 <a:ea typeface="나눔스퀘어" panose="020B0600000101010101" pitchFamily="50" charset="-127"/>
               </a:rPr>
-              <a:t>는 삼육서울병원 등의 대형 의료기관 솔루션 </a:t>
-            </a:r>
-            <a:r>
-              <a:rPr lang="ko-KR" altLang="en-US" sz="3000">
-                <a:latin typeface="나눔스퀘어" panose="020B0600000101010101" pitchFamily="50" charset="-127"/>
-                <a:ea typeface="나눔스퀘어" panose="020B0600000101010101" pitchFamily="50" charset="-127"/>
-              </a:rPr>
-              <a:t>제공 경험 有</a:t>
-            </a:r>
-            <a:endParaRPr lang="ko-KR" altLang="en-US" sz="3000" dirty="0">
-              <a:latin typeface="나눔스퀘어" panose="020B0600000101010101" pitchFamily="50" charset="-127"/>
-              <a:ea typeface="나눔스퀘어" panose="020B0600000101010101" pitchFamily="50" charset="-127"/>
-            </a:endParaRPr>
+              <a:t>는 삼육서울병원 등의 대형 의료기관 솔루션 제공 경험 有</a:t>
+            </a:r>
           </a:p>
         </p:txBody>
       </p:sp>
@@ -5657,30 +6538,33 @@
           <a:lstStyle/>
           <a:p>
             <a:r>
-              <a:rPr lang="ko-KR" altLang="en-US" sz="5000">
-                <a:latin typeface="나눔스퀘어" panose="020B0600000101010101" pitchFamily="50" charset="-127"/>
-                <a:ea typeface="나눔스퀘어" panose="020B0600000101010101" pitchFamily="50" charset="-127"/>
-              </a:rPr>
-              <a:t>기대효과 </a:t>
-            </a:r>
-            <a:r>
-              <a:rPr lang="en-US" altLang="ko-KR" sz="5000">
-                <a:latin typeface="나눔스퀘어" panose="020B0600000101010101" pitchFamily="50" charset="-127"/>
-                <a:ea typeface="나눔스퀘어" panose="020B0600000101010101" pitchFamily="50" charset="-127"/>
-              </a:rPr>
-              <a:t>: NDS</a:t>
-            </a:r>
-            <a:r>
-              <a:rPr lang="ko-KR" altLang="en-US" sz="5000">
+              <a:rPr lang="en-US" altLang="ko-KR" sz="5000" dirty="0" smtClean="0">
+                <a:latin typeface="나눔스퀘어" panose="020B0600000101010101" pitchFamily="50" charset="-127"/>
+                <a:ea typeface="나눔스퀘어" panose="020B0600000101010101" pitchFamily="50" charset="-127"/>
+              </a:rPr>
+              <a:t>FUTURE</a:t>
+            </a:r>
+            <a:r>
+              <a:rPr lang="en-US" altLang="ko-KR" sz="5000" dirty="0" smtClean="0">
+                <a:latin typeface="나눔스퀘어" panose="020B0600000101010101" pitchFamily="50" charset="-127"/>
+                <a:ea typeface="나눔스퀘어" panose="020B0600000101010101" pitchFamily="50" charset="-127"/>
+              </a:rPr>
+              <a:t>: </a:t>
+            </a:r>
+            <a:r>
+              <a:rPr lang="en-US" altLang="ko-KR" sz="5000" dirty="0">
+                <a:latin typeface="나눔스퀘어" panose="020B0600000101010101" pitchFamily="50" charset="-127"/>
+                <a:ea typeface="나눔스퀘어" panose="020B0600000101010101" pitchFamily="50" charset="-127"/>
+              </a:rPr>
+              <a:t>NDS</a:t>
+            </a:r>
+            <a:r>
+              <a:rPr lang="ko-KR" altLang="en-US" sz="5000" dirty="0">
                 <a:latin typeface="나눔스퀘어" panose="020B0600000101010101" pitchFamily="50" charset="-127"/>
                 <a:ea typeface="나눔스퀘어" panose="020B0600000101010101" pitchFamily="50" charset="-127"/>
               </a:rPr>
               <a:t>의 역량 및 신사업의 전망</a:t>
             </a:r>
-            <a:endParaRPr lang="ko-KR" altLang="en-US" sz="5000" dirty="0">
-              <a:latin typeface="나눔스퀘어" panose="020B0600000101010101" pitchFamily="50" charset="-127"/>
-              <a:ea typeface="나눔스퀘어" panose="020B0600000101010101" pitchFamily="50" charset="-127"/>
-            </a:endParaRPr>
           </a:p>
         </p:txBody>
       </p:sp>
@@ -5707,18 +6591,11 @@
           <a:lstStyle/>
           <a:p>
             <a:r>
-              <a:rPr lang="ko-KR" altLang="en-US" sz="3000">
-                <a:latin typeface="나눔스퀘어" panose="020B0600000101010101" pitchFamily="50" charset="-127"/>
-                <a:ea typeface="나눔스퀘어" panose="020B0600000101010101" pitchFamily="50" charset="-127"/>
-              </a:rPr>
-              <a:t>원격 의료 분야는 </a:t>
-            </a:r>
-            <a:r>
               <a:rPr lang="ko-KR" altLang="en-US" sz="3000" dirty="0">
                 <a:latin typeface="나눔스퀘어" panose="020B0600000101010101" pitchFamily="50" charset="-127"/>
                 <a:ea typeface="나눔스퀘어" panose="020B0600000101010101" pitchFamily="50" charset="-127"/>
               </a:rPr>
-              <a:t>아직 법적으로 어떠한 규제</a:t>
+              <a:t>원격 의료 분야는 아직 법적으로 어떠한 규제</a:t>
             </a:r>
             <a:r>
               <a:rPr lang="en-US" altLang="ko-KR" sz="3000" dirty="0">
@@ -5774,49 +6651,35 @@
           <a:lstStyle/>
           <a:p>
             <a:r>
-              <a:rPr lang="en-US" altLang="ko-KR" sz="3000">
+              <a:rPr lang="en-US" altLang="ko-KR" sz="3000" dirty="0">
                 <a:latin typeface="나눔스퀘어" panose="020B0600000101010101" pitchFamily="50" charset="-127"/>
                 <a:ea typeface="나눔스퀘어" panose="020B0600000101010101" pitchFamily="50" charset="-127"/>
               </a:rPr>
               <a:t>But </a:t>
             </a:r>
             <a:r>
-              <a:rPr lang="ko-KR" altLang="en-US" sz="3000">
+              <a:rPr lang="ko-KR" altLang="en-US" sz="3000" dirty="0">
                 <a:latin typeface="나눔스퀘어" panose="020B0600000101010101" pitchFamily="50" charset="-127"/>
                 <a:ea typeface="나눔스퀘어" panose="020B0600000101010101" pitchFamily="50" charset="-127"/>
               </a:rPr>
               <a:t>현재 의학</a:t>
             </a:r>
             <a:r>
-              <a:rPr lang="en-US" altLang="ko-KR" sz="3000">
+              <a:rPr lang="en-US" altLang="ko-KR" sz="3000" dirty="0">
                 <a:latin typeface="나눔스퀘어" panose="020B0600000101010101" pitchFamily="50" charset="-127"/>
                 <a:ea typeface="나눔스퀘어" panose="020B0600000101010101" pitchFamily="50" charset="-127"/>
               </a:rPr>
               <a:t>, </a:t>
             </a:r>
             <a:r>
-              <a:rPr lang="ko-KR" altLang="en-US" sz="3000">
-                <a:latin typeface="나눔스퀘어" panose="020B0600000101010101" pitchFamily="50" charset="-127"/>
-                <a:ea typeface="나눔스퀘어" panose="020B0600000101010101" pitchFamily="50" charset="-127"/>
-              </a:rPr>
-              <a:t>정치계에서 </a:t>
-            </a:r>
-            <a:r>
               <a:rPr lang="ko-KR" altLang="en-US" sz="3000" dirty="0">
                 <a:latin typeface="나눔스퀘어" panose="020B0600000101010101" pitchFamily="50" charset="-127"/>
                 <a:ea typeface="나눔스퀘어" panose="020B0600000101010101" pitchFamily="50" charset="-127"/>
               </a:rPr>
-              <a:t>이에 대한 </a:t>
-            </a:r>
-            <a:r>
-              <a:rPr lang="ko-KR" altLang="en-US" sz="3000">
-                <a:latin typeface="나눔스퀘어" panose="020B0600000101010101" pitchFamily="50" charset="-127"/>
-                <a:ea typeface="나눔스퀘어" panose="020B0600000101010101" pitchFamily="50" charset="-127"/>
-              </a:rPr>
-              <a:t>많은 이야기가 진행중</a:t>
-            </a:r>
-            <a:r>
-              <a:rPr lang="en-US" altLang="ko-KR" sz="3000">
+              <a:t>정치계에서 이에 대한 많은 이야기가 진행중</a:t>
+            </a:r>
+            <a:r>
+              <a:rPr lang="en-US" altLang="ko-KR" sz="3000" dirty="0">
                 <a:latin typeface="나눔스퀘어" panose="020B0600000101010101" pitchFamily="50" charset="-127"/>
                 <a:ea typeface="나눔스퀘어" panose="020B0600000101010101" pitchFamily="50" charset="-127"/>
               </a:rPr>
@@ -5858,14 +6721,14 @@
           <a:lstStyle/>
           <a:p>
             <a:r>
-              <a:rPr lang="ko-KR" altLang="en-US" sz="3000">
+              <a:rPr lang="ko-KR" altLang="en-US" sz="3000" dirty="0">
                 <a:latin typeface="나눔스퀘어" panose="020B0600000101010101" pitchFamily="50" charset="-127"/>
                 <a:ea typeface="나눔스퀘어" panose="020B0600000101010101" pitchFamily="50" charset="-127"/>
               </a:rPr>
               <a:t>원격 의료 서비스에 대한 준비를 통해 새로운 사업에서 </a:t>
             </a:r>
             <a:r>
-              <a:rPr lang="ko-KR" altLang="en-US" sz="3000">
+              <a:rPr lang="ko-KR" altLang="en-US" sz="3000" dirty="0">
                 <a:solidFill>
                   <a:srgbClr val="FF0000"/>
                 </a:solidFill>
@@ -5874,7 +6737,7 @@
               </a:rPr>
               <a:t>경쟁력을 갖출 수 있을 것</a:t>
             </a:r>
-            <a:endParaRPr lang="ko-KR" altLang="en-US" sz="3000">
+            <a:endParaRPr lang="ko-KR" altLang="en-US" sz="3000" dirty="0">
               <a:solidFill>
                 <a:srgbClr val="FF0000"/>
               </a:solidFill>
@@ -6201,63 +7064,63 @@
           <a:lstStyle/>
           <a:p>
             <a:r>
-              <a:rPr lang="en-US" altLang="ko-KR" sz="3000">
+              <a:rPr lang="en-US" altLang="ko-KR" sz="3000" dirty="0">
                 <a:latin typeface="나눔스퀘어" panose="020B0600000101010101" pitchFamily="50" charset="-127"/>
                 <a:ea typeface="나눔스퀘어" panose="020B0600000101010101" pitchFamily="50" charset="-127"/>
               </a:rPr>
               <a:t>NDS</a:t>
             </a:r>
             <a:r>
-              <a:rPr lang="ko-KR" altLang="en-US" sz="3000">
+              <a:rPr lang="ko-KR" altLang="en-US" sz="3000" dirty="0">
                 <a:latin typeface="나눔스퀘어" panose="020B0600000101010101" pitchFamily="50" charset="-127"/>
                 <a:ea typeface="나눔스퀘어" panose="020B0600000101010101" pitchFamily="50" charset="-127"/>
               </a:rPr>
               <a:t>의 경험을 활용</a:t>
             </a:r>
             <a:r>
-              <a:rPr lang="en-US" altLang="ko-KR" sz="3000">
+              <a:rPr lang="en-US" altLang="ko-KR" sz="3000" dirty="0">
                 <a:latin typeface="나눔스퀘어" panose="020B0600000101010101" pitchFamily="50" charset="-127"/>
                 <a:ea typeface="나눔스퀘어" panose="020B0600000101010101" pitchFamily="50" charset="-127"/>
               </a:rPr>
               <a:t>,</a:t>
             </a:r>
             <a:r>
-              <a:rPr lang="ko-KR" altLang="en-US" sz="3000">
+              <a:rPr lang="ko-KR" altLang="en-US" sz="3000" dirty="0">
                 <a:latin typeface="나눔스퀘어" panose="020B0600000101010101" pitchFamily="50" charset="-127"/>
                 <a:ea typeface="나눔스퀘어" panose="020B0600000101010101" pitchFamily="50" charset="-127"/>
               </a:rPr>
               <a:t> 원격 의료 서비스에 </a:t>
             </a:r>
             <a:r>
-              <a:rPr lang="en-US" altLang="ko-KR" sz="3000">
+              <a:rPr lang="en-US" altLang="ko-KR" sz="3000" dirty="0">
                 <a:latin typeface="나눔스퀘어" panose="020B0600000101010101" pitchFamily="50" charset="-127"/>
                 <a:ea typeface="나눔스퀘어" panose="020B0600000101010101" pitchFamily="50" charset="-127"/>
               </a:rPr>
               <a:t>NDS</a:t>
             </a:r>
             <a:r>
-              <a:rPr lang="ko-KR" altLang="en-US" sz="3000">
+              <a:rPr lang="ko-KR" altLang="en-US" sz="3000" dirty="0">
                 <a:latin typeface="나눔스퀘어" panose="020B0600000101010101" pitchFamily="50" charset="-127"/>
                 <a:ea typeface="나눔스퀘어" panose="020B0600000101010101" pitchFamily="50" charset="-127"/>
               </a:rPr>
               <a:t>의 </a:t>
             </a:r>
             <a:r>
-              <a:rPr lang="en-US" altLang="ko-KR" sz="3000">
+              <a:rPr lang="en-US" altLang="ko-KR" sz="3000" dirty="0">
                 <a:latin typeface="나눔스퀘어" panose="020B0600000101010101" pitchFamily="50" charset="-127"/>
                 <a:ea typeface="나눔스퀘어" panose="020B0600000101010101" pitchFamily="50" charset="-127"/>
               </a:rPr>
               <a:t>IT</a:t>
             </a:r>
             <a:r>
-              <a:rPr lang="ko-KR" altLang="en-US" sz="3000">
+              <a:rPr lang="ko-KR" altLang="en-US" sz="3000" dirty="0">
                 <a:latin typeface="나눔스퀘어" panose="020B0600000101010101" pitchFamily="50" charset="-127"/>
                 <a:ea typeface="나눔스퀘어" panose="020B0600000101010101" pitchFamily="50" charset="-127"/>
               </a:rPr>
               <a:t>서비스를 </a:t>
             </a:r>
             <a:r>
-              <a:rPr lang="ko-KR" altLang="en-US" sz="3000">
+              <a:rPr lang="ko-KR" altLang="en-US" sz="3000" dirty="0">
                 <a:solidFill>
                   <a:srgbClr val="FF0000"/>
                 </a:solidFill>
@@ -6266,13 +7129,6 @@
               </a:rPr>
               <a:t>적용 가능</a:t>
             </a:r>
-            <a:endParaRPr lang="ko-KR" altLang="en-US" sz="3000" dirty="0">
-              <a:solidFill>
-                <a:srgbClr val="FF0000"/>
-              </a:solidFill>
-              <a:latin typeface="나눔스퀘어" panose="020B0600000101010101" pitchFamily="50" charset="-127"/>
-              <a:ea typeface="나눔스퀘어" panose="020B0600000101010101" pitchFamily="50" charset="-127"/>
-            </a:endParaRPr>
           </a:p>
         </p:txBody>
       </p:sp>
@@ -6353,6 +7209,13 @@
   <p:clrMapOvr>
     <a:masterClrMapping/>
   </p:clrMapOvr>
+  <p:timing>
+    <p:tnLst>
+      <p:par>
+        <p:cTn id="1" dur="indefinite" restart="never" nodeType="tmRoot"/>
+      </p:par>
+    </p:tnLst>
+  </p:timing>
 </p:sld>
 </file>
 

--- a/공채관련_자료/농심 NDS/NDS 임원 면접 초안2.pptx
+++ b/공채관련_자료/농심 NDS/NDS 임원 면접 초안2.pptx
@@ -211,7 +211,7 @@
           <a:p>
             <a:fld id="{7AD0A586-33AD-4A22-AB3A-05356BC5B499}" type="datetimeFigureOut">
               <a:rPr lang="ko-KR" altLang="en-US" smtClean="0"/>
-              <a:t>2021-11-22</a:t>
+              <a:t>2021-11-23</a:t>
             </a:fld>
             <a:endParaRPr lang="ko-KR" altLang="en-US"/>
           </a:p>
@@ -1211,7 +1211,7 @@
           <a:p>
             <a:fld id="{F8166F1F-CE9B-4651-A6AA-CD717754106B}" type="datetimeFigureOut">
               <a:rPr lang="en-US" smtClean="0"/>
-              <a:t>11/22/2021</a:t>
+              <a:t>11/23/2021</a:t>
             </a:fld>
             <a:endParaRPr lang="en-US"/>
           </a:p>
@@ -1374,7 +1374,7 @@
           <a:p>
             <a:fld id="{A76116CE-C4A3-4A05-B2D7-7C2E9A889C0F}" type="datetimeFigureOut">
               <a:rPr lang="en-US" smtClean="0"/>
-              <a:t>11/22/2021</a:t>
+              <a:t>11/23/2021</a:t>
             </a:fld>
             <a:endParaRPr lang="en-US"/>
           </a:p>
@@ -1547,7 +1547,7 @@
           <a:p>
             <a:fld id="{A76116CE-C4A3-4A05-B2D7-7C2E9A889C0F}" type="datetimeFigureOut">
               <a:rPr lang="en-US" smtClean="0"/>
-              <a:t>11/22/2021</a:t>
+              <a:t>11/23/2021</a:t>
             </a:fld>
             <a:endParaRPr lang="en-US"/>
           </a:p>
@@ -1712,7 +1712,7 @@
           <a:p>
             <a:fld id="{A76116CE-C4A3-4A05-B2D7-7C2E9A889C0F}" type="datetimeFigureOut">
               <a:rPr lang="en-US" smtClean="0"/>
-              <a:t>11/22/2021</a:t>
+              <a:t>11/23/2021</a:t>
             </a:fld>
             <a:endParaRPr lang="en-US"/>
           </a:p>
@@ -1952,7 +1952,7 @@
           <a:p>
             <a:fld id="{A76116CE-C4A3-4A05-B2D7-7C2E9A889C0F}" type="datetimeFigureOut">
               <a:rPr lang="en-US" smtClean="0"/>
-              <a:t>11/22/2021</a:t>
+              <a:t>11/23/2021</a:t>
             </a:fld>
             <a:endParaRPr lang="en-US"/>
           </a:p>
@@ -2232,7 +2232,7 @@
           <a:p>
             <a:fld id="{A76116CE-C4A3-4A05-B2D7-7C2E9A889C0F}" type="datetimeFigureOut">
               <a:rPr lang="en-US" smtClean="0"/>
-              <a:t>11/22/2021</a:t>
+              <a:t>11/23/2021</a:t>
             </a:fld>
             <a:endParaRPr lang="en-US"/>
           </a:p>
@@ -2646,7 +2646,7 @@
           <a:p>
             <a:fld id="{A76116CE-C4A3-4A05-B2D7-7C2E9A889C0F}" type="datetimeFigureOut">
               <a:rPr lang="en-US" smtClean="0"/>
-              <a:t>11/22/2021</a:t>
+              <a:t>11/23/2021</a:t>
             </a:fld>
             <a:endParaRPr lang="en-US"/>
           </a:p>
@@ -2758,7 +2758,7 @@
           <a:p>
             <a:fld id="{A76116CE-C4A3-4A05-B2D7-7C2E9A889C0F}" type="datetimeFigureOut">
               <a:rPr lang="en-US" smtClean="0"/>
-              <a:t>11/22/2021</a:t>
+              <a:t>11/23/2021</a:t>
             </a:fld>
             <a:endParaRPr lang="en-US"/>
           </a:p>
@@ -2848,7 +2848,7 @@
           <a:p>
             <a:fld id="{A76116CE-C4A3-4A05-B2D7-7C2E9A889C0F}" type="datetimeFigureOut">
               <a:rPr lang="en-US" smtClean="0"/>
-              <a:t>11/22/2021</a:t>
+              <a:t>11/23/2021</a:t>
             </a:fld>
             <a:endParaRPr lang="en-US"/>
           </a:p>
@@ -3118,7 +3118,7 @@
           <a:p>
             <a:fld id="{A76116CE-C4A3-4A05-B2D7-7C2E9A889C0F}" type="datetimeFigureOut">
               <a:rPr lang="en-US" smtClean="0"/>
-              <a:t>11/22/2021</a:t>
+              <a:t>11/23/2021</a:t>
             </a:fld>
             <a:endParaRPr lang="en-US"/>
           </a:p>
@@ -3365,7 +3365,7 @@
           <a:p>
             <a:fld id="{A76116CE-C4A3-4A05-B2D7-7C2E9A889C0F}" type="datetimeFigureOut">
               <a:rPr lang="en-US" smtClean="0"/>
-              <a:t>11/22/2021</a:t>
+              <a:t>11/23/2021</a:t>
             </a:fld>
             <a:endParaRPr lang="en-US"/>
           </a:p>
@@ -3571,7 +3571,7 @@
           <a:p>
             <a:fld id="{F8166F1F-CE9B-4651-A6AA-CD717754106B}" type="datetimeFigureOut">
               <a:rPr lang="en-US" smtClean="0"/>
-              <a:t>11/22/2021</a:t>
+              <a:t>11/23/2021</a:t>
             </a:fld>
             <a:endParaRPr lang="en-US"/>
           </a:p>
@@ -4964,8 +4964,8 @@
         </p:nvSpPr>
         <p:spPr>
           <a:xfrm>
-            <a:off x="12411282" y="9367503"/>
-            <a:ext cx="2600118" cy="323165"/>
+            <a:off x="12639882" y="9367503"/>
+            <a:ext cx="2066718" cy="323166"/>
           </a:xfrm>
           <a:prstGeom prst="rect">
             <a:avLst/>
@@ -5615,17 +5615,7 @@
                 <a:latin typeface="나눔스퀘어" panose="020B0600000101010101" pitchFamily="50" charset="-127"/>
                 <a:ea typeface="나눔스퀘어" panose="020B0600000101010101" pitchFamily="50" charset="-127"/>
               </a:rPr>
-              <a:t>가능성이 </a:t>
-            </a:r>
-            <a:r>
-              <a:rPr lang="ko-KR" altLang="en-US" sz="3000" dirty="0" smtClean="0">
-                <a:solidFill>
-                  <a:srgbClr val="222222"/>
-                </a:solidFill>
-                <a:latin typeface="나눔스퀘어" panose="020B0600000101010101" pitchFamily="50" charset="-127"/>
-                <a:ea typeface="나눔스퀘어" panose="020B0600000101010101" pitchFamily="50" charset="-127"/>
-              </a:rPr>
-              <a:t>↑</a:t>
+              <a:t>가능성이 ↑</a:t>
             </a:r>
             <a:endParaRPr lang="ko-KR" altLang="en-US" sz="3000" dirty="0">
               <a:latin typeface="나눔스퀘어" panose="020B0600000101010101" pitchFamily="50" charset="-127"/>
@@ -6542,14 +6532,7 @@
                 <a:latin typeface="나눔스퀘어" panose="020B0600000101010101" pitchFamily="50" charset="-127"/>
                 <a:ea typeface="나눔스퀘어" panose="020B0600000101010101" pitchFamily="50" charset="-127"/>
               </a:rPr>
-              <a:t>FUTURE</a:t>
-            </a:r>
-            <a:r>
-              <a:rPr lang="en-US" altLang="ko-KR" sz="5000" dirty="0" smtClean="0">
-                <a:latin typeface="나눔스퀘어" panose="020B0600000101010101" pitchFamily="50" charset="-127"/>
-                <a:ea typeface="나눔스퀘어" panose="020B0600000101010101" pitchFamily="50" charset="-127"/>
-              </a:rPr>
-              <a:t>: </a:t>
+              <a:t>FUTURE: </a:t>
             </a:r>
             <a:r>
               <a:rPr lang="en-US" altLang="ko-KR" sz="5000" dirty="0">

--- a/공채관련_자료/농심 NDS/NDS 임원 면접 초안2.pptx
+++ b/공채관련_자료/농심 NDS/NDS 임원 면접 초안2.pptx
@@ -774,20 +774,16 @@
             </a:r>
             <a:r>
               <a:rPr lang="ko-KR" altLang="en-US" dirty="0"/>
-              <a:t>영상통화 </a:t>
-            </a:r>
-            <a:r>
-              <a:rPr lang="ko-KR" altLang="en-US" dirty="0" smtClean="0"/>
-              <a:t>등</a:t>
-            </a:r>
-            <a:endParaRPr lang="en-US" altLang="ko-KR" dirty="0" smtClean="0"/>
-          </a:p>
-          <a:p>
-            <a:endParaRPr lang="en-US" altLang="ko-KR" dirty="0" smtClean="0"/>
-          </a:p>
-          <a:p>
-            <a:r>
-              <a:rPr lang="ko-KR" altLang="en-US" sz="1200" dirty="0" smtClean="0">
+              <a:t>영상통화 등</a:t>
+            </a:r>
+            <a:endParaRPr lang="en-US" altLang="ko-KR" dirty="0"/>
+          </a:p>
+          <a:p>
+            <a:endParaRPr lang="en-US" altLang="ko-KR" dirty="0"/>
+          </a:p>
+          <a:p>
+            <a:r>
+              <a:rPr lang="ko-KR" altLang="en-US" sz="1200" dirty="0">
                 <a:solidFill>
                   <a:srgbClr val="222222"/>
                 </a:solidFill>
@@ -797,7 +793,7 @@
               <a:t>고혈압</a:t>
             </a:r>
             <a:r>
-              <a:rPr lang="en-US" altLang="ko-KR" sz="1200" dirty="0" smtClean="0">
+              <a:rPr lang="en-US" altLang="ko-KR" sz="1200" dirty="0">
                 <a:solidFill>
                   <a:srgbClr val="222222"/>
                 </a:solidFill>
@@ -807,7 +803,7 @@
               <a:t>, </a:t>
             </a:r>
             <a:r>
-              <a:rPr lang="ko-KR" altLang="en-US" sz="1200" dirty="0" smtClean="0">
+              <a:rPr lang="ko-KR" altLang="en-US" sz="1200" dirty="0">
                 <a:solidFill>
                   <a:srgbClr val="222222"/>
                 </a:solidFill>
@@ -817,7 +813,7 @@
               <a:t>당뇨 등 만성질환관리 등은 현재 한시적으로 허용된 사례가 있음</a:t>
             </a:r>
             <a:r>
-              <a:rPr lang="en-US" altLang="ko-KR" sz="1200" dirty="0" smtClean="0">
+              <a:rPr lang="en-US" altLang="ko-KR" sz="1200" dirty="0">
                 <a:solidFill>
                   <a:srgbClr val="222222"/>
                 </a:solidFill>
@@ -829,7 +825,7 @@
           </a:p>
           <a:p>
             <a:r>
-              <a:rPr lang="ko-KR" altLang="en-US" sz="1200" dirty="0" smtClean="0">
+              <a:rPr lang="ko-KR" altLang="en-US" sz="1200" dirty="0">
                 <a:solidFill>
                   <a:srgbClr val="222222"/>
                 </a:solidFill>
@@ -839,7 +835,7 @@
               <a:t>의료수요자가 가지고 있는 </a:t>
             </a:r>
             <a:r>
-              <a:rPr lang="ko-KR" altLang="en-US" sz="1200" dirty="0" err="1" smtClean="0">
+              <a:rPr lang="ko-KR" altLang="en-US" sz="1200" dirty="0" err="1">
                 <a:solidFill>
                   <a:srgbClr val="222222"/>
                 </a:solidFill>
@@ -849,7 +845,7 @@
               <a:t>웨어러블기기</a:t>
             </a:r>
             <a:r>
-              <a:rPr lang="en-US" altLang="ko-KR" sz="1200" dirty="0" smtClean="0">
+              <a:rPr lang="en-US" altLang="ko-KR" sz="1200" dirty="0">
                 <a:solidFill>
                   <a:srgbClr val="222222"/>
                 </a:solidFill>
@@ -859,7 +855,7 @@
               <a:t>, IOT </a:t>
             </a:r>
             <a:r>
-              <a:rPr lang="ko-KR" altLang="en-US" sz="1200" dirty="0" smtClean="0">
+              <a:rPr lang="ko-KR" altLang="en-US" sz="1200" dirty="0">
                 <a:solidFill>
                   <a:srgbClr val="222222"/>
                 </a:solidFill>
@@ -868,7 +864,7 @@
               </a:rPr>
               <a:t>서비스와 의료공급자 사이를 연결하는 서비스 구축</a:t>
             </a:r>
-            <a:endParaRPr lang="en-US" altLang="ko-KR" sz="1200" dirty="0" smtClean="0">
+            <a:endParaRPr lang="en-US" altLang="ko-KR" sz="1200" dirty="0">
               <a:solidFill>
                 <a:srgbClr val="222222"/>
               </a:solidFill>
@@ -4210,14 +4206,14 @@
           </a:p>
           <a:p>
             <a:r>
-              <a:rPr lang="ko-KR" altLang="en-US" sz="4000" dirty="0" smtClean="0">
+              <a:rPr lang="ko-KR" altLang="en-US" sz="4000" dirty="0">
                 <a:latin typeface="나눔스퀘어" panose="020B0600000101010101" pitchFamily="50" charset="-127"/>
                 <a:ea typeface="나눔스퀘어" panose="020B0600000101010101" pitchFamily="50" charset="-127"/>
               </a:rPr>
               <a:t>지원자 </a:t>
             </a:r>
             <a:r>
-              <a:rPr lang="ko-KR" altLang="en-US" sz="4000" b="1" dirty="0" smtClean="0">
+              <a:rPr lang="ko-KR" altLang="en-US" sz="4000" b="1" dirty="0">
                 <a:latin typeface="나눔스퀘어" panose="020B0600000101010101" pitchFamily="50" charset="-127"/>
                 <a:ea typeface="나눔스퀘어" panose="020B0600000101010101" pitchFamily="50" charset="-127"/>
               </a:rPr>
@@ -4321,13 +4317,6 @@
   <p:clrMapOvr>
     <a:masterClrMapping/>
   </p:clrMapOvr>
-  <p:timing>
-    <p:tnLst>
-      <p:par>
-        <p:cTn id="1" dur="indefinite" restart="never" nodeType="tmRoot"/>
-      </p:par>
-    </p:tnLst>
-  </p:timing>
 </p:sld>
 </file>
 
@@ -5215,13 +5204,6 @@
   <p:clrMapOvr>
     <a:masterClrMapping/>
   </p:clrMapOvr>
-  <p:timing>
-    <p:tnLst>
-      <p:par>
-        <p:cTn id="1" dur="indefinite" restart="never" nodeType="tmRoot"/>
-      </p:par>
-    </p:tnLst>
-  </p:timing>
 </p:sld>
 </file>
 
@@ -5371,37 +5353,19 @@
           <a:lstStyle/>
           <a:p>
             <a:r>
-              <a:rPr lang="en-US" altLang="ko-KR" sz="5000" dirty="0" smtClean="0">
-                <a:latin typeface="나눔스퀘어" panose="020B0600000101010101" pitchFamily="50" charset="-127"/>
-                <a:ea typeface="나눔스퀘어" panose="020B0600000101010101" pitchFamily="50" charset="-127"/>
-              </a:rPr>
-              <a:t>HOW </a:t>
-            </a:r>
-            <a:r>
               <a:rPr lang="en-US" altLang="ko-KR" sz="5000" dirty="0">
                 <a:latin typeface="나눔스퀘어" panose="020B0600000101010101" pitchFamily="50" charset="-127"/>
                 <a:ea typeface="나눔스퀘어" panose="020B0600000101010101" pitchFamily="50" charset="-127"/>
               </a:rPr>
-              <a:t>: </a:t>
+              <a:t>HOW : </a:t>
             </a:r>
             <a:r>
               <a:rPr lang="ko-KR" altLang="en-US" sz="5000" dirty="0">
                 <a:latin typeface="나눔스퀘어" panose="020B0600000101010101" pitchFamily="50" charset="-127"/>
                 <a:ea typeface="나눔스퀘어" panose="020B0600000101010101" pitchFamily="50" charset="-127"/>
               </a:rPr>
-              <a:t>원격의료의 정의 </a:t>
-            </a:r>
-            <a:r>
-              <a:rPr lang="ko-KR" altLang="en-US" sz="5000" dirty="0" smtClean="0">
-                <a:latin typeface="나눔스퀘어" panose="020B0600000101010101" pitchFamily="50" charset="-127"/>
-                <a:ea typeface="나눔스퀘어" panose="020B0600000101010101" pitchFamily="50" charset="-127"/>
-              </a:rPr>
-              <a:t>및 활용 분야</a:t>
-            </a:r>
-            <a:endParaRPr lang="ko-KR" altLang="en-US" sz="5000" dirty="0">
-              <a:latin typeface="나눔스퀘어" panose="020B0600000101010101" pitchFamily="50" charset="-127"/>
-              <a:ea typeface="나눔스퀘어" panose="020B0600000101010101" pitchFamily="50" charset="-127"/>
-            </a:endParaRPr>
+              <a:t>원격의료의 정의 및 활용 분야</a:t>
+            </a:r>
           </a:p>
         </p:txBody>
       </p:sp>
@@ -5520,7 +5484,7 @@
           <a:lstStyle/>
           <a:p>
             <a:r>
-              <a:rPr lang="en-US" altLang="ko-KR" sz="3000" dirty="0" smtClean="0">
+              <a:rPr lang="en-US" altLang="ko-KR" sz="3000" dirty="0">
                 <a:solidFill>
                   <a:srgbClr val="222222"/>
                 </a:solidFill>
@@ -5530,24 +5494,14 @@
               <a:t>: </a:t>
             </a:r>
             <a:r>
-              <a:rPr lang="ko-KR" altLang="en-US" sz="3000" dirty="0" smtClean="0">
+              <a:rPr lang="ko-KR" altLang="en-US" sz="3000" dirty="0">
                 <a:solidFill>
                   <a:srgbClr val="222222"/>
                 </a:solidFill>
                 <a:latin typeface="나눔스퀘어" panose="020B0600000101010101" pitchFamily="50" charset="-127"/>
                 <a:ea typeface="나눔스퀘어" panose="020B0600000101010101" pitchFamily="50" charset="-127"/>
               </a:rPr>
-              <a:t>원거리에 </a:t>
-            </a:r>
-            <a:r>
-              <a:rPr lang="ko-KR" altLang="en-US" sz="3000" dirty="0">
-                <a:solidFill>
-                  <a:srgbClr val="222222"/>
-                </a:solidFill>
-                <a:latin typeface="나눔스퀘어" panose="020B0600000101010101" pitchFamily="50" charset="-127"/>
-                <a:ea typeface="나눔스퀘어" panose="020B0600000101010101" pitchFamily="50" charset="-127"/>
-              </a:rPr>
-              <a:t>있는 의료수요자와 의료 공급자 사이에 </a:t>
+              <a:t>원거리에 있는 의료수요자와 의료 공급자 사이에 </a:t>
             </a:r>
             <a:r>
               <a:rPr lang="ko-KR" altLang="en-US" sz="3000" u="sng" dirty="0">
@@ -5605,17 +5559,7 @@
                 <a:latin typeface="나눔스퀘어" panose="020B0600000101010101" pitchFamily="50" charset="-127"/>
                 <a:ea typeface="나눔스퀘어" panose="020B0600000101010101" pitchFamily="50" charset="-127"/>
               </a:rPr>
-              <a:t>기존의 의료 서비스 모델에서의 원격 의료 모델의 전환 </a:t>
-            </a:r>
-            <a:r>
-              <a:rPr lang="ko-KR" altLang="en-US" sz="3000" dirty="0" smtClean="0">
-                <a:solidFill>
-                  <a:srgbClr val="222222"/>
-                </a:solidFill>
-                <a:latin typeface="나눔스퀘어" panose="020B0600000101010101" pitchFamily="50" charset="-127"/>
-                <a:ea typeface="나눔스퀘어" panose="020B0600000101010101" pitchFamily="50" charset="-127"/>
-              </a:rPr>
-              <a:t>가능성이 ↑</a:t>
+              <a:t>기존의 의료 서비스 모델에서의 원격 의료 모델의 전환 가능성이 ↑</a:t>
             </a:r>
             <a:endParaRPr lang="ko-KR" altLang="en-US" sz="3000" dirty="0">
               <a:latin typeface="나눔스퀘어" panose="020B0600000101010101" pitchFamily="50" charset="-127"/>
@@ -5646,7 +5590,7 @@
           <a:lstStyle/>
           <a:p>
             <a:r>
-              <a:rPr lang="ko-KR" altLang="en-US" sz="3000" dirty="0" smtClean="0">
+              <a:rPr lang="ko-KR" altLang="en-US" sz="3000" dirty="0">
                 <a:solidFill>
                   <a:srgbClr val="222222"/>
                 </a:solidFill>
@@ -5656,7 +5600,7 @@
               <a:t>원격 의료의 방식은 비대면 진료</a:t>
             </a:r>
             <a:r>
-              <a:rPr lang="en-US" altLang="ko-KR" sz="3000" dirty="0" smtClean="0">
+              <a:rPr lang="en-US" altLang="ko-KR" sz="3000" dirty="0">
                 <a:solidFill>
                   <a:srgbClr val="222222"/>
                 </a:solidFill>
@@ -5666,7 +5610,7 @@
               <a:t>, </a:t>
             </a:r>
             <a:r>
-              <a:rPr lang="ko-KR" altLang="en-US" sz="3000" dirty="0" smtClean="0">
+              <a:rPr lang="ko-KR" altLang="en-US" sz="3000" dirty="0">
                 <a:solidFill>
                   <a:srgbClr val="222222"/>
                 </a:solidFill>
@@ -5676,7 +5620,7 @@
               <a:t>건강관리 모니터링</a:t>
             </a:r>
             <a:r>
-              <a:rPr lang="en-US" altLang="ko-KR" sz="3000" dirty="0" smtClean="0">
+              <a:rPr lang="en-US" altLang="ko-KR" sz="3000" dirty="0">
                 <a:solidFill>
                   <a:srgbClr val="222222"/>
                 </a:solidFill>
@@ -5686,7 +5630,7 @@
               <a:t>, </a:t>
             </a:r>
             <a:r>
-              <a:rPr lang="ko-KR" altLang="en-US" sz="3000" dirty="0" smtClean="0">
+              <a:rPr lang="ko-KR" altLang="en-US" sz="3000" dirty="0">
                 <a:solidFill>
                   <a:srgbClr val="222222"/>
                 </a:solidFill>
@@ -5768,7 +5712,7 @@
           <a:lstStyle/>
           <a:p>
             <a:r>
-              <a:rPr lang="ko-KR" altLang="en-US" sz="3000" dirty="0" smtClean="0">
+              <a:rPr lang="ko-KR" altLang="en-US" sz="3000" dirty="0">
                 <a:solidFill>
                   <a:srgbClr val="222222"/>
                 </a:solidFill>
@@ -5778,7 +5722,7 @@
               <a:t>병원의 기존 시스템 </a:t>
             </a:r>
             <a:r>
-              <a:rPr lang="en-US" altLang="ko-KR" sz="3000" dirty="0" smtClean="0">
+              <a:rPr lang="en-US" altLang="ko-KR" sz="3000" dirty="0">
                 <a:solidFill>
                   <a:srgbClr val="222222"/>
                 </a:solidFill>
@@ -5788,7 +5732,7 @@
               <a:t>+</a:t>
             </a:r>
             <a:r>
-              <a:rPr lang="ko-KR" altLang="en-US" sz="3000" dirty="0" smtClean="0">
+              <a:rPr lang="ko-KR" altLang="en-US" sz="3000" dirty="0">
                 <a:solidFill>
                   <a:srgbClr val="222222"/>
                 </a:solidFill>
@@ -5798,7 +5742,7 @@
               <a:t> 원격 의료의 시스템 통합 솔루션이 </a:t>
             </a:r>
             <a:r>
-              <a:rPr lang="ko-KR" altLang="en-US" sz="3000" dirty="0" smtClean="0">
+              <a:rPr lang="ko-KR" altLang="en-US" sz="3000" dirty="0">
                 <a:solidFill>
                   <a:srgbClr val="FF0000"/>
                 </a:solidFill>
@@ -5880,7 +5824,7 @@
           <a:lstStyle/>
           <a:p>
             <a:r>
-              <a:rPr lang="en-US" altLang="ko-KR" sz="2000" dirty="0" smtClean="0">
+              <a:rPr lang="en-US" altLang="ko-KR" sz="2000" dirty="0">
                 <a:latin typeface="나눔스퀘어 Bold" panose="020B0600000101010101" pitchFamily="50" charset="-127"/>
                 <a:ea typeface="나눔스퀘어 Bold" panose="020B0600000101010101" pitchFamily="50" charset="-127"/>
               </a:rPr>
@@ -5957,7 +5901,7 @@
         </p:blipFill>
         <p:spPr bwMode="auto">
           <a:xfrm>
-            <a:off x="11603940" y="7376826"/>
+            <a:off x="11811000" y="7376826"/>
             <a:ext cx="4800600" cy="2742161"/>
           </a:xfrm>
           <a:prstGeom prst="rect">
@@ -6206,16 +6150,12 @@
           <a:lstStyle/>
           <a:p>
             <a:r>
-              <a:rPr lang="ko-KR" altLang="en-US" dirty="0" smtClean="0">
-                <a:latin typeface="나눔스퀘어 Bold" panose="020B0600000101010101" pitchFamily="50" charset="-127"/>
-                <a:ea typeface="나눔스퀘어 Bold" panose="020B0600000101010101" pitchFamily="50" charset="-127"/>
+              <a:rPr lang="ko-KR" altLang="en-US" dirty="0">
+                <a:latin typeface="나눔스퀘어" panose="020B0600000101010101" pitchFamily="50" charset="-127"/>
+                <a:ea typeface="나눔스퀘어" panose="020B0600000101010101" pitchFamily="50" charset="-127"/>
               </a:rPr>
               <a:t>비대면 진료</a:t>
             </a:r>
-            <a:endParaRPr lang="ko-KR" altLang="en-US" dirty="0">
-              <a:latin typeface="나눔스퀘어 Bold" panose="020B0600000101010101" pitchFamily="50" charset="-127"/>
-              <a:ea typeface="나눔스퀘어 Bold" panose="020B0600000101010101" pitchFamily="50" charset="-127"/>
-            </a:endParaRPr>
           </a:p>
         </p:txBody>
       </p:sp>
@@ -6241,15 +6181,15 @@
           <a:lstStyle/>
           <a:p>
             <a:r>
-              <a:rPr lang="ko-KR" altLang="en-US" dirty="0" err="1" smtClean="0">
-                <a:latin typeface="나눔스퀘어 Bold" panose="020B0600000101010101" pitchFamily="50" charset="-127"/>
-                <a:ea typeface="나눔스퀘어 Bold" panose="020B0600000101010101" pitchFamily="50" charset="-127"/>
+              <a:rPr lang="ko-KR" altLang="en-US" dirty="0" err="1">
+                <a:latin typeface="나눔스퀘어" panose="020B0600000101010101" pitchFamily="50" charset="-127"/>
+                <a:ea typeface="나눔스퀘어" panose="020B0600000101010101" pitchFamily="50" charset="-127"/>
               </a:rPr>
               <a:t>클라우드</a:t>
             </a:r>
-            <a:endParaRPr lang="en-US" altLang="ko-KR" dirty="0" smtClean="0">
-              <a:latin typeface="나눔스퀘어 Bold" panose="020B0600000101010101" pitchFamily="50" charset="-127"/>
-              <a:ea typeface="나눔스퀘어 Bold" panose="020B0600000101010101" pitchFamily="50" charset="-127"/>
+            <a:endParaRPr lang="en-US" altLang="ko-KR" dirty="0">
+              <a:latin typeface="나눔스퀘어" panose="020B0600000101010101" pitchFamily="50" charset="-127"/>
+              <a:ea typeface="나눔스퀘어" panose="020B0600000101010101" pitchFamily="50" charset="-127"/>
             </a:endParaRPr>
           </a:p>
         </p:txBody>
@@ -6262,7 +6202,7 @@
         </p:nvSpPr>
         <p:spPr>
           <a:xfrm>
-            <a:off x="13030200" y="9910254"/>
+            <a:off x="13250139" y="9818949"/>
             <a:ext cx="1922321" cy="369332"/>
           </a:xfrm>
           <a:prstGeom prst="rect">
@@ -6276,22 +6216,22 @@
           <a:lstStyle/>
           <a:p>
             <a:r>
-              <a:rPr lang="ko-KR" altLang="en-US" err="1" smtClean="0">
-                <a:latin typeface="나눔스퀘어 Bold" panose="020B0600000101010101" pitchFamily="50" charset="-127"/>
-                <a:ea typeface="나눔스퀘어 Bold" panose="020B0600000101010101" pitchFamily="50" charset="-127"/>
+              <a:rPr lang="ko-KR" altLang="en-US" err="1">
+                <a:latin typeface="나눔스퀘어" panose="020B0600000101010101" pitchFamily="50" charset="-127"/>
+                <a:ea typeface="나눔스퀘어" panose="020B0600000101010101" pitchFamily="50" charset="-127"/>
               </a:rPr>
               <a:t>웨어러블</a:t>
             </a:r>
             <a:r>
-              <a:rPr lang="ko-KR" altLang="en-US" dirty="0" smtClean="0">
-                <a:latin typeface="나눔스퀘어 Bold" panose="020B0600000101010101" pitchFamily="50" charset="-127"/>
-                <a:ea typeface="나눔스퀘어 Bold" panose="020B0600000101010101" pitchFamily="50" charset="-127"/>
+              <a:rPr lang="ko-KR" altLang="en-US" dirty="0">
+                <a:latin typeface="나눔스퀘어" panose="020B0600000101010101" pitchFamily="50" charset="-127"/>
+                <a:ea typeface="나눔스퀘어" panose="020B0600000101010101" pitchFamily="50" charset="-127"/>
               </a:rPr>
               <a:t> 디바이스</a:t>
             </a:r>
-            <a:endParaRPr lang="en-US" altLang="ko-KR" dirty="0" smtClean="0">
-              <a:latin typeface="나눔스퀘어 Bold" panose="020B0600000101010101" pitchFamily="50" charset="-127"/>
-              <a:ea typeface="나눔스퀘어 Bold" panose="020B0600000101010101" pitchFamily="50" charset="-127"/>
+            <a:endParaRPr lang="en-US" altLang="ko-KR" dirty="0">
+              <a:latin typeface="나눔스퀘어" panose="020B0600000101010101" pitchFamily="50" charset="-127"/>
+              <a:ea typeface="나눔스퀘어" panose="020B0600000101010101" pitchFamily="50" charset="-127"/>
             </a:endParaRPr>
           </a:p>
         </p:txBody>
@@ -6306,13 +6246,6 @@
   <p:clrMapOvr>
     <a:masterClrMapping/>
   </p:clrMapOvr>
-  <p:timing>
-    <p:tnLst>
-      <p:par>
-        <p:cTn id="1" dur="indefinite" restart="never" nodeType="tmRoot"/>
-      </p:par>
-    </p:tnLst>
-  </p:timing>
 </p:sld>
 </file>
 
@@ -6528,18 +6461,11 @@
           <a:lstStyle/>
           <a:p>
             <a:r>
-              <a:rPr lang="en-US" altLang="ko-KR" sz="5000" dirty="0" smtClean="0">
-                <a:latin typeface="나눔스퀘어" panose="020B0600000101010101" pitchFamily="50" charset="-127"/>
-                <a:ea typeface="나눔스퀘어" panose="020B0600000101010101" pitchFamily="50" charset="-127"/>
-              </a:rPr>
-              <a:t>FUTURE: </a:t>
-            </a:r>
-            <a:r>
               <a:rPr lang="en-US" altLang="ko-KR" sz="5000" dirty="0">
                 <a:latin typeface="나눔스퀘어" panose="020B0600000101010101" pitchFamily="50" charset="-127"/>
                 <a:ea typeface="나눔스퀘어" panose="020B0600000101010101" pitchFamily="50" charset="-127"/>
               </a:rPr>
-              <a:t>NDS</a:t>
+              <a:t>FUTURE: NDS</a:t>
             </a:r>
             <a:r>
               <a:rPr lang="ko-KR" altLang="en-US" sz="5000" dirty="0">
@@ -7192,13 +7118,6 @@
   <p:clrMapOvr>
     <a:masterClrMapping/>
   </p:clrMapOvr>
-  <p:timing>
-    <p:tnLst>
-      <p:par>
-        <p:cTn id="1" dur="indefinite" restart="never" nodeType="tmRoot"/>
-      </p:par>
-    </p:tnLst>
-  </p:timing>
 </p:sld>
 </file>
 
